--- a/nlpproject.pptx
+++ b/nlpproject.pptx
@@ -5,25 +5,28 @@
     <p:sldMasterId id="2147483864" r:id="rId1"/>
   </p:sldMasterIdLst>
   <p:notesMasterIdLst>
-    <p:notesMasterId r:id="rId18"/>
+    <p:notesMasterId r:id="rId21"/>
   </p:notesMasterIdLst>
   <p:sldIdLst>
     <p:sldId id="256" r:id="rId2"/>
     <p:sldId id="257" r:id="rId3"/>
     <p:sldId id="258" r:id="rId4"/>
-    <p:sldId id="259" r:id="rId5"/>
-    <p:sldId id="260" r:id="rId6"/>
-    <p:sldId id="261" r:id="rId7"/>
-    <p:sldId id="262" r:id="rId8"/>
-    <p:sldId id="264" r:id="rId9"/>
-    <p:sldId id="265" r:id="rId10"/>
-    <p:sldId id="268" r:id="rId11"/>
-    <p:sldId id="269" r:id="rId12"/>
-    <p:sldId id="270" r:id="rId13"/>
-    <p:sldId id="271" r:id="rId14"/>
-    <p:sldId id="272" r:id="rId15"/>
-    <p:sldId id="273" r:id="rId16"/>
-    <p:sldId id="274" r:id="rId17"/>
+    <p:sldId id="276" r:id="rId5"/>
+    <p:sldId id="277" r:id="rId6"/>
+    <p:sldId id="259" r:id="rId7"/>
+    <p:sldId id="260" r:id="rId8"/>
+    <p:sldId id="261" r:id="rId9"/>
+    <p:sldId id="262" r:id="rId10"/>
+    <p:sldId id="264" r:id="rId11"/>
+    <p:sldId id="265" r:id="rId12"/>
+    <p:sldId id="268" r:id="rId13"/>
+    <p:sldId id="269" r:id="rId14"/>
+    <p:sldId id="270" r:id="rId15"/>
+    <p:sldId id="271" r:id="rId16"/>
+    <p:sldId id="272" r:id="rId17"/>
+    <p:sldId id="273" r:id="rId18"/>
+    <p:sldId id="278" r:id="rId19"/>
+    <p:sldId id="274" r:id="rId20"/>
   </p:sldIdLst>
   <p:sldSz cx="12192000" cy="6858000"/>
   <p:notesSz cx="6858000" cy="9144000"/>
@@ -122,6 +125,11 @@
       </a:defRPr>
     </a:lvl9pPr>
   </p:defaultTextStyle>
+  <p:extLst>
+    <p:ext uri="{EFAFB233-063F-42B5-8137-9DF3F51BA10A}">
+      <p15:sldGuideLst xmlns:p15="http://schemas.microsoft.com/office/powerpoint/2012/main"/>
+    </p:ext>
+  </p:extLst>
 </p:presentation>
 </file>
 
@@ -2516,18 +2524,13 @@
         <a:lstStyle/>
         <a:p>
           <a:r>
-            <a:rPr lang="en-US" dirty="0" smtClean="0">
+            <a:rPr lang="en-US" dirty="0">
               <a:solidFill>
                 <a:srgbClr val="002060"/>
               </a:solidFill>
             </a:rPr>
             <a:t>ALGORITHMS</a:t>
           </a:r>
-          <a:endParaRPr lang="en-US" dirty="0">
-            <a:solidFill>
-              <a:srgbClr val="002060"/>
-            </a:solidFill>
-          </a:endParaRPr>
         </a:p>
       </dgm:t>
     </dgm:pt>
@@ -2561,10 +2564,9 @@
         <a:lstStyle/>
         <a:p>
           <a:r>
-            <a:rPr lang="en-US" sz="2400" dirty="0" smtClean="0"/>
+            <a:rPr lang="en-US" sz="2400" dirty="0"/>
             <a:t>Multinomial Naïve Bayes</a:t>
           </a:r>
-          <a:endParaRPr lang="en-US" sz="2400" dirty="0"/>
         </a:p>
       </dgm:t>
     </dgm:pt>
@@ -2598,10 +2600,9 @@
         <a:lstStyle/>
         <a:p>
           <a:r>
-            <a:rPr lang="en-US" sz="2400" dirty="0" smtClean="0"/>
+            <a:rPr lang="en-US" sz="2400" dirty="0"/>
             <a:t>Stochastic Gradient Descent </a:t>
           </a:r>
-          <a:endParaRPr lang="en-US" sz="2400" dirty="0"/>
         </a:p>
       </dgm:t>
     </dgm:pt>
@@ -2635,10 +2636,9 @@
         <a:lstStyle/>
         <a:p>
           <a:r>
-            <a:rPr lang="en-US" sz="2400" dirty="0" smtClean="0"/>
+            <a:rPr lang="en-US" sz="2400" dirty="0"/>
             <a:t>Decision Tree Learning</a:t>
           </a:r>
-          <a:endParaRPr lang="en-US" sz="2400" dirty="0"/>
         </a:p>
       </dgm:t>
     </dgm:pt>
@@ -2672,10 +2672,9 @@
         <a:lstStyle/>
         <a:p>
           <a:r>
-            <a:rPr lang="en-US" sz="2400" dirty="0" smtClean="0"/>
+            <a:rPr lang="en-US" sz="2400" dirty="0"/>
             <a:t>Adaptive Boosting</a:t>
           </a:r>
-          <a:endParaRPr lang="en-US" sz="2400" dirty="0"/>
         </a:p>
       </dgm:t>
     </dgm:pt>
@@ -2709,10 +2708,9 @@
         <a:lstStyle/>
         <a:p>
           <a:r>
-            <a:rPr lang="en-US" sz="2400" dirty="0" smtClean="0"/>
+            <a:rPr lang="en-US" sz="2400" dirty="0"/>
             <a:t>K Nearest Neighbors</a:t>
           </a:r>
-          <a:endParaRPr lang="en-US" sz="2400" dirty="0"/>
         </a:p>
       </dgm:t>
     </dgm:pt>
@@ -2746,10 +2744,9 @@
         <a:lstStyle/>
         <a:p>
           <a:r>
-            <a:rPr lang="en-US" sz="2400" dirty="0" smtClean="0"/>
+            <a:rPr lang="en-US" sz="2400" dirty="0"/>
             <a:t>Support Vector Machine</a:t>
           </a:r>
-          <a:endParaRPr lang="en-US" sz="2400" dirty="0"/>
         </a:p>
       </dgm:t>
     </dgm:pt>
@@ -2769,10 +2766,9 @@
         <a:lstStyle/>
         <a:p>
           <a:r>
-            <a:rPr lang="en-US" sz="2400" dirty="0" smtClean="0"/>
+            <a:rPr lang="en-US" sz="2400" dirty="0"/>
             <a:t>Multilayer Perceptron</a:t>
           </a:r>
-          <a:endParaRPr lang="en-US" sz="2400" dirty="0"/>
         </a:p>
       </dgm:t>
     </dgm:pt>
@@ -2814,33 +2810,26 @@
         </dgm:presLayoutVars>
       </dgm:prSet>
       <dgm:spPr/>
-      <dgm:t>
-        <a:bodyPr/>
-        <a:lstStyle/>
-        <a:p>
-          <a:endParaRPr lang="en-US"/>
-        </a:p>
-      </dgm:t>
     </dgm:pt>
   </dgm:ptLst>
   <dgm:cxnLst>
-    <dgm:cxn modelId="{8B9C203C-BFBB-4D78-97CC-43601C58A492}" srcId="{7F08A39B-E03F-43EC-B0FB-9109B71E68C4}" destId="{763F9EB1-1B36-4920-BEC7-E3C8E5236AAB}" srcOrd="3" destOrd="0" parTransId="{5E8E170E-B3D0-4292-A860-989FBB578EDC}" sibTransId="{9F3AC57E-BCCF-4B5A-8B78-1DD8CFAD29F5}"/>
     <dgm:cxn modelId="{1B0E0EEA-3866-45AD-B35E-094965A4F55F}" type="presOf" srcId="{763F9EB1-1B36-4920-BEC7-E3C8E5236AAB}" destId="{DDA67AC6-B355-4EB8-8F8C-9C38B01DCE1C}" srcOrd="0" destOrd="3" presId="urn:microsoft.com/office/officeart/2005/8/layout/chevron2"/>
-    <dgm:cxn modelId="{AA0018DE-FBFA-4FB5-8907-EAE74DDD26DF}" srcId="{7F08A39B-E03F-43EC-B0FB-9109B71E68C4}" destId="{5A31A119-953A-4AD9-BFCA-80C2026C1E24}" srcOrd="2" destOrd="0" parTransId="{1C760EB3-2FB3-47D9-83BB-9FAD2C96917B}" sibTransId="{263CA68A-13A5-4760-85AC-DAE956978330}"/>
     <dgm:cxn modelId="{9C48B5A4-E890-43DA-93DF-BAA4B178E2E3}" srcId="{7F08A39B-E03F-43EC-B0FB-9109B71E68C4}" destId="{B1AC16CA-BFC9-4782-8F4C-60DD8105C575}" srcOrd="6" destOrd="0" parTransId="{DFEE82FF-62A9-4D6E-BE42-CC7B950F5917}" sibTransId="{2D5F21E8-8F75-46E1-B9CA-3AEF7B05C7B9}"/>
-    <dgm:cxn modelId="{5D6287DA-2107-4C93-81DA-D3E1A75BBB71}" type="presOf" srcId="{910E28AF-06E6-4DE1-8AE8-691276FD224F}" destId="{EAF9330E-0FF2-4B6C-AF29-DC1B780932C0}" srcOrd="0" destOrd="0" presId="urn:microsoft.com/office/officeart/2005/8/layout/chevron2"/>
-    <dgm:cxn modelId="{2EEE3F1F-1A71-4230-A3B8-AAF4D3C91D4B}" type="presOf" srcId="{7F08A39B-E03F-43EC-B0FB-9109B71E68C4}" destId="{DE37A39C-17D8-413B-A965-D586EF982CC6}" srcOrd="0" destOrd="0" presId="urn:microsoft.com/office/officeart/2005/8/layout/chevron2"/>
+    <dgm:cxn modelId="{FF7AF544-FD26-437C-8DA1-D8423B5826DB}" srcId="{910E28AF-06E6-4DE1-8AE8-691276FD224F}" destId="{7F08A39B-E03F-43EC-B0FB-9109B71E68C4}" srcOrd="0" destOrd="0" parTransId="{E1042500-1ABD-48B8-AA0E-CB81D0E8B85E}" sibTransId="{42802EDB-16D4-493C-8C01-ECA3067801AE}"/>
+    <dgm:cxn modelId="{1D0BA7B8-20C7-4B03-A5D4-B13DA543C28C}" type="presOf" srcId="{5A31A119-953A-4AD9-BFCA-80C2026C1E24}" destId="{DDA67AC6-B355-4EB8-8F8C-9C38B01DCE1C}" srcOrd="0" destOrd="2" presId="urn:microsoft.com/office/officeart/2005/8/layout/chevron2"/>
     <dgm:cxn modelId="{92C39EED-49E8-4276-A57C-4ED7F2EC56AB}" type="presOf" srcId="{A2FDF2BD-967D-44AC-B4DA-2B7A128E5A19}" destId="{DDA67AC6-B355-4EB8-8F8C-9C38B01DCE1C}" srcOrd="0" destOrd="5" presId="urn:microsoft.com/office/officeart/2005/8/layout/chevron2"/>
     <dgm:cxn modelId="{104E185A-C5E8-4AD7-AADA-3F8903135901}" srcId="{7F08A39B-E03F-43EC-B0FB-9109B71E68C4}" destId="{55CCD832-F351-4B35-995C-4E253D4A54E2}" srcOrd="0" destOrd="0" parTransId="{A6533D37-91B9-434B-AD0C-0E27B9A94DA3}" sibTransId="{74C802AE-4F73-46FC-A5EC-B32D6837D86B}"/>
+    <dgm:cxn modelId="{2EEE3F1F-1A71-4230-A3B8-AAF4D3C91D4B}" type="presOf" srcId="{7F08A39B-E03F-43EC-B0FB-9109B71E68C4}" destId="{DE37A39C-17D8-413B-A965-D586EF982CC6}" srcOrd="0" destOrd="0" presId="urn:microsoft.com/office/officeart/2005/8/layout/chevron2"/>
     <dgm:cxn modelId="{3276B65E-D0EF-46F4-AEFB-8CD438D29776}" srcId="{7F08A39B-E03F-43EC-B0FB-9109B71E68C4}" destId="{A2FDF2BD-967D-44AC-B4DA-2B7A128E5A19}" srcOrd="5" destOrd="0" parTransId="{2F089721-248E-494D-B1E8-C9CB5F5AFF76}" sibTransId="{A0ECD0B8-8CEB-47EE-98D9-E04D16A21A44}"/>
     <dgm:cxn modelId="{79841296-2327-4BB4-B40F-F22F6391EDF5}" type="presOf" srcId="{B1AC16CA-BFC9-4782-8F4C-60DD8105C575}" destId="{DDA67AC6-B355-4EB8-8F8C-9C38B01DCE1C}" srcOrd="0" destOrd="6" presId="urn:microsoft.com/office/officeart/2005/8/layout/chevron2"/>
+    <dgm:cxn modelId="{AA0018DE-FBFA-4FB5-8907-EAE74DDD26DF}" srcId="{7F08A39B-E03F-43EC-B0FB-9109B71E68C4}" destId="{5A31A119-953A-4AD9-BFCA-80C2026C1E24}" srcOrd="2" destOrd="0" parTransId="{1C760EB3-2FB3-47D9-83BB-9FAD2C96917B}" sibTransId="{263CA68A-13A5-4760-85AC-DAE956978330}"/>
+    <dgm:cxn modelId="{8B9C203C-BFBB-4D78-97CC-43601C58A492}" srcId="{7F08A39B-E03F-43EC-B0FB-9109B71E68C4}" destId="{763F9EB1-1B36-4920-BEC7-E3C8E5236AAB}" srcOrd="3" destOrd="0" parTransId="{5E8E170E-B3D0-4292-A860-989FBB578EDC}" sibTransId="{9F3AC57E-BCCF-4B5A-8B78-1DD8CFAD29F5}"/>
+    <dgm:cxn modelId="{128D4B63-66BD-46BF-8C2C-B5111ECE088A}" type="presOf" srcId="{60FEC8D7-5714-41D8-918C-B4100062E18C}" destId="{DDA67AC6-B355-4EB8-8F8C-9C38B01DCE1C}" srcOrd="0" destOrd="1" presId="urn:microsoft.com/office/officeart/2005/8/layout/chevron2"/>
+    <dgm:cxn modelId="{5D6287DA-2107-4C93-81DA-D3E1A75BBB71}" type="presOf" srcId="{910E28AF-06E6-4DE1-8AE8-691276FD224F}" destId="{EAF9330E-0FF2-4B6C-AF29-DC1B780932C0}" srcOrd="0" destOrd="0" presId="urn:microsoft.com/office/officeart/2005/8/layout/chevron2"/>
+    <dgm:cxn modelId="{6B34B4B0-6E85-472C-BE0C-A4E8FA88EFA1}" type="presOf" srcId="{55CCD832-F351-4B35-995C-4E253D4A54E2}" destId="{DDA67AC6-B355-4EB8-8F8C-9C38B01DCE1C}" srcOrd="0" destOrd="0" presId="urn:microsoft.com/office/officeart/2005/8/layout/chevron2"/>
+    <dgm:cxn modelId="{7A012B8F-C5F2-454D-9E3E-718CE9578FFE}" type="presOf" srcId="{9AD544C3-1747-4018-8698-D9F0646C990E}" destId="{DDA67AC6-B355-4EB8-8F8C-9C38B01DCE1C}" srcOrd="0" destOrd="4" presId="urn:microsoft.com/office/officeart/2005/8/layout/chevron2"/>
     <dgm:cxn modelId="{C8588453-EF5B-41E4-BA56-477D7CB48BCE}" srcId="{7F08A39B-E03F-43EC-B0FB-9109B71E68C4}" destId="{60FEC8D7-5714-41D8-918C-B4100062E18C}" srcOrd="1" destOrd="0" parTransId="{B5D862EE-4A02-4E68-8C3A-632D1A221E77}" sibTransId="{68D1FA49-48F9-455E-97CD-E96A87F82162}"/>
-    <dgm:cxn modelId="{6B34B4B0-6E85-472C-BE0C-A4E8FA88EFA1}" type="presOf" srcId="{55CCD832-F351-4B35-995C-4E253D4A54E2}" destId="{DDA67AC6-B355-4EB8-8F8C-9C38B01DCE1C}" srcOrd="0" destOrd="0" presId="urn:microsoft.com/office/officeart/2005/8/layout/chevron2"/>
-    <dgm:cxn modelId="{1D0BA7B8-20C7-4B03-A5D4-B13DA543C28C}" type="presOf" srcId="{5A31A119-953A-4AD9-BFCA-80C2026C1E24}" destId="{DDA67AC6-B355-4EB8-8F8C-9C38B01DCE1C}" srcOrd="0" destOrd="2" presId="urn:microsoft.com/office/officeart/2005/8/layout/chevron2"/>
-    <dgm:cxn modelId="{7A012B8F-C5F2-454D-9E3E-718CE9578FFE}" type="presOf" srcId="{9AD544C3-1747-4018-8698-D9F0646C990E}" destId="{DDA67AC6-B355-4EB8-8F8C-9C38B01DCE1C}" srcOrd="0" destOrd="4" presId="urn:microsoft.com/office/officeart/2005/8/layout/chevron2"/>
     <dgm:cxn modelId="{AC4B281D-FE12-4F90-8BB8-56DB50CC135E}" srcId="{7F08A39B-E03F-43EC-B0FB-9109B71E68C4}" destId="{9AD544C3-1747-4018-8698-D9F0646C990E}" srcOrd="4" destOrd="0" parTransId="{B8601E02-0E93-454E-AC3C-7256F8710E6E}" sibTransId="{F7E18BF8-87A6-43F8-8388-B673A3CD1846}"/>
-    <dgm:cxn modelId="{FF7AF544-FD26-437C-8DA1-D8423B5826DB}" srcId="{910E28AF-06E6-4DE1-8AE8-691276FD224F}" destId="{7F08A39B-E03F-43EC-B0FB-9109B71E68C4}" srcOrd="0" destOrd="0" parTransId="{E1042500-1ABD-48B8-AA0E-CB81D0E8B85E}" sibTransId="{42802EDB-16D4-493C-8C01-ECA3067801AE}"/>
-    <dgm:cxn modelId="{128D4B63-66BD-46BF-8C2C-B5111ECE088A}" type="presOf" srcId="{60FEC8D7-5714-41D8-918C-B4100062E18C}" destId="{DDA67AC6-B355-4EB8-8F8C-9C38B01DCE1C}" srcOrd="0" destOrd="1" presId="urn:microsoft.com/office/officeart/2005/8/layout/chevron2"/>
     <dgm:cxn modelId="{091DBB76-8CF6-4209-B9E5-C07485F7E30F}" type="presParOf" srcId="{EAF9330E-0FF2-4B6C-AF29-DC1B780932C0}" destId="{58EB28C5-7052-42F5-9794-C5849B1051ED}" srcOrd="0" destOrd="0" presId="urn:microsoft.com/office/officeart/2005/8/layout/chevron2"/>
     <dgm:cxn modelId="{C9D185B6-3CDF-4DC4-B643-C7ED902AAB65}" type="presParOf" srcId="{58EB28C5-7052-42F5-9794-C5849B1051ED}" destId="{DE37A39C-17D8-413B-A965-D586EF982CC6}" srcOrd="0" destOrd="0" presId="urn:microsoft.com/office/officeart/2005/8/layout/chevron2"/>
     <dgm:cxn modelId="{E4499775-4855-4E5F-A695-33A3BB8F9B52}" type="presParOf" srcId="{58EB28C5-7052-42F5-9794-C5849B1051ED}" destId="{DDA67AC6-B355-4EB8-8F8C-9C38B01DCE1C}" srcOrd="1" destOrd="0" presId="urn:microsoft.com/office/officeart/2005/8/layout/chevron2"/>
@@ -2877,18 +2866,13 @@
         <a:lstStyle/>
         <a:p>
           <a:r>
-            <a:rPr lang="en-US" sz="4000" dirty="0" smtClean="0">
+            <a:rPr lang="en-US" sz="4000" dirty="0">
               <a:solidFill>
                 <a:srgbClr val="002060"/>
               </a:solidFill>
             </a:rPr>
             <a:t>FEATURES</a:t>
           </a:r>
-          <a:endParaRPr lang="en-US" sz="4000" dirty="0">
-            <a:solidFill>
-              <a:srgbClr val="002060"/>
-            </a:solidFill>
-          </a:endParaRPr>
         </a:p>
       </dgm:t>
     </dgm:pt>
@@ -2922,11 +2906,11 @@
         <a:lstStyle/>
         <a:p>
           <a:r>
-            <a:rPr lang="en-US" sz="2400" dirty="0" smtClean="0"/>
+            <a:rPr lang="en-US" sz="2400" dirty="0"/>
             <a:t>Bag of words - </a:t>
           </a:r>
           <a:r>
-            <a:rPr lang="en-US" sz="2000" b="0" i="0" dirty="0" smtClean="0">
+            <a:rPr lang="en-US" sz="2000" b="0" i="0" dirty="0">
               <a:latin typeface="Calibri" panose="020F0502020204030204" pitchFamily="34" charset="0"/>
               <a:cs typeface="Calibri" panose="020F0502020204030204" pitchFamily="34" charset="0"/>
             </a:rPr>
@@ -2969,20 +2953,16 @@
         <a:lstStyle/>
         <a:p>
           <a:r>
-            <a:rPr lang="en-US" sz="2400" dirty="0" smtClean="0"/>
+            <a:rPr lang="en-US" sz="2400" dirty="0"/>
             <a:t>Punctuation - </a:t>
           </a:r>
           <a:r>
-            <a:rPr lang="en-US" sz="2000" dirty="0" smtClean="0">
+            <a:rPr lang="en-US" sz="2000" dirty="0">
               <a:latin typeface="Calibri" panose="020F0502020204030204" pitchFamily="34" charset="0"/>
               <a:cs typeface="Calibri" panose="020F0502020204030204" pitchFamily="34" charset="0"/>
             </a:rPr>
             <a:t>removing punctuation to better tokenize text</a:t>
           </a:r>
-          <a:endParaRPr lang="en-US" sz="2000" dirty="0">
-            <a:latin typeface="Calibri" panose="020F0502020204030204" pitchFamily="34" charset="0"/>
-            <a:cs typeface="Calibri" panose="020F0502020204030204" pitchFamily="34" charset="0"/>
-          </a:endParaRPr>
         </a:p>
       </dgm:t>
     </dgm:pt>
@@ -3016,20 +2996,16 @@
         <a:lstStyle/>
         <a:p>
           <a:r>
-            <a:rPr lang="en-US" sz="2400" dirty="0" smtClean="0"/>
+            <a:rPr lang="en-US" sz="2400" dirty="0"/>
             <a:t>Stop Words - </a:t>
           </a:r>
           <a:r>
-            <a:rPr lang="en-US" sz="2000" dirty="0" smtClean="0">
+            <a:rPr lang="en-US" sz="2000" dirty="0">
               <a:latin typeface="Calibri" panose="020F0502020204030204" pitchFamily="34" charset="0"/>
               <a:cs typeface="Calibri" panose="020F0502020204030204" pitchFamily="34" charset="0"/>
             </a:rPr>
             <a:t>most common words are filtered out during preprocessing of data</a:t>
           </a:r>
-          <a:endParaRPr lang="en-US" sz="2000" dirty="0">
-            <a:latin typeface="Calibri" panose="020F0502020204030204" pitchFamily="34" charset="0"/>
-            <a:cs typeface="Calibri" panose="020F0502020204030204" pitchFamily="34" charset="0"/>
-          </a:endParaRPr>
         </a:p>
       </dgm:t>
     </dgm:pt>
@@ -3063,14 +3039,14 @@
         <a:lstStyle/>
         <a:p>
           <a:r>
-            <a:rPr lang="en-US" sz="2400" b="0" dirty="0" smtClean="0">
+            <a:rPr lang="en-US" sz="2400" b="0" dirty="0">
               <a:latin typeface="+mj-lt"/>
               <a:cs typeface="Calibri" panose="020F0502020204030204" pitchFamily="34" charset="0"/>
             </a:rPr>
             <a:t>Stemming - </a:t>
           </a:r>
           <a:r>
-            <a:rPr lang="en-US" sz="2000" b="0" i="0" dirty="0" smtClean="0">
+            <a:rPr lang="en-US" sz="2000" b="0" i="0" dirty="0">
               <a:latin typeface="Calibri" panose="020F0502020204030204" pitchFamily="34" charset="0"/>
               <a:cs typeface="Calibri" panose="020F0502020204030204" pitchFamily="34" charset="0"/>
             </a:rPr>
@@ -3099,21 +3075,21 @@
         <a:lstStyle/>
         <a:p>
           <a:r>
-            <a:rPr lang="en-US" sz="2400" dirty="0" smtClean="0">
+            <a:rPr lang="en-US" sz="2400" dirty="0">
               <a:latin typeface="+mj-lt"/>
               <a:cs typeface="Calibri" panose="020F0502020204030204" pitchFamily="34" charset="0"/>
             </a:rPr>
             <a:t>Lemmatization -</a:t>
           </a:r>
           <a:r>
-            <a:rPr lang="en-US" sz="2000" dirty="0" smtClean="0">
+            <a:rPr lang="en-US" sz="2000" dirty="0">
               <a:latin typeface="Calibri" panose="020F0502020204030204" pitchFamily="34" charset="0"/>
               <a:cs typeface="Calibri" panose="020F0502020204030204" pitchFamily="34" charset="0"/>
             </a:rPr>
             <a:t> </a:t>
           </a:r>
           <a:r>
-            <a:rPr lang="en-US" sz="2000" b="0" i="0" dirty="0" smtClean="0">
+            <a:rPr lang="en-US" sz="2000" b="0" i="0" dirty="0">
               <a:latin typeface="Calibri" panose="020F0502020204030204" pitchFamily="34" charset="0"/>
               <a:cs typeface="Calibri" panose="020F0502020204030204" pitchFamily="34" charset="0"/>
             </a:rPr>
@@ -3156,13 +3132,6 @@
         </dgm:presLayoutVars>
       </dgm:prSet>
       <dgm:spPr/>
-      <dgm:t>
-        <a:bodyPr/>
-        <a:lstStyle/>
-        <a:p>
-          <a:endParaRPr lang="en-US"/>
-        </a:p>
-      </dgm:t>
     </dgm:pt>
     <dgm:pt modelId="{DDA67AC6-B355-4EB8-8F8C-9C38B01DCE1C}" type="pres">
       <dgm:prSet presAssocID="{7F08A39B-E03F-43EC-B0FB-9109B71E68C4}" presName="descendantText" presStyleLbl="alignAcc1" presStyleIdx="0" presStyleCnt="1" custLinFactNeighborY="21205">
@@ -3171,29 +3140,22 @@
         </dgm:presLayoutVars>
       </dgm:prSet>
       <dgm:spPr/>
-      <dgm:t>
-        <a:bodyPr/>
-        <a:lstStyle/>
-        <a:p>
-          <a:endParaRPr lang="en-US"/>
-        </a:p>
-      </dgm:t>
     </dgm:pt>
   </dgm:ptLst>
   <dgm:cxnLst>
-    <dgm:cxn modelId="{586D2A94-2E06-4236-B739-FD87166CF06C}" type="presOf" srcId="{910E28AF-06E6-4DE1-8AE8-691276FD224F}" destId="{EAF9330E-0FF2-4B6C-AF29-DC1B780932C0}" srcOrd="0" destOrd="0" presId="urn:microsoft.com/office/officeart/2005/8/layout/chevron2"/>
-    <dgm:cxn modelId="{BCDC6611-6C9B-4969-8903-7E89D68C1401}" type="presOf" srcId="{55CCD832-F351-4B35-995C-4E253D4A54E2}" destId="{DDA67AC6-B355-4EB8-8F8C-9C38B01DCE1C}" srcOrd="0" destOrd="0" presId="urn:microsoft.com/office/officeart/2005/8/layout/chevron2"/>
-    <dgm:cxn modelId="{457A11FF-F9C9-40C2-95DC-AB74392A1EE6}" type="presOf" srcId="{FB9BF3B4-4FE6-4C86-801F-F3210B3A411B}" destId="{DDA67AC6-B355-4EB8-8F8C-9C38B01DCE1C}" srcOrd="0" destOrd="1" presId="urn:microsoft.com/office/officeart/2005/8/layout/chevron2"/>
-    <dgm:cxn modelId="{EF43F61D-7DF8-43BC-8360-D6496302DD61}" type="presOf" srcId="{7F08A39B-E03F-43EC-B0FB-9109B71E68C4}" destId="{DE37A39C-17D8-413B-A965-D586EF982CC6}" srcOrd="0" destOrd="0" presId="urn:microsoft.com/office/officeart/2005/8/layout/chevron2"/>
-    <dgm:cxn modelId="{F2EE78B9-60E2-48C1-8332-87EA07F39522}" srcId="{7F08A39B-E03F-43EC-B0FB-9109B71E68C4}" destId="{AC1B736D-E016-450B-8BEE-894C12346597}" srcOrd="4" destOrd="0" parTransId="{DDEB3C3D-1CF9-476C-8674-E40CE5345BDF}" sibTransId="{6694C1D2-8264-4727-8152-152531667AAF}"/>
-    <dgm:cxn modelId="{91B63D1E-0E70-4F0D-8F2A-614EB050FBF7}" srcId="{7F08A39B-E03F-43EC-B0FB-9109B71E68C4}" destId="{40BAB50A-4EC1-4928-87E9-3D8C82C61E5D}" srcOrd="2" destOrd="0" parTransId="{7F4BE669-B393-4B15-BEA9-C2EB6A2AAB41}" sibTransId="{B4C87AF5-43BC-4358-9AEF-81176732E06A}"/>
-    <dgm:cxn modelId="{104E185A-C5E8-4AD7-AADA-3F8903135901}" srcId="{7F08A39B-E03F-43EC-B0FB-9109B71E68C4}" destId="{55CCD832-F351-4B35-995C-4E253D4A54E2}" srcOrd="0" destOrd="0" parTransId="{A6533D37-91B9-434B-AD0C-0E27B9A94DA3}" sibTransId="{74C802AE-4F73-46FC-A5EC-B32D6837D86B}"/>
-    <dgm:cxn modelId="{8B4B9D49-6C84-41DD-990E-24D17166ABBC}" type="presOf" srcId="{AC1B736D-E016-450B-8BEE-894C12346597}" destId="{DDA67AC6-B355-4EB8-8F8C-9C38B01DCE1C}" srcOrd="0" destOrd="4" presId="urn:microsoft.com/office/officeart/2005/8/layout/chevron2"/>
-    <dgm:cxn modelId="{6AB333FD-7D58-4D05-953B-C4DE94E9DDEE}" srcId="{7F08A39B-E03F-43EC-B0FB-9109B71E68C4}" destId="{FB9BF3B4-4FE6-4C86-801F-F3210B3A411B}" srcOrd="1" destOrd="0" parTransId="{1F63BDD6-5618-496F-B1A7-2EE5A3BC3A91}" sibTransId="{ECCAFABD-0BB7-4164-9E45-8DA5FA91F666}"/>
-    <dgm:cxn modelId="{292F33C3-20FA-4F79-9856-C2DE09EB36B7}" type="presOf" srcId="{40BAB50A-4EC1-4928-87E9-3D8C82C61E5D}" destId="{DDA67AC6-B355-4EB8-8F8C-9C38B01DCE1C}" srcOrd="0" destOrd="2" presId="urn:microsoft.com/office/officeart/2005/8/layout/chevron2"/>
-    <dgm:cxn modelId="{F253E221-114D-46DC-A241-0028F29B6BC1}" srcId="{7F08A39B-E03F-43EC-B0FB-9109B71E68C4}" destId="{83E36F98-3860-4B60-9D39-F87E795F538A}" srcOrd="3" destOrd="0" parTransId="{85CBD2D5-BECC-4D12-9022-36F287359CF0}" sibTransId="{DC290579-B45A-45E3-B012-862AF118F2A8}"/>
     <dgm:cxn modelId="{C1D5B11A-875D-4912-BF50-6A6BA7131887}" type="presOf" srcId="{83E36F98-3860-4B60-9D39-F87E795F538A}" destId="{DDA67AC6-B355-4EB8-8F8C-9C38B01DCE1C}" srcOrd="0" destOrd="3" presId="urn:microsoft.com/office/officeart/2005/8/layout/chevron2"/>
     <dgm:cxn modelId="{FF7AF544-FD26-437C-8DA1-D8423B5826DB}" srcId="{910E28AF-06E6-4DE1-8AE8-691276FD224F}" destId="{7F08A39B-E03F-43EC-B0FB-9109B71E68C4}" srcOrd="0" destOrd="0" parTransId="{E1042500-1ABD-48B8-AA0E-CB81D0E8B85E}" sibTransId="{42802EDB-16D4-493C-8C01-ECA3067801AE}"/>
+    <dgm:cxn modelId="{EF43F61D-7DF8-43BC-8360-D6496302DD61}" type="presOf" srcId="{7F08A39B-E03F-43EC-B0FB-9109B71E68C4}" destId="{DE37A39C-17D8-413B-A965-D586EF982CC6}" srcOrd="0" destOrd="0" presId="urn:microsoft.com/office/officeart/2005/8/layout/chevron2"/>
+    <dgm:cxn modelId="{104E185A-C5E8-4AD7-AADA-3F8903135901}" srcId="{7F08A39B-E03F-43EC-B0FB-9109B71E68C4}" destId="{55CCD832-F351-4B35-995C-4E253D4A54E2}" srcOrd="0" destOrd="0" parTransId="{A6533D37-91B9-434B-AD0C-0E27B9A94DA3}" sibTransId="{74C802AE-4F73-46FC-A5EC-B32D6837D86B}"/>
+    <dgm:cxn modelId="{BCDC6611-6C9B-4969-8903-7E89D68C1401}" type="presOf" srcId="{55CCD832-F351-4B35-995C-4E253D4A54E2}" destId="{DDA67AC6-B355-4EB8-8F8C-9C38B01DCE1C}" srcOrd="0" destOrd="0" presId="urn:microsoft.com/office/officeart/2005/8/layout/chevron2"/>
+    <dgm:cxn modelId="{6AB333FD-7D58-4D05-953B-C4DE94E9DDEE}" srcId="{7F08A39B-E03F-43EC-B0FB-9109B71E68C4}" destId="{FB9BF3B4-4FE6-4C86-801F-F3210B3A411B}" srcOrd="1" destOrd="0" parTransId="{1F63BDD6-5618-496F-B1A7-2EE5A3BC3A91}" sibTransId="{ECCAFABD-0BB7-4164-9E45-8DA5FA91F666}"/>
+    <dgm:cxn modelId="{91B63D1E-0E70-4F0D-8F2A-614EB050FBF7}" srcId="{7F08A39B-E03F-43EC-B0FB-9109B71E68C4}" destId="{40BAB50A-4EC1-4928-87E9-3D8C82C61E5D}" srcOrd="2" destOrd="0" parTransId="{7F4BE669-B393-4B15-BEA9-C2EB6A2AAB41}" sibTransId="{B4C87AF5-43BC-4358-9AEF-81176732E06A}"/>
+    <dgm:cxn modelId="{586D2A94-2E06-4236-B739-FD87166CF06C}" type="presOf" srcId="{910E28AF-06E6-4DE1-8AE8-691276FD224F}" destId="{EAF9330E-0FF2-4B6C-AF29-DC1B780932C0}" srcOrd="0" destOrd="0" presId="urn:microsoft.com/office/officeart/2005/8/layout/chevron2"/>
+    <dgm:cxn modelId="{F253E221-114D-46DC-A241-0028F29B6BC1}" srcId="{7F08A39B-E03F-43EC-B0FB-9109B71E68C4}" destId="{83E36F98-3860-4B60-9D39-F87E795F538A}" srcOrd="3" destOrd="0" parTransId="{85CBD2D5-BECC-4D12-9022-36F287359CF0}" sibTransId="{DC290579-B45A-45E3-B012-862AF118F2A8}"/>
+    <dgm:cxn modelId="{457A11FF-F9C9-40C2-95DC-AB74392A1EE6}" type="presOf" srcId="{FB9BF3B4-4FE6-4C86-801F-F3210B3A411B}" destId="{DDA67AC6-B355-4EB8-8F8C-9C38B01DCE1C}" srcOrd="0" destOrd="1" presId="urn:microsoft.com/office/officeart/2005/8/layout/chevron2"/>
+    <dgm:cxn modelId="{292F33C3-20FA-4F79-9856-C2DE09EB36B7}" type="presOf" srcId="{40BAB50A-4EC1-4928-87E9-3D8C82C61E5D}" destId="{DDA67AC6-B355-4EB8-8F8C-9C38B01DCE1C}" srcOrd="0" destOrd="2" presId="urn:microsoft.com/office/officeart/2005/8/layout/chevron2"/>
+    <dgm:cxn modelId="{F2EE78B9-60E2-48C1-8332-87EA07F39522}" srcId="{7F08A39B-E03F-43EC-B0FB-9109B71E68C4}" destId="{AC1B736D-E016-450B-8BEE-894C12346597}" srcOrd="4" destOrd="0" parTransId="{DDEB3C3D-1CF9-476C-8674-E40CE5345BDF}" sibTransId="{6694C1D2-8264-4727-8152-152531667AAF}"/>
+    <dgm:cxn modelId="{8B4B9D49-6C84-41DD-990E-24D17166ABBC}" type="presOf" srcId="{AC1B736D-E016-450B-8BEE-894C12346597}" destId="{DDA67AC6-B355-4EB8-8F8C-9C38B01DCE1C}" srcOrd="0" destOrd="4" presId="urn:microsoft.com/office/officeart/2005/8/layout/chevron2"/>
     <dgm:cxn modelId="{8239C5C3-6C0D-4BCD-AB88-03F1FABFBCA6}" type="presParOf" srcId="{EAF9330E-0FF2-4B6C-AF29-DC1B780932C0}" destId="{58EB28C5-7052-42F5-9794-C5849B1051ED}" srcOrd="0" destOrd="0" presId="urn:microsoft.com/office/officeart/2005/8/layout/chevron2"/>
     <dgm:cxn modelId="{44EEA082-3321-4C96-A589-503C2E92A77D}" type="presParOf" srcId="{58EB28C5-7052-42F5-9794-C5849B1051ED}" destId="{DE37A39C-17D8-413B-A965-D586EF982CC6}" srcOrd="0" destOrd="0" presId="urn:microsoft.com/office/officeart/2005/8/layout/chevron2"/>
     <dgm:cxn modelId="{631B6395-93F3-4343-B8BE-99A9E4399E15}" type="presParOf" srcId="{58EB28C5-7052-42F5-9794-C5849B1051ED}" destId="{DDA67AC6-B355-4EB8-8F8C-9C38B01DCE1C}" srcOrd="1" destOrd="0" presId="urn:microsoft.com/office/officeart/2005/8/layout/chevron2"/>
@@ -3223,17 +3185,53 @@
       </dgm:t>
     </dgm:pt>
     <dgm:pt modelId="{63933821-74B6-4E84-97BD-02FB7412E9AA}">
-      <dgm:prSet phldrT="[Text]"/>
-      <dgm:spPr/>
+      <dgm:prSet phldrT="[Text]" custT="1"/>
+      <dgm:spPr>
+        <a:solidFill>
+          <a:srgbClr val="B2B2B2">
+            <a:shade val="80000"/>
+            <a:hueOff val="0"/>
+            <a:satOff val="0"/>
+            <a:lumOff val="4335"/>
+            <a:alphaOff val="0"/>
+          </a:srgbClr>
+        </a:solidFill>
+        <a:ln w="25400" cap="flat" cmpd="sng" algn="ctr">
+          <a:solidFill>
+            <a:prstClr val="white">
+              <a:hueOff val="0"/>
+              <a:satOff val="0"/>
+              <a:lumOff val="0"/>
+              <a:alphaOff val="0"/>
+            </a:prstClr>
+          </a:solidFill>
+          <a:prstDash val="solid"/>
+        </a:ln>
+        <a:effectLst/>
+      </dgm:spPr>
       <dgm:t>
-        <a:bodyPr/>
+        <a:bodyPr spcFirstLastPara="0" vert="horz" wrap="square" lIns="64770" tIns="64770" rIns="64770" bIns="64770" numCol="1" spcCol="1270" anchor="ctr" anchorCtr="0"/>
         <a:lstStyle/>
         <a:p>
           <a:r>
-            <a:rPr lang="en-US" dirty="0" smtClean="0"/>
-            <a:t>Removed HTML tags and other noisy text from the dataset</a:t>
+            <a:rPr lang="en-US" sz="1700" kern="1200" dirty="0"/>
+            <a:t>Removed </a:t>
           </a:r>
-          <a:endParaRPr lang="en-US" dirty="0"/>
+          <a:r>
+            <a:rPr lang="en-US" sz="1700" kern="1200" dirty="0">
+              <a:solidFill>
+                <a:prstClr val="white"/>
+              </a:solidFill>
+              <a:latin typeface="Gill Sans MT" panose="020B0502020104020203"/>
+              <a:ea typeface="+mn-ea"/>
+              <a:cs typeface="+mn-cs"/>
+            </a:rPr>
+            <a:t>HTML</a:t>
+          </a:r>
+          <a:r>
+            <a:rPr lang="en-US" sz="1700" kern="1200" dirty="0"/>
+            <a:t> tags and other noisy text from the dataset</a:t>
+          </a:r>
         </a:p>
       </dgm:t>
     </dgm:pt>
@@ -3260,17 +3258,57 @@
       </dgm:t>
     </dgm:pt>
     <dgm:pt modelId="{474A6903-21C0-482B-95AD-396096D33D66}">
-      <dgm:prSet phldrT="[Text]"/>
-      <dgm:spPr/>
+      <dgm:prSet phldrT="[Text]" custT="1"/>
+      <dgm:spPr>
+        <a:solidFill>
+          <a:srgbClr val="B2B2B2">
+            <a:shade val="80000"/>
+            <a:hueOff val="0"/>
+            <a:satOff val="0"/>
+            <a:lumOff val="4335"/>
+            <a:alphaOff val="0"/>
+          </a:srgbClr>
+        </a:solidFill>
+        <a:ln w="25400" cap="flat" cmpd="sng" algn="ctr">
+          <a:solidFill>
+            <a:prstClr val="white">
+              <a:hueOff val="0"/>
+              <a:satOff val="0"/>
+              <a:lumOff val="0"/>
+              <a:alphaOff val="0"/>
+            </a:prstClr>
+          </a:solidFill>
+          <a:prstDash val="solid"/>
+        </a:ln>
+        <a:effectLst/>
+      </dgm:spPr>
       <dgm:t>
-        <a:bodyPr/>
+        <a:bodyPr spcFirstLastPara="0" vert="horz" wrap="square" lIns="64770" tIns="64770" rIns="64770" bIns="64770" numCol="1" spcCol="1270" anchor="ctr" anchorCtr="0"/>
         <a:lstStyle/>
         <a:p>
+          <a:pPr marL="0" lvl="0" indent="0" algn="ctr" defTabSz="755650">
+            <a:lnSpc>
+              <a:spcPct val="90000"/>
+            </a:lnSpc>
+            <a:spcBef>
+              <a:spcPct val="0"/>
+            </a:spcBef>
+            <a:spcAft>
+              <a:spcPct val="35000"/>
+            </a:spcAft>
+            <a:buNone/>
+          </a:pPr>
           <a:r>
-            <a:rPr lang="en-US" dirty="0" smtClean="0"/>
+            <a:rPr lang="en-US" sz="1700" kern="1200" dirty="0">
+              <a:solidFill>
+                <a:prstClr val="white"/>
+              </a:solidFill>
+              <a:latin typeface="Gill Sans MT" panose="020B0502020104020203"/>
+              <a:ea typeface="+mn-ea"/>
+              <a:cs typeface="+mn-cs"/>
+            </a:rPr>
             <a:t>Maintaining equal class balance for each mood tag </a:t>
           </a:r>
-          <a:endParaRPr lang="en-US" dirty="0"/>
         </a:p>
       </dgm:t>
     </dgm:pt>
@@ -3297,17 +3335,57 @@
       </dgm:t>
     </dgm:pt>
     <dgm:pt modelId="{371E1119-FE01-43C9-87B9-5B6ED7E816D8}">
-      <dgm:prSet phldrT="[Text]"/>
-      <dgm:spPr/>
+      <dgm:prSet phldrT="[Text]" custT="1"/>
+      <dgm:spPr>
+        <a:solidFill>
+          <a:srgbClr val="B2B2B2">
+            <a:shade val="80000"/>
+            <a:hueOff val="0"/>
+            <a:satOff val="0"/>
+            <a:lumOff val="4335"/>
+            <a:alphaOff val="0"/>
+          </a:srgbClr>
+        </a:solidFill>
+        <a:ln w="25400" cap="flat" cmpd="sng" algn="ctr">
+          <a:solidFill>
+            <a:prstClr val="white">
+              <a:hueOff val="0"/>
+              <a:satOff val="0"/>
+              <a:lumOff val="0"/>
+              <a:alphaOff val="0"/>
+            </a:prstClr>
+          </a:solidFill>
+          <a:prstDash val="solid"/>
+        </a:ln>
+        <a:effectLst/>
+      </dgm:spPr>
       <dgm:t>
-        <a:bodyPr/>
+        <a:bodyPr spcFirstLastPara="0" vert="horz" wrap="square" lIns="64770" tIns="64770" rIns="64770" bIns="64770" numCol="1" spcCol="1270" anchor="ctr" anchorCtr="0"/>
         <a:lstStyle/>
         <a:p>
+          <a:pPr marL="0" lvl="0" indent="0" algn="ctr" defTabSz="755650">
+            <a:lnSpc>
+              <a:spcPct val="90000"/>
+            </a:lnSpc>
+            <a:spcBef>
+              <a:spcPct val="0"/>
+            </a:spcBef>
+            <a:spcAft>
+              <a:spcPct val="35000"/>
+            </a:spcAft>
+            <a:buNone/>
+          </a:pPr>
           <a:r>
-            <a:rPr lang="en-US" dirty="0" smtClean="0"/>
+            <a:rPr lang="en-US" sz="1700" kern="1200" dirty="0">
+              <a:solidFill>
+                <a:prstClr val="white"/>
+              </a:solidFill>
+              <a:latin typeface="Gill Sans MT" panose="020B0502020104020203"/>
+              <a:ea typeface="+mn-ea"/>
+              <a:cs typeface="+mn-cs"/>
+            </a:rPr>
             <a:t>Grouping mood tags into different polarities</a:t>
           </a:r>
-          <a:endParaRPr lang="en-US" dirty="0"/>
         </a:p>
       </dgm:t>
     </dgm:pt>
@@ -3334,17 +3412,57 @@
       </dgm:t>
     </dgm:pt>
     <dgm:pt modelId="{4C816CB9-FC6E-4308-A666-DF0C5DE838B8}">
-      <dgm:prSet/>
-      <dgm:spPr/>
+      <dgm:prSet custT="1"/>
+      <dgm:spPr>
+        <a:solidFill>
+          <a:srgbClr val="B2B2B2">
+            <a:shade val="80000"/>
+            <a:hueOff val="0"/>
+            <a:satOff val="0"/>
+            <a:lumOff val="4335"/>
+            <a:alphaOff val="0"/>
+          </a:srgbClr>
+        </a:solidFill>
+        <a:ln w="25400" cap="flat" cmpd="sng" algn="ctr">
+          <a:solidFill>
+            <a:prstClr val="white">
+              <a:hueOff val="0"/>
+              <a:satOff val="0"/>
+              <a:lumOff val="0"/>
+              <a:alphaOff val="0"/>
+            </a:prstClr>
+          </a:solidFill>
+          <a:prstDash val="solid"/>
+        </a:ln>
+        <a:effectLst/>
+      </dgm:spPr>
       <dgm:t>
-        <a:bodyPr/>
+        <a:bodyPr spcFirstLastPara="0" vert="horz" wrap="square" lIns="64770" tIns="64770" rIns="64770" bIns="64770" numCol="1" spcCol="1270" anchor="ctr" anchorCtr="0"/>
         <a:lstStyle/>
         <a:p>
+          <a:pPr marL="0" lvl="0" indent="0" algn="ctr" defTabSz="755650">
+            <a:lnSpc>
+              <a:spcPct val="90000"/>
+            </a:lnSpc>
+            <a:spcBef>
+              <a:spcPct val="0"/>
+            </a:spcBef>
+            <a:spcAft>
+              <a:spcPct val="35000"/>
+            </a:spcAft>
+            <a:buNone/>
+          </a:pPr>
           <a:r>
-            <a:rPr lang="en-US" dirty="0" smtClean="0"/>
+            <a:rPr lang="en-US" sz="1700" kern="1200" dirty="0">
+              <a:solidFill>
+                <a:prstClr val="white"/>
+              </a:solidFill>
+              <a:latin typeface="Gill Sans MT" panose="020B0502020104020203"/>
+              <a:ea typeface="+mn-ea"/>
+              <a:cs typeface="+mn-cs"/>
+            </a:rPr>
             <a:t>Separating tokens mistakenly clubbed as one</a:t>
           </a:r>
-          <a:endParaRPr lang="en-US" dirty="0"/>
         </a:p>
       </dgm:t>
     </dgm:pt>
@@ -3372,16 +3490,37 @@
     </dgm:pt>
     <dgm:pt modelId="{C7E6C7F8-ECE0-4404-886A-1649D4B08B61}">
       <dgm:prSet/>
-      <dgm:spPr/>
+      <dgm:spPr>
+        <a:solidFill>
+          <a:srgbClr val="B2B2B2">
+            <a:shade val="80000"/>
+            <a:hueOff val="0"/>
+            <a:satOff val="0"/>
+            <a:lumOff val="4335"/>
+            <a:alphaOff val="0"/>
+          </a:srgbClr>
+        </a:solidFill>
+        <a:ln w="25400" cap="flat" cmpd="sng" algn="ctr">
+          <a:solidFill>
+            <a:prstClr val="white">
+              <a:hueOff val="0"/>
+              <a:satOff val="0"/>
+              <a:lumOff val="0"/>
+              <a:alphaOff val="0"/>
+            </a:prstClr>
+          </a:solidFill>
+          <a:prstDash val="solid"/>
+        </a:ln>
+        <a:effectLst/>
+      </dgm:spPr>
       <dgm:t>
-        <a:bodyPr/>
+        <a:bodyPr spcFirstLastPara="0" vert="horz" wrap="square" lIns="64770" tIns="64770" rIns="64770" bIns="64770" numCol="1" spcCol="1270" anchor="ctr" anchorCtr="0"/>
         <a:lstStyle/>
         <a:p>
           <a:r>
-            <a:rPr lang="en-US" dirty="0" smtClean="0"/>
+            <a:rPr lang="en-US" dirty="0"/>
             <a:t>Manually annotating each song as per appropriate mood</a:t>
           </a:r>
-          <a:endParaRPr lang="en-US" dirty="0"/>
         </a:p>
       </dgm:t>
     </dgm:pt>
@@ -3430,14 +3569,15 @@
           <dgm:bulletEnabled val="1"/>
         </dgm:presLayoutVars>
       </dgm:prSet>
-      <dgm:spPr/>
-      <dgm:t>
-        <a:bodyPr/>
-        <a:lstStyle/>
-        <a:p>
-          <a:endParaRPr lang="en-US"/>
-        </a:p>
-      </dgm:t>
+      <dgm:spPr>
+        <a:xfrm>
+          <a:off x="0" y="1095565"/>
+          <a:ext cx="1925874" cy="1438184"/>
+        </a:xfrm>
+        <a:prstGeom prst="roundRect">
+          <a:avLst/>
+        </a:prstGeom>
+      </dgm:spPr>
     </dgm:pt>
     <dgm:pt modelId="{14778A29-8BA2-46F4-874A-4A3BDCFE44CC}" type="pres">
       <dgm:prSet presAssocID="{36F57815-9BAB-4FB4-ABFE-E6EFBD53B7E8}" presName="sibTrans" presStyleCnt="0"/>
@@ -3449,14 +3589,15 @@
           <dgm:bulletEnabled val="1"/>
         </dgm:presLayoutVars>
       </dgm:prSet>
-      <dgm:spPr/>
-      <dgm:t>
-        <a:bodyPr/>
-        <a:lstStyle/>
-        <a:p>
-          <a:endParaRPr lang="en-US"/>
-        </a:p>
-      </dgm:t>
+      <dgm:spPr>
+        <a:xfrm>
+          <a:off x="2238543" y="1112507"/>
+          <a:ext cx="1886164" cy="1438184"/>
+        </a:xfrm>
+        <a:prstGeom prst="roundRect">
+          <a:avLst/>
+        </a:prstGeom>
+      </dgm:spPr>
     </dgm:pt>
     <dgm:pt modelId="{E0DC0ECA-8FAC-442F-BA74-20844B4B5C28}" type="pres">
       <dgm:prSet presAssocID="{2ED4D033-39EA-4D26-83DE-885DBD039462}" presName="sibTrans" presStyleCnt="0"/>
@@ -3468,14 +3609,15 @@
           <dgm:bulletEnabled val="1"/>
         </dgm:presLayoutVars>
       </dgm:prSet>
-      <dgm:spPr/>
-      <dgm:t>
-        <a:bodyPr/>
-        <a:lstStyle/>
-        <a:p>
-          <a:endParaRPr lang="en-US"/>
-        </a:p>
-      </dgm:t>
+      <dgm:spPr>
+        <a:xfrm>
+          <a:off x="6086050" y="1112507"/>
+          <a:ext cx="1951098" cy="1438184"/>
+        </a:xfrm>
+        <a:prstGeom prst="roundRect">
+          <a:avLst/>
+        </a:prstGeom>
+      </dgm:spPr>
     </dgm:pt>
     <dgm:pt modelId="{B2789C98-A6D7-49CB-9D74-2FD1356DC910}" type="pres">
       <dgm:prSet presAssocID="{10E46E65-FA7A-4833-A9AE-153397737890}" presName="sibTrans" presStyleCnt="0"/>
@@ -3487,14 +3629,15 @@
           <dgm:bulletEnabled val="1"/>
         </dgm:presLayoutVars>
       </dgm:prSet>
-      <dgm:spPr/>
-      <dgm:t>
-        <a:bodyPr/>
-        <a:lstStyle/>
-        <a:p>
-          <a:endParaRPr lang="en-US"/>
-        </a:p>
-      </dgm:t>
+      <dgm:spPr>
+        <a:xfrm>
+          <a:off x="8128563" y="1129967"/>
+          <a:ext cx="1839722" cy="1438184"/>
+        </a:xfrm>
+        <a:prstGeom prst="roundRect">
+          <a:avLst/>
+        </a:prstGeom>
+      </dgm:spPr>
     </dgm:pt>
     <dgm:pt modelId="{9632778F-CF73-41CF-8DA7-A18DE30A876B}" type="pres">
       <dgm:prSet presAssocID="{2EF7014E-2D23-4602-B955-C1573FCBBD57}" presName="sibTrans" presStyleCnt="0"/>
@@ -3506,28 +3649,29 @@
           <dgm:bulletEnabled val="1"/>
         </dgm:presLayoutVars>
       </dgm:prSet>
-      <dgm:spPr/>
-      <dgm:t>
-        <a:bodyPr/>
-        <a:lstStyle/>
-        <a:p>
-          <a:endParaRPr lang="en-US"/>
-        </a:p>
-      </dgm:t>
+      <dgm:spPr>
+        <a:xfrm>
+          <a:off x="4105715" y="1112507"/>
+          <a:ext cx="1888403" cy="1438184"/>
+        </a:xfrm>
+        <a:prstGeom prst="roundRect">
+          <a:avLst/>
+        </a:prstGeom>
+      </dgm:spPr>
     </dgm:pt>
   </dgm:ptLst>
   <dgm:cxnLst>
-    <dgm:cxn modelId="{EE4E50CA-C115-4769-9E98-BB99AD786B38}" type="presOf" srcId="{C7E6C7F8-ECE0-4404-886A-1649D4B08B61}" destId="{CBCEC674-3046-4D08-B999-834987F81457}" srcOrd="0" destOrd="0" presId="urn:microsoft.com/office/officeart/2005/8/layout/hProcess9"/>
+    <dgm:cxn modelId="{B1808057-9D06-4B65-B8BA-70F1BB5116D8}" type="presOf" srcId="{63933821-74B6-4E84-97BD-02FB7412E9AA}" destId="{50D2D592-58B1-4E2A-8CB1-3FC49639B518}" srcOrd="0" destOrd="0" presId="urn:microsoft.com/office/officeart/2005/8/layout/hProcess9"/>
+    <dgm:cxn modelId="{6E335178-A4D4-47B0-8D64-6F105A850691}" type="presOf" srcId="{371E1119-FE01-43C9-87B9-5B6ED7E816D8}" destId="{AD5E3F1C-CF77-4EE3-B0F7-C0ED5C3D636F}" srcOrd="0" destOrd="0" presId="urn:microsoft.com/office/officeart/2005/8/layout/hProcess9"/>
+    <dgm:cxn modelId="{76CCEC0B-B4BB-4630-902E-1BFE6677C9E5}" type="presOf" srcId="{7B523BC2-F68B-4E11-9707-65E1333F02AE}" destId="{26159215-8A55-4493-B261-12A7074105B4}" srcOrd="0" destOrd="0" presId="urn:microsoft.com/office/officeart/2005/8/layout/hProcess9"/>
+    <dgm:cxn modelId="{3D79C395-4E16-4E06-A1ED-EF6C069BB82A}" srcId="{7B523BC2-F68B-4E11-9707-65E1333F02AE}" destId="{63933821-74B6-4E84-97BD-02FB7412E9AA}" srcOrd="0" destOrd="0" parTransId="{7ABBB07D-3DD1-4F97-8D9E-6D873C68E496}" sibTransId="{36F57815-9BAB-4FB4-ABFE-E6EFBD53B7E8}"/>
+    <dgm:cxn modelId="{34CB081A-3D1A-43C6-AE30-518F7D7C4B0F}" srcId="{7B523BC2-F68B-4E11-9707-65E1333F02AE}" destId="{371E1119-FE01-43C9-87B9-5B6ED7E816D8}" srcOrd="3" destOrd="0" parTransId="{6891A95A-8CB5-47E1-BE2C-79CAB93A262C}" sibTransId="{2EF7014E-2D23-4602-B955-C1573FCBBD57}"/>
+    <dgm:cxn modelId="{0815D222-7F6A-4002-9651-1566F6C3D705}" type="presOf" srcId="{474A6903-21C0-482B-95AD-396096D33D66}" destId="{C54CBA55-21EB-48C0-9CCB-219392490B61}" srcOrd="0" destOrd="0" presId="urn:microsoft.com/office/officeart/2005/8/layout/hProcess9"/>
     <dgm:cxn modelId="{FB2261C4-20D9-45B2-9756-4634A80B8758}" srcId="{7B523BC2-F68B-4E11-9707-65E1333F02AE}" destId="{C7E6C7F8-ECE0-4404-886A-1649D4B08B61}" srcOrd="4" destOrd="0" parTransId="{76C6C44F-00E8-4AE3-BBAF-0EA6AF867D5A}" sibTransId="{C39999C7-6FCB-4C00-AE6E-1408E0927DEA}"/>
     <dgm:cxn modelId="{07530A1D-1D2F-4A09-AF54-A87DCBA012A9}" type="presOf" srcId="{4C816CB9-FC6E-4308-A666-DF0C5DE838B8}" destId="{383ABBDB-157B-4CBA-94BC-E6A99882E908}" srcOrd="0" destOrd="0" presId="urn:microsoft.com/office/officeart/2005/8/layout/hProcess9"/>
     <dgm:cxn modelId="{B83BB7A9-3A1A-45D2-A2B3-05731285FB27}" srcId="{7B523BC2-F68B-4E11-9707-65E1333F02AE}" destId="{4C816CB9-FC6E-4308-A666-DF0C5DE838B8}" srcOrd="1" destOrd="0" parTransId="{D7E01157-3375-4D3B-AFB8-81DFE5594118}" sibTransId="{2ED4D033-39EA-4D26-83DE-885DBD039462}"/>
-    <dgm:cxn modelId="{B1808057-9D06-4B65-B8BA-70F1BB5116D8}" type="presOf" srcId="{63933821-74B6-4E84-97BD-02FB7412E9AA}" destId="{50D2D592-58B1-4E2A-8CB1-3FC49639B518}" srcOrd="0" destOrd="0" presId="urn:microsoft.com/office/officeart/2005/8/layout/hProcess9"/>
-    <dgm:cxn modelId="{0815D222-7F6A-4002-9651-1566F6C3D705}" type="presOf" srcId="{474A6903-21C0-482B-95AD-396096D33D66}" destId="{C54CBA55-21EB-48C0-9CCB-219392490B61}" srcOrd="0" destOrd="0" presId="urn:microsoft.com/office/officeart/2005/8/layout/hProcess9"/>
-    <dgm:cxn modelId="{76CCEC0B-B4BB-4630-902E-1BFE6677C9E5}" type="presOf" srcId="{7B523BC2-F68B-4E11-9707-65E1333F02AE}" destId="{26159215-8A55-4493-B261-12A7074105B4}" srcOrd="0" destOrd="0" presId="urn:microsoft.com/office/officeart/2005/8/layout/hProcess9"/>
-    <dgm:cxn modelId="{34CB081A-3D1A-43C6-AE30-518F7D7C4B0F}" srcId="{7B523BC2-F68B-4E11-9707-65E1333F02AE}" destId="{371E1119-FE01-43C9-87B9-5B6ED7E816D8}" srcOrd="3" destOrd="0" parTransId="{6891A95A-8CB5-47E1-BE2C-79CAB93A262C}" sibTransId="{2EF7014E-2D23-4602-B955-C1573FCBBD57}"/>
+    <dgm:cxn modelId="{EE4E50CA-C115-4769-9E98-BB99AD786B38}" type="presOf" srcId="{C7E6C7F8-ECE0-4404-886A-1649D4B08B61}" destId="{CBCEC674-3046-4D08-B999-834987F81457}" srcOrd="0" destOrd="0" presId="urn:microsoft.com/office/officeart/2005/8/layout/hProcess9"/>
     <dgm:cxn modelId="{EEF55AC8-B125-4ABA-80B1-CA2181808CBD}" srcId="{7B523BC2-F68B-4E11-9707-65E1333F02AE}" destId="{474A6903-21C0-482B-95AD-396096D33D66}" srcOrd="2" destOrd="0" parTransId="{A27D90E4-A23F-4F14-8116-40FFEC4E0163}" sibTransId="{10E46E65-FA7A-4833-A9AE-153397737890}"/>
-    <dgm:cxn modelId="{6E335178-A4D4-47B0-8D64-6F105A850691}" type="presOf" srcId="{371E1119-FE01-43C9-87B9-5B6ED7E816D8}" destId="{AD5E3F1C-CF77-4EE3-B0F7-C0ED5C3D636F}" srcOrd="0" destOrd="0" presId="urn:microsoft.com/office/officeart/2005/8/layout/hProcess9"/>
-    <dgm:cxn modelId="{3D79C395-4E16-4E06-A1ED-EF6C069BB82A}" srcId="{7B523BC2-F68B-4E11-9707-65E1333F02AE}" destId="{63933821-74B6-4E84-97BD-02FB7412E9AA}" srcOrd="0" destOrd="0" parTransId="{7ABBB07D-3DD1-4F97-8D9E-6D873C68E496}" sibTransId="{36F57815-9BAB-4FB4-ABFE-E6EFBD53B7E8}"/>
     <dgm:cxn modelId="{D4624A1B-9D98-4ABC-B6D2-BE8D02526981}" type="presParOf" srcId="{26159215-8A55-4493-B261-12A7074105B4}" destId="{5D01D64C-E804-4EF5-9870-32689A13E7CD}" srcOrd="0" destOrd="0" presId="urn:microsoft.com/office/officeart/2005/8/layout/hProcess9"/>
     <dgm:cxn modelId="{2DB12AC5-1707-4011-AE13-E4C045EAA177}" type="presParOf" srcId="{26159215-8A55-4493-B261-12A7074105B4}" destId="{D4D8D423-E41D-4912-9BED-C8ED3070736F}" srcOrd="1" destOrd="0" presId="urn:microsoft.com/office/officeart/2005/8/layout/hProcess9"/>
     <dgm:cxn modelId="{3334CF54-F8D9-4EE3-A85F-825DA0A2AB3B}" type="presParOf" srcId="{D4D8D423-E41D-4912-9BED-C8ED3070736F}" destId="{50D2D592-58B1-4E2A-8CB1-3FC49639B518}" srcOrd="0" destOrd="0" presId="urn:microsoft.com/office/officeart/2005/8/layout/hProcess9"/>
@@ -3612,7 +3756,7 @@
         </a:bodyPr>
         <a:lstStyle/>
         <a:p>
-          <a:pPr lvl="0" algn="ctr" defTabSz="1866900">
+          <a:pPr marL="0" lvl="0" indent="0" algn="ctr" defTabSz="1866900">
             <a:lnSpc>
               <a:spcPct val="90000"/>
             </a:lnSpc>
@@ -3622,20 +3766,16 @@
             <a:spcAft>
               <a:spcPct val="35000"/>
             </a:spcAft>
+            <a:buNone/>
           </a:pPr>
           <a:r>
-            <a:rPr lang="en-US" sz="4200" kern="1200" dirty="0" smtClean="0">
+            <a:rPr lang="en-US" sz="4200" kern="1200" dirty="0">
               <a:solidFill>
                 <a:srgbClr val="002060"/>
               </a:solidFill>
             </a:rPr>
             <a:t>ALGORITHMS</a:t>
           </a:r>
-          <a:endParaRPr lang="en-US" sz="4200" kern="1200" dirty="0">
-            <a:solidFill>
-              <a:srgbClr val="002060"/>
-            </a:solidFill>
-          </a:endParaRPr>
         </a:p>
       </dsp:txBody>
       <dsp:txXfrm rot="-5400000">
@@ -3706,13 +3846,12 @@
             <a:spcAft>
               <a:spcPct val="15000"/>
             </a:spcAft>
-            <a:buChar char="••"/>
+            <a:buChar char="•"/>
           </a:pPr>
           <a:r>
-            <a:rPr lang="en-US" sz="2400" kern="1200" dirty="0" smtClean="0"/>
+            <a:rPr lang="en-US" sz="2400" kern="1200" dirty="0"/>
             <a:t>Multinomial Naïve Bayes</a:t>
           </a:r>
-          <a:endParaRPr lang="en-US" sz="2400" kern="1200" dirty="0"/>
         </a:p>
         <a:p>
           <a:pPr marL="228600" lvl="1" indent="-228600" algn="l" defTabSz="1066800">
@@ -3725,13 +3864,12 @@
             <a:spcAft>
               <a:spcPct val="15000"/>
             </a:spcAft>
-            <a:buChar char="••"/>
+            <a:buChar char="•"/>
           </a:pPr>
           <a:r>
-            <a:rPr lang="en-US" sz="2400" kern="1200" dirty="0" smtClean="0"/>
+            <a:rPr lang="en-US" sz="2400" kern="1200" dirty="0"/>
             <a:t>Stochastic Gradient Descent </a:t>
           </a:r>
-          <a:endParaRPr lang="en-US" sz="2400" kern="1200" dirty="0"/>
         </a:p>
         <a:p>
           <a:pPr marL="228600" lvl="1" indent="-228600" algn="l" defTabSz="1066800">
@@ -3744,13 +3882,12 @@
             <a:spcAft>
               <a:spcPct val="15000"/>
             </a:spcAft>
-            <a:buChar char="••"/>
+            <a:buChar char="•"/>
           </a:pPr>
           <a:r>
-            <a:rPr lang="en-US" sz="2400" kern="1200" dirty="0" smtClean="0"/>
+            <a:rPr lang="en-US" sz="2400" kern="1200" dirty="0"/>
             <a:t>Decision Tree Learning</a:t>
           </a:r>
-          <a:endParaRPr lang="en-US" sz="2400" kern="1200" dirty="0"/>
         </a:p>
         <a:p>
           <a:pPr marL="228600" lvl="1" indent="-228600" algn="l" defTabSz="1066800">
@@ -3763,13 +3900,12 @@
             <a:spcAft>
               <a:spcPct val="15000"/>
             </a:spcAft>
-            <a:buChar char="••"/>
+            <a:buChar char="•"/>
           </a:pPr>
           <a:r>
-            <a:rPr lang="en-US" sz="2400" kern="1200" dirty="0" smtClean="0"/>
+            <a:rPr lang="en-US" sz="2400" kern="1200" dirty="0"/>
             <a:t>Adaptive Boosting</a:t>
           </a:r>
-          <a:endParaRPr lang="en-US" sz="2400" kern="1200" dirty="0"/>
         </a:p>
         <a:p>
           <a:pPr marL="228600" lvl="1" indent="-228600" algn="l" defTabSz="1066800">
@@ -3782,13 +3918,12 @@
             <a:spcAft>
               <a:spcPct val="15000"/>
             </a:spcAft>
-            <a:buChar char="••"/>
+            <a:buChar char="•"/>
           </a:pPr>
           <a:r>
-            <a:rPr lang="en-US" sz="2400" kern="1200" dirty="0" smtClean="0"/>
+            <a:rPr lang="en-US" sz="2400" kern="1200" dirty="0"/>
             <a:t>K Nearest Neighbors</a:t>
           </a:r>
-          <a:endParaRPr lang="en-US" sz="2400" kern="1200" dirty="0"/>
         </a:p>
         <a:p>
           <a:pPr marL="228600" lvl="1" indent="-228600" algn="l" defTabSz="1066800">
@@ -3801,13 +3936,12 @@
             <a:spcAft>
               <a:spcPct val="15000"/>
             </a:spcAft>
-            <a:buChar char="••"/>
+            <a:buChar char="•"/>
           </a:pPr>
           <a:r>
-            <a:rPr lang="en-US" sz="2400" kern="1200" dirty="0" smtClean="0"/>
+            <a:rPr lang="en-US" sz="2400" kern="1200" dirty="0"/>
             <a:t>Support Vector Machine</a:t>
           </a:r>
-          <a:endParaRPr lang="en-US" sz="2400" kern="1200" dirty="0"/>
         </a:p>
         <a:p>
           <a:pPr marL="228600" lvl="1" indent="-228600" algn="l" defTabSz="1066800">
@@ -3820,13 +3954,12 @@
             <a:spcAft>
               <a:spcPct val="15000"/>
             </a:spcAft>
-            <a:buChar char="••"/>
+            <a:buChar char="•"/>
           </a:pPr>
           <a:r>
-            <a:rPr lang="en-US" sz="2400" kern="1200" dirty="0" smtClean="0"/>
+            <a:rPr lang="en-US" sz="2400" kern="1200" dirty="0"/>
             <a:t>Multilayer Perceptron</a:t>
           </a:r>
-          <a:endParaRPr lang="en-US" sz="2400" kern="1200" dirty="0"/>
         </a:p>
       </dsp:txBody>
       <dsp:txXfrm rot="-5400000">
@@ -3900,7 +4033,7 @@
         </a:bodyPr>
         <a:lstStyle/>
         <a:p>
-          <a:pPr lvl="0" algn="ctr" defTabSz="1778000">
+          <a:pPr marL="0" lvl="0" indent="0" algn="ctr" defTabSz="1778000">
             <a:lnSpc>
               <a:spcPct val="90000"/>
             </a:lnSpc>
@@ -3910,20 +4043,16 @@
             <a:spcAft>
               <a:spcPct val="35000"/>
             </a:spcAft>
+            <a:buNone/>
           </a:pPr>
           <a:r>
-            <a:rPr lang="en-US" sz="4000" kern="1200" dirty="0" smtClean="0">
+            <a:rPr lang="en-US" sz="4000" kern="1200" dirty="0">
               <a:solidFill>
                 <a:srgbClr val="002060"/>
               </a:solidFill>
             </a:rPr>
             <a:t>FEATURES</a:t>
           </a:r>
-          <a:endParaRPr lang="en-US" sz="4000" kern="1200" dirty="0">
-            <a:solidFill>
-              <a:srgbClr val="002060"/>
-            </a:solidFill>
-          </a:endParaRPr>
         </a:p>
       </dsp:txBody>
       <dsp:txXfrm rot="-5400000">
@@ -3994,14 +4123,14 @@
             <a:spcAft>
               <a:spcPct val="15000"/>
             </a:spcAft>
-            <a:buChar char="••"/>
+            <a:buChar char="•"/>
           </a:pPr>
           <a:r>
-            <a:rPr lang="en-US" sz="2400" kern="1200" dirty="0" smtClean="0"/>
+            <a:rPr lang="en-US" sz="2400" kern="1200" dirty="0"/>
             <a:t>Bag of words - </a:t>
           </a:r>
           <a:r>
-            <a:rPr lang="en-US" sz="2000" b="0" i="0" kern="1200" dirty="0" smtClean="0">
+            <a:rPr lang="en-US" sz="2000" b="0" i="0" kern="1200" dirty="0">
               <a:latin typeface="Calibri" panose="020F0502020204030204" pitchFamily="34" charset="0"/>
               <a:cs typeface="Calibri" panose="020F0502020204030204" pitchFamily="34" charset="0"/>
             </a:rPr>
@@ -4023,23 +4152,19 @@
             <a:spcAft>
               <a:spcPct val="15000"/>
             </a:spcAft>
-            <a:buChar char="••"/>
+            <a:buChar char="•"/>
           </a:pPr>
           <a:r>
-            <a:rPr lang="en-US" sz="2400" kern="1200" dirty="0" smtClean="0"/>
+            <a:rPr lang="en-US" sz="2400" kern="1200" dirty="0"/>
             <a:t>Punctuation - </a:t>
           </a:r>
           <a:r>
-            <a:rPr lang="en-US" sz="2000" kern="1200" dirty="0" smtClean="0">
+            <a:rPr lang="en-US" sz="2000" kern="1200" dirty="0">
               <a:latin typeface="Calibri" panose="020F0502020204030204" pitchFamily="34" charset="0"/>
               <a:cs typeface="Calibri" panose="020F0502020204030204" pitchFamily="34" charset="0"/>
             </a:rPr>
             <a:t>removing punctuation to better tokenize text</a:t>
           </a:r>
-          <a:endParaRPr lang="en-US" sz="2000" kern="1200" dirty="0">
-            <a:latin typeface="Calibri" panose="020F0502020204030204" pitchFamily="34" charset="0"/>
-            <a:cs typeface="Calibri" panose="020F0502020204030204" pitchFamily="34" charset="0"/>
-          </a:endParaRPr>
         </a:p>
         <a:p>
           <a:pPr marL="228600" lvl="1" indent="-228600" algn="l" defTabSz="1066800">
@@ -4052,23 +4177,19 @@
             <a:spcAft>
               <a:spcPct val="15000"/>
             </a:spcAft>
-            <a:buChar char="••"/>
+            <a:buChar char="•"/>
           </a:pPr>
           <a:r>
-            <a:rPr lang="en-US" sz="2400" kern="1200" dirty="0" smtClean="0"/>
+            <a:rPr lang="en-US" sz="2400" kern="1200" dirty="0"/>
             <a:t>Stop Words - </a:t>
           </a:r>
           <a:r>
-            <a:rPr lang="en-US" sz="2000" kern="1200" dirty="0" smtClean="0">
+            <a:rPr lang="en-US" sz="2000" kern="1200" dirty="0">
               <a:latin typeface="Calibri" panose="020F0502020204030204" pitchFamily="34" charset="0"/>
               <a:cs typeface="Calibri" panose="020F0502020204030204" pitchFamily="34" charset="0"/>
             </a:rPr>
             <a:t>most common words are filtered out during preprocessing of data</a:t>
           </a:r>
-          <a:endParaRPr lang="en-US" sz="2000" kern="1200" dirty="0">
-            <a:latin typeface="Calibri" panose="020F0502020204030204" pitchFamily="34" charset="0"/>
-            <a:cs typeface="Calibri" panose="020F0502020204030204" pitchFamily="34" charset="0"/>
-          </a:endParaRPr>
         </a:p>
         <a:p>
           <a:pPr marL="228600" lvl="1" indent="-228600" algn="l" defTabSz="1066800">
@@ -4081,17 +4202,17 @@
             <a:spcAft>
               <a:spcPct val="15000"/>
             </a:spcAft>
-            <a:buChar char="••"/>
+            <a:buChar char="•"/>
           </a:pPr>
           <a:r>
-            <a:rPr lang="en-US" sz="2400" b="0" kern="1200" dirty="0" smtClean="0">
+            <a:rPr lang="en-US" sz="2400" b="0" kern="1200" dirty="0">
               <a:latin typeface="+mj-lt"/>
               <a:cs typeface="Calibri" panose="020F0502020204030204" pitchFamily="34" charset="0"/>
             </a:rPr>
             <a:t>Stemming - </a:t>
           </a:r>
           <a:r>
-            <a:rPr lang="en-US" sz="2000" b="0" i="0" kern="1200" dirty="0" smtClean="0">
+            <a:rPr lang="en-US" sz="2000" b="0" i="0" kern="1200" dirty="0">
               <a:latin typeface="Calibri" panose="020F0502020204030204" pitchFamily="34" charset="0"/>
               <a:cs typeface="Calibri" panose="020F0502020204030204" pitchFamily="34" charset="0"/>
             </a:rPr>
@@ -4113,24 +4234,24 @@
             <a:spcAft>
               <a:spcPct val="15000"/>
             </a:spcAft>
-            <a:buChar char="••"/>
+            <a:buChar char="•"/>
           </a:pPr>
           <a:r>
-            <a:rPr lang="en-US" sz="2400" kern="1200" dirty="0" smtClean="0">
+            <a:rPr lang="en-US" sz="2400" kern="1200" dirty="0">
               <a:latin typeface="+mj-lt"/>
               <a:cs typeface="Calibri" panose="020F0502020204030204" pitchFamily="34" charset="0"/>
             </a:rPr>
             <a:t>Lemmatization -</a:t>
           </a:r>
           <a:r>
-            <a:rPr lang="en-US" sz="2000" kern="1200" dirty="0" smtClean="0">
+            <a:rPr lang="en-US" sz="2000" kern="1200" dirty="0">
               <a:latin typeface="Calibri" panose="020F0502020204030204" pitchFamily="34" charset="0"/>
               <a:cs typeface="Calibri" panose="020F0502020204030204" pitchFamily="34" charset="0"/>
             </a:rPr>
             <a:t> </a:t>
           </a:r>
           <a:r>
-            <a:rPr lang="en-US" sz="2000" b="0" i="0" kern="1200" dirty="0" smtClean="0">
+            <a:rPr lang="en-US" sz="2000" b="0" i="0" kern="1200" dirty="0">
               <a:latin typeface="Calibri" panose="020F0502020204030204" pitchFamily="34" charset="0"/>
               <a:cs typeface="Calibri" panose="020F0502020204030204" pitchFamily="34" charset="0"/>
             </a:rPr>
@@ -4206,29 +4327,29 @@
       </dsp:nvSpPr>
       <dsp:spPr>
         <a:xfrm>
-          <a:off x="0" y="1095565"/>
-          <a:ext cx="1925874" cy="1438184"/>
+          <a:off x="326263" y="1095565"/>
+          <a:ext cx="1806911" cy="1438184"/>
         </a:xfrm>
         <a:prstGeom prst="roundRect">
           <a:avLst/>
         </a:prstGeom>
         <a:solidFill>
-          <a:schemeClr val="accent2">
+          <a:srgbClr val="B2B2B2">
             <a:shade val="80000"/>
             <a:hueOff val="0"/>
             <a:satOff val="0"/>
-            <a:lumOff val="0"/>
+            <a:lumOff val="4335"/>
             <a:alphaOff val="0"/>
-          </a:schemeClr>
+          </a:srgbClr>
         </a:solidFill>
         <a:ln w="25400" cap="flat" cmpd="sng" algn="ctr">
           <a:solidFill>
-            <a:schemeClr val="lt1">
+            <a:prstClr val="white">
               <a:hueOff val="0"/>
               <a:satOff val="0"/>
               <a:lumOff val="0"/>
               <a:alphaOff val="0"/>
-            </a:schemeClr>
+            </a:prstClr>
           </a:solidFill>
           <a:prstDash val="solid"/>
         </a:ln>
@@ -4254,7 +4375,7 @@
         </a:bodyPr>
         <a:lstStyle/>
         <a:p>
-          <a:pPr lvl="0" algn="ctr" defTabSz="755650">
+          <a:pPr marL="0" lvl="0" indent="0" algn="ctr" defTabSz="755650">
             <a:lnSpc>
               <a:spcPct val="90000"/>
             </a:lnSpc>
@@ -4264,17 +4385,32 @@
             <a:spcAft>
               <a:spcPct val="35000"/>
             </a:spcAft>
+            <a:buNone/>
           </a:pPr>
           <a:r>
-            <a:rPr lang="en-US" sz="1700" kern="1200" dirty="0" smtClean="0"/>
-            <a:t>Removed HTML tags and other noisy text from the dataset</a:t>
+            <a:rPr lang="en-US" sz="1700" kern="1200" dirty="0"/>
+            <a:t>Removed </a:t>
           </a:r>
-          <a:endParaRPr lang="en-US" sz="1700" kern="1200" dirty="0"/>
+          <a:r>
+            <a:rPr lang="en-US" sz="1700" kern="1200" dirty="0">
+              <a:solidFill>
+                <a:prstClr val="white"/>
+              </a:solidFill>
+              <a:latin typeface="Gill Sans MT" panose="020B0502020104020203"/>
+              <a:ea typeface="+mn-ea"/>
+              <a:cs typeface="+mn-cs"/>
+            </a:rPr>
+            <a:t>HTML</a:t>
+          </a:r>
+          <a:r>
+            <a:rPr lang="en-US" sz="1700" kern="1200" dirty="0"/>
+            <a:t> tags and other noisy text from the dataset</a:t>
+          </a:r>
         </a:p>
       </dsp:txBody>
       <dsp:txXfrm>
-        <a:off x="70206" y="1165771"/>
-        <a:ext cx="1785462" cy="1297772"/>
+        <a:off x="396469" y="1165771"/>
+        <a:ext cx="1666499" cy="1297772"/>
       </dsp:txXfrm>
     </dsp:sp>
     <dsp:sp modelId="{383ABBDB-157B-4CBA-94BC-E6A99882E908}">
@@ -4284,29 +4420,29 @@
       </dsp:nvSpPr>
       <dsp:spPr>
         <a:xfrm>
-          <a:off x="2006197" y="1112507"/>
-          <a:ext cx="2010344" cy="1438184"/>
+          <a:off x="2238543" y="1112507"/>
+          <a:ext cx="1886164" cy="1438184"/>
         </a:xfrm>
         <a:prstGeom prst="roundRect">
           <a:avLst/>
         </a:prstGeom>
         <a:solidFill>
-          <a:schemeClr val="accent2">
+          <a:srgbClr val="B2B2B2">
             <a:shade val="80000"/>
             <a:hueOff val="0"/>
             <a:satOff val="0"/>
             <a:lumOff val="4335"/>
             <a:alphaOff val="0"/>
-          </a:schemeClr>
+          </a:srgbClr>
         </a:solidFill>
         <a:ln w="25400" cap="flat" cmpd="sng" algn="ctr">
           <a:solidFill>
-            <a:schemeClr val="lt1">
+            <a:prstClr val="white">
               <a:hueOff val="0"/>
               <a:satOff val="0"/>
               <a:lumOff val="0"/>
               <a:alphaOff val="0"/>
-            </a:schemeClr>
+            </a:prstClr>
           </a:solidFill>
           <a:prstDash val="solid"/>
         </a:ln>
@@ -4332,7 +4468,7 @@
         </a:bodyPr>
         <a:lstStyle/>
         <a:p>
-          <a:pPr lvl="0" algn="ctr" defTabSz="755650">
+          <a:pPr marL="0" lvl="0" indent="0" algn="ctr" defTabSz="755650">
             <a:lnSpc>
               <a:spcPct val="90000"/>
             </a:lnSpc>
@@ -4342,17 +4478,24 @@
             <a:spcAft>
               <a:spcPct val="35000"/>
             </a:spcAft>
+            <a:buNone/>
           </a:pPr>
           <a:r>
-            <a:rPr lang="en-US" sz="1700" kern="1200" dirty="0" smtClean="0"/>
+            <a:rPr lang="en-US" sz="1700" kern="1200" dirty="0">
+              <a:solidFill>
+                <a:prstClr val="white"/>
+              </a:solidFill>
+              <a:latin typeface="Gill Sans MT" panose="020B0502020104020203"/>
+              <a:ea typeface="+mn-ea"/>
+              <a:cs typeface="+mn-cs"/>
+            </a:rPr>
             <a:t>Separating tokens mistakenly clubbed as one</a:t>
           </a:r>
-          <a:endParaRPr lang="en-US" sz="1700" kern="1200" dirty="0"/>
         </a:p>
       </dsp:txBody>
       <dsp:txXfrm>
-        <a:off x="2076403" y="1182713"/>
-        <a:ext cx="1869932" cy="1297772"/>
+        <a:off x="2308749" y="1182713"/>
+        <a:ext cx="1745752" cy="1297772"/>
       </dsp:txXfrm>
     </dsp:sp>
     <dsp:sp modelId="{C54CBA55-21EB-48C0-9CCB-219392490B61}">
@@ -4362,29 +4505,29 @@
       </dsp:nvSpPr>
       <dsp:spPr>
         <a:xfrm>
-          <a:off x="6086050" y="1112507"/>
-          <a:ext cx="1951098" cy="1438184"/>
+          <a:off x="6114260" y="1112507"/>
+          <a:ext cx="1830578" cy="1438184"/>
         </a:xfrm>
         <a:prstGeom prst="roundRect">
           <a:avLst/>
         </a:prstGeom>
         <a:solidFill>
-          <a:schemeClr val="accent2">
+          <a:srgbClr val="B2B2B2">
             <a:shade val="80000"/>
             <a:hueOff val="0"/>
             <a:satOff val="0"/>
-            <a:lumOff val="8670"/>
+            <a:lumOff val="4335"/>
             <a:alphaOff val="0"/>
-          </a:schemeClr>
+          </a:srgbClr>
         </a:solidFill>
         <a:ln w="25400" cap="flat" cmpd="sng" algn="ctr">
           <a:solidFill>
-            <a:schemeClr val="lt1">
+            <a:prstClr val="white">
               <a:hueOff val="0"/>
               <a:satOff val="0"/>
               <a:lumOff val="0"/>
               <a:alphaOff val="0"/>
-            </a:schemeClr>
+            </a:prstClr>
           </a:solidFill>
           <a:prstDash val="solid"/>
         </a:ln>
@@ -4410,7 +4553,7 @@
         </a:bodyPr>
         <a:lstStyle/>
         <a:p>
-          <a:pPr lvl="0" algn="ctr" defTabSz="755650">
+          <a:pPr marL="0" lvl="0" indent="0" algn="ctr" defTabSz="755650">
             <a:lnSpc>
               <a:spcPct val="90000"/>
             </a:lnSpc>
@@ -4420,17 +4563,24 @@
             <a:spcAft>
               <a:spcPct val="35000"/>
             </a:spcAft>
+            <a:buNone/>
           </a:pPr>
           <a:r>
-            <a:rPr lang="en-US" sz="1700" kern="1200" dirty="0" smtClean="0"/>
+            <a:rPr lang="en-US" sz="1700" kern="1200" dirty="0">
+              <a:solidFill>
+                <a:prstClr val="white"/>
+              </a:solidFill>
+              <a:latin typeface="Gill Sans MT" panose="020B0502020104020203"/>
+              <a:ea typeface="+mn-ea"/>
+              <a:cs typeface="+mn-cs"/>
+            </a:rPr>
             <a:t>Maintaining equal class balance for each mood tag </a:t>
           </a:r>
-          <a:endParaRPr lang="en-US" sz="1700" kern="1200" dirty="0"/>
         </a:p>
       </dsp:txBody>
       <dsp:txXfrm>
-        <a:off x="6156256" y="1182713"/>
-        <a:ext cx="1810686" cy="1297772"/>
+        <a:off x="6184466" y="1182713"/>
+        <a:ext cx="1690166" cy="1297772"/>
       </dsp:txXfrm>
     </dsp:sp>
     <dsp:sp modelId="{AD5E3F1C-CF77-4EE3-B0F7-C0ED5C3D636F}">
@@ -4440,29 +4590,29 @@
       </dsp:nvSpPr>
       <dsp:spPr>
         <a:xfrm>
-          <a:off x="8128563" y="1129967"/>
-          <a:ext cx="1839722" cy="1438184"/>
+          <a:off x="8046566" y="1129967"/>
+          <a:ext cx="1726081" cy="1438184"/>
         </a:xfrm>
         <a:prstGeom prst="roundRect">
           <a:avLst/>
         </a:prstGeom>
         <a:solidFill>
-          <a:schemeClr val="accent2">
+          <a:srgbClr val="B2B2B2">
             <a:shade val="80000"/>
             <a:hueOff val="0"/>
             <a:satOff val="0"/>
-            <a:lumOff val="13006"/>
+            <a:lumOff val="4335"/>
             <a:alphaOff val="0"/>
-          </a:schemeClr>
+          </a:srgbClr>
         </a:solidFill>
         <a:ln w="25400" cap="flat" cmpd="sng" algn="ctr">
           <a:solidFill>
-            <a:schemeClr val="lt1">
+            <a:prstClr val="white">
               <a:hueOff val="0"/>
               <a:satOff val="0"/>
               <a:lumOff val="0"/>
               <a:alphaOff val="0"/>
-            </a:schemeClr>
+            </a:prstClr>
           </a:solidFill>
           <a:prstDash val="solid"/>
         </a:ln>
@@ -4488,7 +4638,7 @@
         </a:bodyPr>
         <a:lstStyle/>
         <a:p>
-          <a:pPr lvl="0" algn="ctr" defTabSz="755650">
+          <a:pPr marL="0" lvl="0" indent="0" algn="ctr" defTabSz="755650">
             <a:lnSpc>
               <a:spcPct val="90000"/>
             </a:lnSpc>
@@ -4498,17 +4648,24 @@
             <a:spcAft>
               <a:spcPct val="35000"/>
             </a:spcAft>
+            <a:buNone/>
           </a:pPr>
           <a:r>
-            <a:rPr lang="en-US" sz="1700" kern="1200" dirty="0" smtClean="0"/>
+            <a:rPr lang="en-US" sz="1700" kern="1200" dirty="0">
+              <a:solidFill>
+                <a:prstClr val="white"/>
+              </a:solidFill>
+              <a:latin typeface="Gill Sans MT" panose="020B0502020104020203"/>
+              <a:ea typeface="+mn-ea"/>
+              <a:cs typeface="+mn-cs"/>
+            </a:rPr>
             <a:t>Grouping mood tags into different polarities</a:t>
           </a:r>
-          <a:endParaRPr lang="en-US" sz="1700" kern="1200" dirty="0"/>
         </a:p>
       </dsp:txBody>
       <dsp:txXfrm>
-        <a:off x="8198769" y="1200173"/>
-        <a:ext cx="1699310" cy="1297772"/>
+        <a:off x="8116772" y="1200173"/>
+        <a:ext cx="1585669" cy="1297772"/>
       </dsp:txXfrm>
     </dsp:sp>
     <dsp:sp modelId="{CBCEC674-3046-4D08-B999-834987F81457}">
@@ -4518,29 +4675,29 @@
       </dsp:nvSpPr>
       <dsp:spPr>
         <a:xfrm>
-          <a:off x="4105715" y="1112507"/>
-          <a:ext cx="1888403" cy="1438184"/>
+          <a:off x="4240292" y="1112507"/>
+          <a:ext cx="1771755" cy="1438184"/>
         </a:xfrm>
         <a:prstGeom prst="roundRect">
           <a:avLst/>
         </a:prstGeom>
         <a:solidFill>
-          <a:schemeClr val="accent2">
+          <a:srgbClr val="B2B2B2">
             <a:shade val="80000"/>
             <a:hueOff val="0"/>
             <a:satOff val="0"/>
-            <a:lumOff val="17341"/>
+            <a:lumOff val="4335"/>
             <a:alphaOff val="0"/>
-          </a:schemeClr>
+          </a:srgbClr>
         </a:solidFill>
         <a:ln w="25400" cap="flat" cmpd="sng" algn="ctr">
           <a:solidFill>
-            <a:schemeClr val="lt1">
+            <a:prstClr val="white">
               <a:hueOff val="0"/>
               <a:satOff val="0"/>
               <a:lumOff val="0"/>
               <a:alphaOff val="0"/>
-            </a:schemeClr>
+            </a:prstClr>
           </a:solidFill>
           <a:prstDash val="solid"/>
         </a:ln>
@@ -4566,7 +4723,7 @@
         </a:bodyPr>
         <a:lstStyle/>
         <a:p>
-          <a:pPr lvl="0" algn="ctr" defTabSz="755650">
+          <a:pPr marL="0" lvl="0" indent="0" algn="ctr" defTabSz="755650">
             <a:lnSpc>
               <a:spcPct val="90000"/>
             </a:lnSpc>
@@ -4576,17 +4733,17 @@
             <a:spcAft>
               <a:spcPct val="35000"/>
             </a:spcAft>
+            <a:buNone/>
           </a:pPr>
           <a:r>
-            <a:rPr lang="en-US" sz="1700" kern="1200" dirty="0" smtClean="0"/>
+            <a:rPr lang="en-US" sz="1700" kern="1200" dirty="0"/>
             <a:t>Manually annotating each song as per appropriate mood</a:t>
           </a:r>
-          <a:endParaRPr lang="en-US" sz="1700" kern="1200" dirty="0"/>
         </a:p>
       </dsp:txBody>
       <dsp:txXfrm>
-        <a:off x="4175921" y="1182713"/>
-        <a:ext cx="1747991" cy="1297772"/>
+        <a:off x="4310498" y="1182713"/>
+        <a:ext cx="1631343" cy="1297772"/>
       </dsp:txXfrm>
     </dsp:sp>
   </dsp:spTree>
@@ -8507,38 +8664,37 @@
           <a:p>
             <a:pPr lvl="0"/>
             <a:r>
-              <a:rPr lang="en-US" smtClean="0"/>
+              <a:rPr lang="en-US"/>
               <a:t>Click to edit Master text styles</a:t>
             </a:r>
           </a:p>
           <a:p>
             <a:pPr lvl="1"/>
             <a:r>
-              <a:rPr lang="en-US" smtClean="0"/>
+              <a:rPr lang="en-US"/>
               <a:t>Second level</a:t>
             </a:r>
           </a:p>
           <a:p>
             <a:pPr lvl="2"/>
             <a:r>
-              <a:rPr lang="en-US" smtClean="0"/>
+              <a:rPr lang="en-US"/>
               <a:t>Third level</a:t>
             </a:r>
           </a:p>
           <a:p>
             <a:pPr lvl="3"/>
             <a:r>
-              <a:rPr lang="en-US" smtClean="0"/>
+              <a:rPr lang="en-US"/>
               <a:t>Fourth level</a:t>
             </a:r>
           </a:p>
           <a:p>
             <a:pPr lvl="4"/>
             <a:r>
-              <a:rPr lang="en-US" smtClean="0"/>
+              <a:rPr lang="en-US"/>
               <a:t>Fifth level</a:t>
             </a:r>
-            <a:endParaRPr lang="en-US"/>
           </a:p>
         </p:txBody>
       </p:sp>
@@ -8756,56 +8912,55 @@
           <a:lstStyle/>
           <a:p>
             <a:r>
-              <a:rPr lang="en-US" dirty="0" smtClean="0"/>
+              <a:rPr lang="en-US" dirty="0"/>
               <a:t> precision    recall  f1-score   support</a:t>
             </a:r>
           </a:p>
           <a:p>
-            <a:endParaRPr lang="en-US" dirty="0" smtClean="0"/>
+            <a:endParaRPr lang="en-US" dirty="0"/>
           </a:p>
           <a:p>
             <a:r>
-              <a:rPr lang="en-US" dirty="0" smtClean="0"/>
+              <a:rPr lang="en-US" dirty="0"/>
               <a:t>      Happy       0.50      0.14      0.22         7</a:t>
             </a:r>
           </a:p>
           <a:p>
             <a:r>
-              <a:rPr lang="en-US" dirty="0" smtClean="0"/>
+              <a:rPr lang="en-US" dirty="0"/>
               <a:t> Heartbreak       0.00      0.00      0.00         3</a:t>
             </a:r>
           </a:p>
           <a:p>
             <a:r>
-              <a:rPr lang="en-US" dirty="0" smtClean="0"/>
+              <a:rPr lang="en-US" dirty="0"/>
               <a:t>      Party       0.50      0.33      0.40         3</a:t>
             </a:r>
           </a:p>
           <a:p>
             <a:r>
-              <a:rPr lang="en-US" dirty="0" smtClean="0"/>
+              <a:rPr lang="en-US" dirty="0"/>
               <a:t>   Romantic       0.22      0.33      0.27         6</a:t>
             </a:r>
           </a:p>
           <a:p>
             <a:r>
-              <a:rPr lang="en-US" dirty="0" smtClean="0"/>
+              <a:rPr lang="en-US" dirty="0"/>
               <a:t>        Sad       0.50      0.14      0.22         7</a:t>
             </a:r>
           </a:p>
           <a:p>
-            <a:endParaRPr lang="en-US" dirty="0" smtClean="0"/>
+            <a:endParaRPr lang="en-US" dirty="0"/>
           </a:p>
           <a:p>
             <a:r>
-              <a:rPr lang="en-US" dirty="0" err="1" smtClean="0"/>
+              <a:rPr lang="en-US" dirty="0" err="1"/>
               <a:t>avg</a:t>
             </a:r>
             <a:r>
-              <a:rPr lang="en-US" dirty="0" smtClean="0"/>
+              <a:rPr lang="en-US" dirty="0"/>
               <a:t> / total       0.38      0.19      0.23        26</a:t>
             </a:r>
-            <a:endParaRPr lang="en-US" dirty="0"/>
           </a:p>
         </p:txBody>
       </p:sp>
@@ -8826,7 +8981,7 @@
           <a:p>
             <a:fld id="{15F1C437-5F68-4346-AD9F-973BF455EEDB}" type="slidenum">
               <a:rPr lang="en-US" smtClean="0"/>
-              <a:t>9</a:t>
+              <a:t>11</a:t>
             </a:fld>
             <a:endParaRPr lang="en-US"/>
           </a:p>
@@ -8931,7 +9086,7 @@
           </a:lstStyle>
           <a:p>
             <a:r>
-              <a:rPr lang="en-US" smtClean="0"/>
+              <a:rPr lang="en-US"/>
               <a:t>Click to edit Master title style</a:t>
             </a:r>
             <a:endParaRPr lang="en-US" dirty="0"/>
@@ -9050,7 +9205,7 @@
           </a:lstStyle>
           <a:p>
             <a:r>
-              <a:rPr lang="en-US" smtClean="0"/>
+              <a:rPr lang="en-US"/>
               <a:t>Click to edit Master subtitle style</a:t>
             </a:r>
             <a:endParaRPr lang="en-US" dirty="0"/>
@@ -9265,7 +9420,7 @@
           <a:lstStyle/>
           <a:p>
             <a:r>
-              <a:rPr lang="en-US" smtClean="0"/>
+              <a:rPr lang="en-US"/>
               <a:t>Click to edit Master title style</a:t>
             </a:r>
             <a:endParaRPr lang="en-US" dirty="0"/>
@@ -9305,35 +9460,35 @@
           <a:p>
             <a:pPr lvl="0"/>
             <a:r>
-              <a:rPr lang="en-US" smtClean="0"/>
+              <a:rPr lang="en-US"/>
               <a:t>Click to edit Master text styles</a:t>
             </a:r>
           </a:p>
           <a:p>
             <a:pPr lvl="1"/>
             <a:r>
-              <a:rPr lang="en-US" smtClean="0"/>
+              <a:rPr lang="en-US"/>
               <a:t>Second level</a:t>
             </a:r>
           </a:p>
           <a:p>
             <a:pPr lvl="2"/>
             <a:r>
-              <a:rPr lang="en-US" smtClean="0"/>
+              <a:rPr lang="en-US"/>
               <a:t>Third level</a:t>
             </a:r>
           </a:p>
           <a:p>
             <a:pPr lvl="3"/>
             <a:r>
-              <a:rPr lang="en-US" smtClean="0"/>
+              <a:rPr lang="en-US"/>
               <a:t>Fourth level</a:t>
             </a:r>
           </a:p>
           <a:p>
             <a:pPr lvl="4"/>
             <a:r>
-              <a:rPr lang="en-US" smtClean="0"/>
+              <a:rPr lang="en-US"/>
               <a:t>Fifth level</a:t>
             </a:r>
             <a:endParaRPr lang="en-US" dirty="0"/>
@@ -9495,7 +9650,7 @@
           <a:lstStyle/>
           <a:p>
             <a:r>
-              <a:rPr lang="en-US" smtClean="0"/>
+              <a:rPr lang="en-US"/>
               <a:t>Click to edit Master title style</a:t>
             </a:r>
             <a:endParaRPr lang="en-US" dirty="0"/>
@@ -9524,35 +9679,35 @@
           <a:p>
             <a:pPr lvl="0"/>
             <a:r>
-              <a:rPr lang="en-US" smtClean="0"/>
+              <a:rPr lang="en-US"/>
               <a:t>Click to edit Master text styles</a:t>
             </a:r>
           </a:p>
           <a:p>
             <a:pPr lvl="1"/>
             <a:r>
-              <a:rPr lang="en-US" smtClean="0"/>
+              <a:rPr lang="en-US"/>
               <a:t>Second level</a:t>
             </a:r>
           </a:p>
           <a:p>
             <a:pPr lvl="2"/>
             <a:r>
-              <a:rPr lang="en-US" smtClean="0"/>
+              <a:rPr lang="en-US"/>
               <a:t>Third level</a:t>
             </a:r>
           </a:p>
           <a:p>
             <a:pPr lvl="3"/>
             <a:r>
-              <a:rPr lang="en-US" smtClean="0"/>
+              <a:rPr lang="en-US"/>
               <a:t>Fourth level</a:t>
             </a:r>
           </a:p>
           <a:p>
             <a:pPr lvl="4"/>
             <a:r>
-              <a:rPr lang="en-US" smtClean="0"/>
+              <a:rPr lang="en-US"/>
               <a:t>Fifth level</a:t>
             </a:r>
             <a:endParaRPr lang="en-US" dirty="0"/>
@@ -9751,7 +9906,7 @@
           <a:lstStyle/>
           <a:p>
             <a:r>
-              <a:rPr lang="en-US" smtClean="0"/>
+              <a:rPr lang="en-US"/>
               <a:t>Click to edit Master title style</a:t>
             </a:r>
             <a:endParaRPr lang="en-US" dirty="0"/>
@@ -9780,35 +9935,35 @@
           <a:p>
             <a:pPr lvl="0"/>
             <a:r>
-              <a:rPr lang="en-US" smtClean="0"/>
+              <a:rPr lang="en-US"/>
               <a:t>Click to edit Master text styles</a:t>
             </a:r>
           </a:p>
           <a:p>
             <a:pPr lvl="1"/>
             <a:r>
-              <a:rPr lang="en-US" smtClean="0"/>
+              <a:rPr lang="en-US"/>
               <a:t>Second level</a:t>
             </a:r>
           </a:p>
           <a:p>
             <a:pPr lvl="2"/>
             <a:r>
-              <a:rPr lang="en-US" smtClean="0"/>
+              <a:rPr lang="en-US"/>
               <a:t>Third level</a:t>
             </a:r>
           </a:p>
           <a:p>
             <a:pPr lvl="3"/>
             <a:r>
-              <a:rPr lang="en-US" smtClean="0"/>
+              <a:rPr lang="en-US"/>
               <a:t>Fourth level</a:t>
             </a:r>
           </a:p>
           <a:p>
             <a:pPr lvl="4"/>
             <a:r>
-              <a:rPr lang="en-US" smtClean="0"/>
+              <a:rPr lang="en-US"/>
               <a:t>Fifth level</a:t>
             </a:r>
             <a:endParaRPr lang="en-US" dirty="0"/>
@@ -9985,7 +10140,7 @@
           </a:lstStyle>
           <a:p>
             <a:r>
-              <a:rPr lang="en-US" smtClean="0"/>
+              <a:rPr lang="en-US"/>
               <a:t>Click to edit Master title style</a:t>
             </a:r>
             <a:endParaRPr lang="en-US" dirty="0"/>
@@ -10105,7 +10260,7 @@
           <a:p>
             <a:pPr lvl="0"/>
             <a:r>
-              <a:rPr lang="en-US" smtClean="0"/>
+              <a:rPr lang="en-US"/>
               <a:t>Click to edit Master text styles</a:t>
             </a:r>
           </a:p>
@@ -10299,7 +10454,7 @@
           <a:lstStyle/>
           <a:p>
             <a:r>
-              <a:rPr lang="en-US" smtClean="0"/>
+              <a:rPr lang="en-US"/>
               <a:t>Click to edit Master title style</a:t>
             </a:r>
             <a:endParaRPr lang="en-US" dirty="0"/>
@@ -10330,35 +10485,35 @@
           <a:p>
             <a:pPr lvl="0"/>
             <a:r>
-              <a:rPr lang="en-US" smtClean="0"/>
+              <a:rPr lang="en-US"/>
               <a:t>Click to edit Master text styles</a:t>
             </a:r>
           </a:p>
           <a:p>
             <a:pPr lvl="1"/>
             <a:r>
-              <a:rPr lang="en-US" smtClean="0"/>
+              <a:rPr lang="en-US"/>
               <a:t>Second level</a:t>
             </a:r>
           </a:p>
           <a:p>
             <a:pPr lvl="2"/>
             <a:r>
-              <a:rPr lang="en-US" smtClean="0"/>
+              <a:rPr lang="en-US"/>
               <a:t>Third level</a:t>
             </a:r>
           </a:p>
           <a:p>
             <a:pPr lvl="3"/>
             <a:r>
-              <a:rPr lang="en-US" smtClean="0"/>
+              <a:rPr lang="en-US"/>
               <a:t>Fourth level</a:t>
             </a:r>
           </a:p>
           <a:p>
             <a:pPr lvl="4"/>
             <a:r>
-              <a:rPr lang="en-US" smtClean="0"/>
+              <a:rPr lang="en-US"/>
               <a:t>Fifth level</a:t>
             </a:r>
             <a:endParaRPr lang="en-US" dirty="0"/>
@@ -10389,35 +10544,35 @@
           <a:p>
             <a:pPr lvl="0"/>
             <a:r>
-              <a:rPr lang="en-US" smtClean="0"/>
+              <a:rPr lang="en-US"/>
               <a:t>Click to edit Master text styles</a:t>
             </a:r>
           </a:p>
           <a:p>
             <a:pPr lvl="1"/>
             <a:r>
-              <a:rPr lang="en-US" smtClean="0"/>
+              <a:rPr lang="en-US"/>
               <a:t>Second level</a:t>
             </a:r>
           </a:p>
           <a:p>
             <a:pPr lvl="2"/>
             <a:r>
-              <a:rPr lang="en-US" smtClean="0"/>
+              <a:rPr lang="en-US"/>
               <a:t>Third level</a:t>
             </a:r>
           </a:p>
           <a:p>
             <a:pPr lvl="3"/>
             <a:r>
-              <a:rPr lang="en-US" smtClean="0"/>
+              <a:rPr lang="en-US"/>
               <a:t>Fourth level</a:t>
             </a:r>
           </a:p>
           <a:p>
             <a:pPr lvl="4"/>
             <a:r>
-              <a:rPr lang="en-US" smtClean="0"/>
+              <a:rPr lang="en-US"/>
               <a:t>Fifth level</a:t>
             </a:r>
             <a:endParaRPr lang="en-US" dirty="0"/>
@@ -10579,7 +10734,7 @@
           <a:lstStyle/>
           <a:p>
             <a:r>
-              <a:rPr lang="en-US" smtClean="0"/>
+              <a:rPr lang="en-US"/>
               <a:t>Click to edit Master title style</a:t>
             </a:r>
             <a:endParaRPr lang="en-US" dirty="0"/>
@@ -10651,7 +10806,7 @@
           <a:p>
             <a:pPr lvl="0"/>
             <a:r>
-              <a:rPr lang="en-US" smtClean="0"/>
+              <a:rPr lang="en-US"/>
               <a:t>Click to edit Master text styles</a:t>
             </a:r>
           </a:p>
@@ -10681,35 +10836,35 @@
           <a:p>
             <a:pPr lvl="0"/>
             <a:r>
-              <a:rPr lang="en-US" smtClean="0"/>
+              <a:rPr lang="en-US"/>
               <a:t>Click to edit Master text styles</a:t>
             </a:r>
           </a:p>
           <a:p>
             <a:pPr lvl="1"/>
             <a:r>
-              <a:rPr lang="en-US" smtClean="0"/>
+              <a:rPr lang="en-US"/>
               <a:t>Second level</a:t>
             </a:r>
           </a:p>
           <a:p>
             <a:pPr lvl="2"/>
             <a:r>
-              <a:rPr lang="en-US" smtClean="0"/>
+              <a:rPr lang="en-US"/>
               <a:t>Third level</a:t>
             </a:r>
           </a:p>
           <a:p>
             <a:pPr lvl="3"/>
             <a:r>
-              <a:rPr lang="en-US" smtClean="0"/>
+              <a:rPr lang="en-US"/>
               <a:t>Fourth level</a:t>
             </a:r>
           </a:p>
           <a:p>
             <a:pPr lvl="4"/>
             <a:r>
-              <a:rPr lang="en-US" smtClean="0"/>
+              <a:rPr lang="en-US"/>
               <a:t>Fifth level</a:t>
             </a:r>
             <a:endParaRPr lang="en-US" dirty="0"/>
@@ -10781,7 +10936,7 @@
           <a:p>
             <a:pPr lvl="0"/>
             <a:r>
-              <a:rPr lang="en-US" smtClean="0"/>
+              <a:rPr lang="en-US"/>
               <a:t>Click to edit Master text styles</a:t>
             </a:r>
           </a:p>
@@ -10811,35 +10966,35 @@
           <a:p>
             <a:pPr lvl="0"/>
             <a:r>
-              <a:rPr lang="en-US" smtClean="0"/>
+              <a:rPr lang="en-US"/>
               <a:t>Click to edit Master text styles</a:t>
             </a:r>
           </a:p>
           <a:p>
             <a:pPr lvl="1"/>
             <a:r>
-              <a:rPr lang="en-US" smtClean="0"/>
+              <a:rPr lang="en-US"/>
               <a:t>Second level</a:t>
             </a:r>
           </a:p>
           <a:p>
             <a:pPr lvl="2"/>
             <a:r>
-              <a:rPr lang="en-US" smtClean="0"/>
+              <a:rPr lang="en-US"/>
               <a:t>Third level</a:t>
             </a:r>
           </a:p>
           <a:p>
             <a:pPr lvl="3"/>
             <a:r>
-              <a:rPr lang="en-US" smtClean="0"/>
+              <a:rPr lang="en-US"/>
               <a:t>Fourth level</a:t>
             </a:r>
           </a:p>
           <a:p>
             <a:pPr lvl="4"/>
             <a:r>
-              <a:rPr lang="en-US" smtClean="0"/>
+              <a:rPr lang="en-US"/>
               <a:t>Fifth level</a:t>
             </a:r>
             <a:endParaRPr lang="en-US" dirty="0"/>
@@ -11066,7 +11221,7 @@
           <a:lstStyle/>
           <a:p>
             <a:r>
-              <a:rPr lang="en-US" smtClean="0"/>
+              <a:rPr lang="en-US"/>
               <a:t>Click to edit Master title style</a:t>
             </a:r>
             <a:endParaRPr lang="en-US" dirty="0"/>
@@ -11274,7 +11429,7 @@
           </a:lstStyle>
           <a:p>
             <a:r>
-              <a:rPr lang="en-US" smtClean="0"/>
+              <a:rPr lang="en-US"/>
               <a:t>Click to edit Master title style</a:t>
             </a:r>
             <a:endParaRPr lang="en-US" dirty="0"/>
@@ -11369,35 +11524,35 @@
           <a:p>
             <a:pPr lvl="0"/>
             <a:r>
-              <a:rPr lang="en-US" smtClean="0"/>
+              <a:rPr lang="en-US"/>
               <a:t>Click to edit Master text styles</a:t>
             </a:r>
           </a:p>
           <a:p>
             <a:pPr lvl="1"/>
             <a:r>
-              <a:rPr lang="en-US" smtClean="0"/>
+              <a:rPr lang="en-US"/>
               <a:t>Second level</a:t>
             </a:r>
           </a:p>
           <a:p>
             <a:pPr lvl="2"/>
             <a:r>
-              <a:rPr lang="en-US" smtClean="0"/>
+              <a:rPr lang="en-US"/>
               <a:t>Third level</a:t>
             </a:r>
           </a:p>
           <a:p>
             <a:pPr lvl="3"/>
             <a:r>
-              <a:rPr lang="en-US" smtClean="0"/>
+              <a:rPr lang="en-US"/>
               <a:t>Fourth level</a:t>
             </a:r>
           </a:p>
           <a:p>
             <a:pPr lvl="4"/>
             <a:r>
-              <a:rPr lang="en-US" smtClean="0"/>
+              <a:rPr lang="en-US"/>
               <a:t>Fifth level</a:t>
             </a:r>
             <a:endParaRPr lang="en-US" dirty="0"/>
@@ -11469,7 +11624,7 @@
           <a:p>
             <a:pPr lvl="0"/>
             <a:r>
-              <a:rPr lang="en-US" smtClean="0"/>
+              <a:rPr lang="en-US"/>
               <a:t>Click to edit Master text styles</a:t>
             </a:r>
           </a:p>
@@ -11639,7 +11794,7 @@
           </a:lstStyle>
           <a:p>
             <a:r>
-              <a:rPr lang="en-US" smtClean="0"/>
+              <a:rPr lang="en-US"/>
               <a:t>Click to edit Master title style</a:t>
             </a:r>
             <a:endParaRPr lang="en-US" dirty="0"/>
@@ -11706,7 +11861,7 @@
           </a:lstStyle>
           <a:p>
             <a:r>
-              <a:rPr lang="en-US" smtClean="0"/>
+              <a:rPr lang="en-US"/>
               <a:t>Click icon to add picture</a:t>
             </a:r>
             <a:endParaRPr lang="en-US" dirty="0"/>
@@ -11774,7 +11929,7 @@
           <a:p>
             <a:pPr lvl="0"/>
             <a:r>
-              <a:rPr lang="en-US" smtClean="0"/>
+              <a:rPr lang="en-US"/>
               <a:t>Click to edit Master text styles</a:t>
             </a:r>
           </a:p>
@@ -11906,7 +12061,7 @@
           <a:lstStyle/>
           <a:p>
             <a:r>
-              <a:rPr lang="en-US" smtClean="0"/>
+              <a:rPr lang="en-US"/>
               <a:t>Click to edit Master title style</a:t>
             </a:r>
             <a:endParaRPr lang="en-US" dirty="0"/>
@@ -11940,35 +12095,35 @@
           <a:p>
             <a:pPr lvl="0"/>
             <a:r>
-              <a:rPr lang="en-US" smtClean="0"/>
+              <a:rPr lang="en-US"/>
               <a:t>Click to edit Master text styles</a:t>
             </a:r>
           </a:p>
           <a:p>
             <a:pPr lvl="1"/>
             <a:r>
-              <a:rPr lang="en-US" smtClean="0"/>
+              <a:rPr lang="en-US"/>
               <a:t>Second level</a:t>
             </a:r>
           </a:p>
           <a:p>
             <a:pPr lvl="2"/>
             <a:r>
-              <a:rPr lang="en-US" smtClean="0"/>
+              <a:rPr lang="en-US"/>
               <a:t>Third level</a:t>
             </a:r>
           </a:p>
           <a:p>
             <a:pPr lvl="3"/>
             <a:r>
-              <a:rPr lang="en-US" smtClean="0"/>
+              <a:rPr lang="en-US"/>
               <a:t>Fourth level</a:t>
             </a:r>
           </a:p>
           <a:p>
             <a:pPr lvl="4"/>
             <a:r>
-              <a:rPr lang="en-US" smtClean="0"/>
+              <a:rPr lang="en-US"/>
               <a:t>Fifth level</a:t>
             </a:r>
             <a:endParaRPr lang="en-US" dirty="0"/>
@@ -12637,18 +12792,13 @@
           <a:lstStyle/>
           <a:p>
             <a:r>
-              <a:rPr lang="en-US" sz="2400" u="sng" dirty="0" smtClean="0">
+              <a:rPr lang="en-US" sz="2400" u="sng" dirty="0">
                 <a:solidFill>
                   <a:srgbClr val="002060"/>
                 </a:solidFill>
               </a:rPr>
               <a:t>PROJECT TITLE -</a:t>
             </a:r>
-            <a:endParaRPr lang="en-US" sz="2400" u="sng" dirty="0">
-              <a:solidFill>
-                <a:srgbClr val="002060"/>
-              </a:solidFill>
-            </a:endParaRPr>
           </a:p>
         </p:txBody>
       </p:sp>
@@ -12675,7 +12825,7 @@
           <a:lstStyle/>
           <a:p>
             <a:r>
-              <a:rPr lang="en-US" sz="2400" dirty="0" smtClean="0">
+              <a:rPr lang="en-US" sz="2400" dirty="0">
                 <a:solidFill>
                   <a:srgbClr val="002060"/>
                 </a:solidFill>
@@ -12684,13 +12834,6 @@
               </a:rPr>
               <a:t>Sentimental analysis using text classification on song lyrics</a:t>
             </a:r>
-            <a:endParaRPr lang="en-US" sz="2400" dirty="0">
-              <a:solidFill>
-                <a:srgbClr val="002060"/>
-              </a:solidFill>
-              <a:latin typeface="Calibri" panose="020F0502020204030204" pitchFamily="34" charset="0"/>
-              <a:cs typeface="Calibri" panose="020F0502020204030204" pitchFamily="34" charset="0"/>
-            </a:endParaRPr>
           </a:p>
         </p:txBody>
       </p:sp>
@@ -12717,7 +12860,7 @@
           <a:lstStyle/>
           <a:p>
             <a:r>
-              <a:rPr lang="en-US" sz="2400" u="sng" dirty="0" smtClean="0">
+              <a:rPr lang="en-US" sz="2400" u="sng" dirty="0">
                 <a:solidFill>
                   <a:srgbClr val="002060"/>
                 </a:solidFill>
@@ -12725,12 +12868,6 @@
               </a:rPr>
               <a:t>GROUP NO - 4</a:t>
             </a:r>
-            <a:endParaRPr lang="en-US" sz="2400" u="sng" dirty="0">
-              <a:solidFill>
-                <a:srgbClr val="002060"/>
-              </a:solidFill>
-              <a:latin typeface="+mj-lt"/>
-            </a:endParaRPr>
           </a:p>
         </p:txBody>
       </p:sp>
@@ -12757,7 +12894,7 @@
           <a:lstStyle/>
           <a:p>
             <a:r>
-              <a:rPr lang="en-US" sz="2400" u="sng" dirty="0" smtClean="0">
+              <a:rPr lang="en-US" sz="2400" u="sng" dirty="0">
                 <a:solidFill>
                   <a:srgbClr val="002060"/>
                 </a:solidFill>
@@ -12766,7 +12903,7 @@
               <a:t>PROJECT</a:t>
             </a:r>
             <a:r>
-              <a:rPr lang="en-US" sz="2400" u="sng" dirty="0" smtClean="0">
+              <a:rPr lang="en-US" sz="2400" u="sng" dirty="0">
                 <a:solidFill>
                   <a:srgbClr val="002060"/>
                 </a:solidFill>
@@ -12774,12 +12911,6 @@
               </a:rPr>
               <a:t> MEMBERS -</a:t>
             </a:r>
-            <a:endParaRPr lang="en-US" sz="2400" u="sng" dirty="0">
-              <a:solidFill>
-                <a:srgbClr val="002060"/>
-              </a:solidFill>
-              <a:latin typeface="Arial Rounded MT Bold" panose="020F0704030504030204" pitchFamily="34" charset="0"/>
-            </a:endParaRPr>
           </a:p>
         </p:txBody>
       </p:sp>
@@ -12806,7 +12937,7 @@
           <a:lstStyle/>
           <a:p>
             <a:r>
-              <a:rPr lang="en-US" sz="2400" dirty="0" smtClean="0">
+              <a:rPr lang="en-US" sz="2400" dirty="0">
                 <a:solidFill>
                   <a:srgbClr val="002060"/>
                 </a:solidFill>
@@ -12816,32 +12947,15 @@
               <a:t>1. </a:t>
             </a:r>
             <a:r>
-              <a:rPr lang="en-US" sz="2400" dirty="0" err="1" smtClean="0">
+              <a:rPr lang="en-US" sz="2400" u="sng" dirty="0">
                 <a:solidFill>
                   <a:srgbClr val="002060"/>
                 </a:solidFill>
                 <a:latin typeface="Calibri" panose="020F0502020204030204" pitchFamily="34" charset="0"/>
                 <a:cs typeface="Calibri" panose="020F0502020204030204" pitchFamily="34" charset="0"/>
               </a:rPr>
-              <a:t>Anusha</a:t>
+              <a:t>Pooja Singh</a:t>
             </a:r>
-            <a:r>
-              <a:rPr lang="en-US" sz="2400" dirty="0" smtClean="0">
-                <a:solidFill>
-                  <a:srgbClr val="002060"/>
-                </a:solidFill>
-                <a:latin typeface="Calibri" panose="020F0502020204030204" pitchFamily="34" charset="0"/>
-                <a:cs typeface="Calibri" panose="020F0502020204030204" pitchFamily="34" charset="0"/>
-              </a:rPr>
-              <a:t> Ramakrishnan</a:t>
-            </a:r>
-            <a:endParaRPr lang="en-US" sz="2400" dirty="0">
-              <a:solidFill>
-                <a:srgbClr val="002060"/>
-              </a:solidFill>
-              <a:latin typeface="Calibri" panose="020F0502020204030204" pitchFamily="34" charset="0"/>
-              <a:cs typeface="Calibri" panose="020F0502020204030204" pitchFamily="34" charset="0"/>
-            </a:endParaRPr>
           </a:p>
         </p:txBody>
       </p:sp>
@@ -12868,22 +12982,55 @@
           <a:lstStyle/>
           <a:p>
             <a:r>
-              <a:rPr lang="en-US" sz="2400" dirty="0" smtClean="0">
+              <a:rPr lang="en-US" sz="2400" dirty="0">
                 <a:solidFill>
                   <a:srgbClr val="002060"/>
                 </a:solidFill>
                 <a:latin typeface="Calibri" panose="020F0502020204030204" pitchFamily="34" charset="0"/>
                 <a:cs typeface="Calibri" panose="020F0502020204030204" pitchFamily="34" charset="0"/>
               </a:rPr>
-              <a:t>2. Pooja Singh</a:t>
+              <a:t>2. </a:t>
             </a:r>
-            <a:endParaRPr lang="en-US" sz="2400" dirty="0">
-              <a:solidFill>
-                <a:srgbClr val="002060"/>
-              </a:solidFill>
-              <a:latin typeface="Calibri" panose="020F0502020204030204" pitchFamily="34" charset="0"/>
-              <a:cs typeface="Calibri" panose="020F0502020204030204" pitchFamily="34" charset="0"/>
-            </a:endParaRPr>
+            <a:r>
+              <a:rPr lang="en-US" sz="2400" dirty="0" err="1">
+                <a:solidFill>
+                  <a:srgbClr val="002060"/>
+                </a:solidFill>
+                <a:latin typeface="Calibri" panose="020F0502020204030204" pitchFamily="34" charset="0"/>
+                <a:cs typeface="Calibri" panose="020F0502020204030204" pitchFamily="34" charset="0"/>
+              </a:rPr>
+              <a:t>Snehal</a:t>
+            </a:r>
+            <a:r>
+              <a:rPr lang="en-US" sz="2400" dirty="0">
+                <a:solidFill>
+                  <a:srgbClr val="002060"/>
+                </a:solidFill>
+                <a:latin typeface="Calibri" panose="020F0502020204030204" pitchFamily="34" charset="0"/>
+                <a:cs typeface="Calibri" panose="020F0502020204030204" pitchFamily="34" charset="0"/>
+              </a:rPr>
+              <a:t> </a:t>
+            </a:r>
+            <a:r>
+              <a:rPr lang="en-US" sz="2400" dirty="0" err="1">
+                <a:solidFill>
+                  <a:srgbClr val="002060"/>
+                </a:solidFill>
+                <a:latin typeface="Calibri" panose="020F0502020204030204" pitchFamily="34" charset="0"/>
+                <a:cs typeface="Calibri" panose="020F0502020204030204" pitchFamily="34" charset="0"/>
+              </a:rPr>
+              <a:t>Adsule</a:t>
+            </a:r>
+            <a:r>
+              <a:rPr lang="en-US" sz="2400" dirty="0">
+                <a:solidFill>
+                  <a:srgbClr val="002060"/>
+                </a:solidFill>
+                <a:latin typeface="Calibri" panose="020F0502020204030204" pitchFamily="34" charset="0"/>
+                <a:cs typeface="Calibri" panose="020F0502020204030204" pitchFamily="34" charset="0"/>
+              </a:rPr>
+              <a:t> </a:t>
+            </a:r>
           </a:p>
         </p:txBody>
       </p:sp>
@@ -12910,52 +13057,15 @@
           <a:lstStyle/>
           <a:p>
             <a:r>
-              <a:rPr lang="en-US" sz="2400" dirty="0" smtClean="0">
+              <a:rPr lang="en-US" sz="2400" dirty="0">
                 <a:solidFill>
                   <a:srgbClr val="002060"/>
                 </a:solidFill>
                 <a:latin typeface="Calibri" panose="020F0502020204030204" pitchFamily="34" charset="0"/>
                 <a:cs typeface="Calibri" panose="020F0502020204030204" pitchFamily="34" charset="0"/>
               </a:rPr>
-              <a:t>3. </a:t>
+              <a:t>3. Anusha Ramakrishnan</a:t>
             </a:r>
-            <a:r>
-              <a:rPr lang="en-US" sz="2400" dirty="0" err="1" smtClean="0">
-                <a:solidFill>
-                  <a:srgbClr val="002060"/>
-                </a:solidFill>
-                <a:latin typeface="Calibri" panose="020F0502020204030204" pitchFamily="34" charset="0"/>
-                <a:cs typeface="Calibri" panose="020F0502020204030204" pitchFamily="34" charset="0"/>
-              </a:rPr>
-              <a:t>Snehal</a:t>
-            </a:r>
-            <a:r>
-              <a:rPr lang="en-US" sz="2400" dirty="0" smtClean="0">
-                <a:solidFill>
-                  <a:srgbClr val="002060"/>
-                </a:solidFill>
-                <a:latin typeface="Calibri" panose="020F0502020204030204" pitchFamily="34" charset="0"/>
-                <a:cs typeface="Calibri" panose="020F0502020204030204" pitchFamily="34" charset="0"/>
-              </a:rPr>
-              <a:t> </a:t>
-            </a:r>
-            <a:r>
-              <a:rPr lang="en-US" sz="2400" dirty="0" err="1" smtClean="0">
-                <a:solidFill>
-                  <a:srgbClr val="002060"/>
-                </a:solidFill>
-                <a:latin typeface="Calibri" panose="020F0502020204030204" pitchFamily="34" charset="0"/>
-                <a:cs typeface="Calibri" panose="020F0502020204030204" pitchFamily="34" charset="0"/>
-              </a:rPr>
-              <a:t>Adsule</a:t>
-            </a:r>
-            <a:endParaRPr lang="en-US" sz="2400" dirty="0">
-              <a:solidFill>
-                <a:srgbClr val="002060"/>
-              </a:solidFill>
-              <a:latin typeface="Calibri" panose="020F0502020204030204" pitchFamily="34" charset="0"/>
-              <a:cs typeface="Calibri" panose="020F0502020204030204" pitchFamily="34" charset="0"/>
-            </a:endParaRPr>
           </a:p>
         </p:txBody>
       </p:sp>
@@ -12982,7 +13092,7 @@
           <a:lstStyle/>
           <a:p>
             <a:r>
-              <a:rPr lang="en-US" sz="2400" dirty="0" smtClean="0">
+              <a:rPr lang="en-US" sz="2400" dirty="0">
                 <a:solidFill>
                   <a:srgbClr val="002060"/>
                 </a:solidFill>
@@ -12992,7 +13102,7 @@
               <a:t>4. Suresh </a:t>
             </a:r>
             <a:r>
-              <a:rPr lang="en-US" sz="2400" dirty="0" err="1" smtClean="0">
+              <a:rPr lang="en-US" sz="2400" dirty="0" err="1">
                 <a:solidFill>
                   <a:srgbClr val="002060"/>
                 </a:solidFill>
@@ -13021,17 +13131,795 @@
   <p:clrMapOvr>
     <a:masterClrMapping/>
   </p:clrMapOvr>
-  <p:timing>
-    <p:tnLst>
-      <p:par>
-        <p:cTn id="1" dur="indefinite" restart="never" nodeType="tmRoot"/>
-      </p:par>
-    </p:tnLst>
-  </p:timing>
 </p:sld>
 </file>
 
 <file path=ppt/slides/slide10.xml><?xml version="1.0" encoding="utf-8"?>
+<p:sld xmlns:a="http://schemas.openxmlformats.org/drawingml/2006/main" xmlns:r="http://schemas.openxmlformats.org/officeDocument/2006/relationships" xmlns:p="http://schemas.openxmlformats.org/presentationml/2006/main">
+  <p:cSld>
+    <p:spTree>
+      <p:nvGrpSpPr>
+        <p:cNvPr id="1" name=""/>
+        <p:cNvGrpSpPr/>
+        <p:nvPr/>
+      </p:nvGrpSpPr>
+      <p:grpSpPr>
+        <a:xfrm>
+          <a:off x="0" y="0"/>
+          <a:ext cx="0" cy="0"/>
+          <a:chOff x="0" y="0"/>
+          <a:chExt cx="0" cy="0"/>
+        </a:xfrm>
+      </p:grpSpPr>
+      <p:sp>
+        <p:nvSpPr>
+          <p:cNvPr id="2" name="Title 1"/>
+          <p:cNvSpPr>
+            <a:spLocks noGrp="1"/>
+          </p:cNvSpPr>
+          <p:nvPr>
+            <p:ph type="title"/>
+          </p:nvPr>
+        </p:nvSpPr>
+        <p:spPr>
+          <a:xfrm>
+            <a:off x="697305" y="947826"/>
+            <a:ext cx="11029616" cy="1013800"/>
+          </a:xfrm>
+        </p:spPr>
+        <p:txBody>
+          <a:bodyPr>
+            <a:normAutofit fontScale="90000"/>
+          </a:bodyPr>
+          <a:lstStyle/>
+          <a:p>
+            <a:br>
+              <a:rPr lang="en-US" dirty="0"/>
+            </a:br>
+            <a:br>
+              <a:rPr lang="en-US" dirty="0"/>
+            </a:br>
+            <a:br>
+              <a:rPr lang="en-US" dirty="0"/>
+            </a:br>
+            <a:br>
+              <a:rPr lang="en-US" dirty="0"/>
+            </a:br>
+            <a:br>
+              <a:rPr lang="en-US" dirty="0"/>
+            </a:br>
+            <a:br>
+              <a:rPr lang="en-US" dirty="0"/>
+            </a:br>
+            <a:br>
+              <a:rPr lang="en-US" dirty="0"/>
+            </a:br>
+            <a:br>
+              <a:rPr lang="en-US" dirty="0"/>
+            </a:br>
+            <a:br>
+              <a:rPr lang="en-US" dirty="0"/>
+            </a:br>
+            <a:br>
+              <a:rPr lang="en-US" dirty="0"/>
+            </a:br>
+            <a:br>
+              <a:rPr lang="en-US" dirty="0"/>
+            </a:br>
+            <a:br>
+              <a:rPr lang="en-US" dirty="0"/>
+            </a:br>
+            <a:br>
+              <a:rPr lang="en-US" dirty="0"/>
+            </a:br>
+            <a:r>
+              <a:rPr lang="en-US" sz="3600" dirty="0">
+                <a:solidFill>
+                  <a:srgbClr val="002060"/>
+                </a:solidFill>
+              </a:rPr>
+              <a:t>Decision Tree LEARNING</a:t>
+            </a:r>
+            <a:br>
+              <a:rPr lang="en-US" dirty="0"/>
+            </a:br>
+            <a:br>
+              <a:rPr lang="en-US" dirty="0"/>
+            </a:br>
+            <a:endParaRPr lang="en-US" dirty="0"/>
+          </a:p>
+        </p:txBody>
+      </p:sp>
+      <p:sp>
+        <p:nvSpPr>
+          <p:cNvPr id="4" name="TextBox 3"/>
+          <p:cNvSpPr txBox="1"/>
+          <p:nvPr/>
+        </p:nvSpPr>
+        <p:spPr>
+          <a:xfrm>
+            <a:off x="581191" y="1538517"/>
+            <a:ext cx="10159380" cy="1569660"/>
+          </a:xfrm>
+          <a:prstGeom prst="rect">
+            <a:avLst/>
+          </a:prstGeom>
+          <a:noFill/>
+        </p:spPr>
+        <p:txBody>
+          <a:bodyPr wrap="square" rtlCol="0">
+            <a:spAutoFit/>
+          </a:bodyPr>
+          <a:lstStyle/>
+          <a:p>
+            <a:pPr marL="290513" indent="-290513"/>
+            <a:r>
+              <a:rPr lang="en-US" sz="2400" dirty="0"/>
+              <a:t>-  Tree with features represented as branches, and item’s target values in the leaves</a:t>
+            </a:r>
+          </a:p>
+          <a:p>
+            <a:pPr indent="-285750">
+              <a:buFontTx/>
+              <a:buChar char="-"/>
+            </a:pPr>
+            <a:r>
+              <a:rPr lang="en-US" sz="2400" dirty="0"/>
+              <a:t>Maps observations about an item to conclusions about the item’s target value</a:t>
+            </a:r>
+          </a:p>
+          <a:p>
+            <a:pPr indent="-285750">
+              <a:buFontTx/>
+              <a:buChar char="-"/>
+            </a:pPr>
+            <a:r>
+              <a:rPr lang="en-US" sz="2400" dirty="0"/>
+              <a:t>Classification trees take finite set of values – one among the given target </a:t>
+            </a:r>
+            <a:r>
+              <a:rPr lang="en-US" dirty="0"/>
+              <a:t>classes </a:t>
+            </a:r>
+          </a:p>
+        </p:txBody>
+      </p:sp>
+      <p:sp>
+        <p:nvSpPr>
+          <p:cNvPr id="5" name="Title 1"/>
+          <p:cNvSpPr txBox="1">
+            <a:spLocks/>
+          </p:cNvSpPr>
+          <p:nvPr/>
+        </p:nvSpPr>
+        <p:spPr>
+          <a:xfrm>
+            <a:off x="465077" y="2975426"/>
+            <a:ext cx="11029616" cy="1013800"/>
+          </a:xfrm>
+          <a:prstGeom prst="rect">
+            <a:avLst/>
+          </a:prstGeom>
+        </p:spPr>
+        <p:txBody>
+          <a:bodyPr vert="horz" lIns="91440" tIns="45720" rIns="91440" bIns="45720" rtlCol="0" anchor="b">
+            <a:normAutofit fontScale="25000" lnSpcReduction="20000"/>
+          </a:bodyPr>
+          <a:lstStyle>
+            <a:lvl1pPr algn="l" defTabSz="457200" rtl="0" eaLnBrk="1" latinLnBrk="0" hangingPunct="1">
+              <a:spcBef>
+                <a:spcPct val="0"/>
+              </a:spcBef>
+              <a:buNone/>
+              <a:defRPr sz="2800" b="0" kern="1200" cap="all">
+                <a:solidFill>
+                  <a:schemeClr val="bg1"/>
+                </a:solidFill>
+                <a:latin typeface="+mj-lt"/>
+                <a:ea typeface="+mj-ea"/>
+                <a:cs typeface="+mj-cs"/>
+              </a:defRPr>
+            </a:lvl1pPr>
+            <a:lvl2pPr eaLnBrk="1" hangingPunct="1">
+              <a:defRPr>
+                <a:solidFill>
+                  <a:schemeClr val="tx2"/>
+                </a:solidFill>
+              </a:defRPr>
+            </a:lvl2pPr>
+            <a:lvl3pPr eaLnBrk="1" hangingPunct="1">
+              <a:defRPr>
+                <a:solidFill>
+                  <a:schemeClr val="tx2"/>
+                </a:solidFill>
+              </a:defRPr>
+            </a:lvl3pPr>
+            <a:lvl4pPr eaLnBrk="1" hangingPunct="1">
+              <a:defRPr>
+                <a:solidFill>
+                  <a:schemeClr val="tx2"/>
+                </a:solidFill>
+              </a:defRPr>
+            </a:lvl4pPr>
+            <a:lvl5pPr eaLnBrk="1" hangingPunct="1">
+              <a:defRPr>
+                <a:solidFill>
+                  <a:schemeClr val="tx2"/>
+                </a:solidFill>
+              </a:defRPr>
+            </a:lvl5pPr>
+            <a:lvl6pPr eaLnBrk="1" hangingPunct="1">
+              <a:defRPr>
+                <a:solidFill>
+                  <a:schemeClr val="tx2"/>
+                </a:solidFill>
+              </a:defRPr>
+            </a:lvl6pPr>
+            <a:lvl7pPr eaLnBrk="1" hangingPunct="1">
+              <a:defRPr>
+                <a:solidFill>
+                  <a:schemeClr val="tx2"/>
+                </a:solidFill>
+              </a:defRPr>
+            </a:lvl7pPr>
+            <a:lvl8pPr eaLnBrk="1" hangingPunct="1">
+              <a:defRPr>
+                <a:solidFill>
+                  <a:schemeClr val="tx2"/>
+                </a:solidFill>
+              </a:defRPr>
+            </a:lvl8pPr>
+            <a:lvl9pPr eaLnBrk="1" hangingPunct="1">
+              <a:defRPr>
+                <a:solidFill>
+                  <a:schemeClr val="tx2"/>
+                </a:solidFill>
+              </a:defRPr>
+            </a:lvl9pPr>
+          </a:lstStyle>
+          <a:p>
+            <a:br>
+              <a:rPr lang="en-US" dirty="0"/>
+            </a:br>
+            <a:br>
+              <a:rPr lang="en-US" dirty="0"/>
+            </a:br>
+            <a:br>
+              <a:rPr lang="en-US" dirty="0"/>
+            </a:br>
+            <a:br>
+              <a:rPr lang="en-US" dirty="0"/>
+            </a:br>
+            <a:br>
+              <a:rPr lang="en-US" dirty="0"/>
+            </a:br>
+            <a:br>
+              <a:rPr lang="en-US" dirty="0"/>
+            </a:br>
+            <a:br>
+              <a:rPr lang="en-US" dirty="0"/>
+            </a:br>
+            <a:br>
+              <a:rPr lang="en-US" dirty="0"/>
+            </a:br>
+            <a:br>
+              <a:rPr lang="en-US" dirty="0"/>
+            </a:br>
+            <a:br>
+              <a:rPr lang="en-US" dirty="0"/>
+            </a:br>
+            <a:br>
+              <a:rPr lang="en-US" dirty="0"/>
+            </a:br>
+            <a:br>
+              <a:rPr lang="en-US" dirty="0"/>
+            </a:br>
+            <a:br>
+              <a:rPr lang="en-US" sz="12800" dirty="0"/>
+            </a:br>
+            <a:br>
+              <a:rPr lang="en-US" dirty="0"/>
+            </a:br>
+            <a:endParaRPr lang="en-US" dirty="0"/>
+          </a:p>
+        </p:txBody>
+      </p:sp>
+      <p:sp>
+        <p:nvSpPr>
+          <p:cNvPr id="6" name="TextBox 5"/>
+          <p:cNvSpPr txBox="1"/>
+          <p:nvPr/>
+        </p:nvSpPr>
+        <p:spPr>
+          <a:xfrm>
+            <a:off x="465077" y="3989226"/>
+            <a:ext cx="9869094" cy="1569660"/>
+          </a:xfrm>
+          <a:prstGeom prst="rect">
+            <a:avLst/>
+          </a:prstGeom>
+          <a:noFill/>
+        </p:spPr>
+        <p:txBody>
+          <a:bodyPr wrap="square" rtlCol="0">
+            <a:spAutoFit/>
+          </a:bodyPr>
+          <a:lstStyle/>
+          <a:p>
+            <a:r>
+              <a:rPr lang="en-US" sz="2400" dirty="0"/>
+              <a:t>  -   Algorithm to boost performance of weak learning algorithms</a:t>
+            </a:r>
+          </a:p>
+          <a:p>
+            <a:pPr marL="465138" indent="-465138"/>
+            <a:r>
+              <a:rPr lang="en-US" sz="2400" dirty="0"/>
+              <a:t>  -  Used in conjunction with different algorithms – combining their outputs to   a weighted sum</a:t>
+            </a:r>
+          </a:p>
+          <a:p>
+            <a:r>
+              <a:rPr lang="en-US" sz="2400" dirty="0"/>
+              <a:t>  -  Can be less susceptible to overfitting than other algorithms</a:t>
+            </a:r>
+          </a:p>
+        </p:txBody>
+      </p:sp>
+      <p:sp>
+        <p:nvSpPr>
+          <p:cNvPr id="7" name="Title 1"/>
+          <p:cNvSpPr txBox="1">
+            <a:spLocks/>
+          </p:cNvSpPr>
+          <p:nvPr/>
+        </p:nvSpPr>
+        <p:spPr>
+          <a:xfrm>
+            <a:off x="849705" y="2972567"/>
+            <a:ext cx="11029616" cy="1013800"/>
+          </a:xfrm>
+          <a:prstGeom prst="rect">
+            <a:avLst/>
+          </a:prstGeom>
+        </p:spPr>
+        <p:txBody>
+          <a:bodyPr vert="horz" lIns="91440" tIns="45720" rIns="91440" bIns="45720" rtlCol="0" anchor="b">
+            <a:normAutofit/>
+          </a:bodyPr>
+          <a:lstStyle>
+            <a:lvl1pPr algn="l" defTabSz="457200" rtl="0" eaLnBrk="1" latinLnBrk="0" hangingPunct="1">
+              <a:spcBef>
+                <a:spcPct val="0"/>
+              </a:spcBef>
+              <a:buNone/>
+              <a:defRPr sz="2800" b="0" kern="1200" cap="all">
+                <a:solidFill>
+                  <a:schemeClr val="bg1"/>
+                </a:solidFill>
+                <a:latin typeface="+mj-lt"/>
+                <a:ea typeface="+mj-ea"/>
+                <a:cs typeface="+mj-cs"/>
+              </a:defRPr>
+            </a:lvl1pPr>
+            <a:lvl2pPr eaLnBrk="1" hangingPunct="1">
+              <a:defRPr>
+                <a:solidFill>
+                  <a:schemeClr val="tx2"/>
+                </a:solidFill>
+              </a:defRPr>
+            </a:lvl2pPr>
+            <a:lvl3pPr eaLnBrk="1" hangingPunct="1">
+              <a:defRPr>
+                <a:solidFill>
+                  <a:schemeClr val="tx2"/>
+                </a:solidFill>
+              </a:defRPr>
+            </a:lvl3pPr>
+            <a:lvl4pPr eaLnBrk="1" hangingPunct="1">
+              <a:defRPr>
+                <a:solidFill>
+                  <a:schemeClr val="tx2"/>
+                </a:solidFill>
+              </a:defRPr>
+            </a:lvl4pPr>
+            <a:lvl5pPr eaLnBrk="1" hangingPunct="1">
+              <a:defRPr>
+                <a:solidFill>
+                  <a:schemeClr val="tx2"/>
+                </a:solidFill>
+              </a:defRPr>
+            </a:lvl5pPr>
+            <a:lvl6pPr eaLnBrk="1" hangingPunct="1">
+              <a:defRPr>
+                <a:solidFill>
+                  <a:schemeClr val="tx2"/>
+                </a:solidFill>
+              </a:defRPr>
+            </a:lvl6pPr>
+            <a:lvl7pPr eaLnBrk="1" hangingPunct="1">
+              <a:defRPr>
+                <a:solidFill>
+                  <a:schemeClr val="tx2"/>
+                </a:solidFill>
+              </a:defRPr>
+            </a:lvl7pPr>
+            <a:lvl8pPr eaLnBrk="1" hangingPunct="1">
+              <a:defRPr>
+                <a:solidFill>
+                  <a:schemeClr val="tx2"/>
+                </a:solidFill>
+              </a:defRPr>
+            </a:lvl8pPr>
+            <a:lvl9pPr eaLnBrk="1" hangingPunct="1">
+              <a:defRPr>
+                <a:solidFill>
+                  <a:schemeClr val="tx2"/>
+                </a:solidFill>
+              </a:defRPr>
+            </a:lvl9pPr>
+          </a:lstStyle>
+          <a:p>
+            <a:r>
+              <a:rPr lang="en-US" sz="3200" dirty="0" err="1">
+                <a:solidFill>
+                  <a:srgbClr val="002060"/>
+                </a:solidFill>
+              </a:rPr>
+              <a:t>ADAptive</a:t>
+            </a:r>
+            <a:r>
+              <a:rPr lang="en-US" sz="3200" dirty="0">
+                <a:solidFill>
+                  <a:srgbClr val="002060"/>
+                </a:solidFill>
+              </a:rPr>
+              <a:t> Boosting</a:t>
+            </a:r>
+          </a:p>
+        </p:txBody>
+      </p:sp>
+    </p:spTree>
+    <p:extLst>
+      <p:ext uri="{BB962C8B-B14F-4D97-AF65-F5344CB8AC3E}">
+        <p14:creationId xmlns:p14="http://schemas.microsoft.com/office/powerpoint/2010/main" val="2636115634"/>
+      </p:ext>
+    </p:extLst>
+  </p:cSld>
+  <p:clrMapOvr>
+    <a:masterClrMapping/>
+  </p:clrMapOvr>
+</p:sld>
+</file>
+
+<file path=ppt/slides/slide11.xml><?xml version="1.0" encoding="utf-8"?>
+<p:sld xmlns:a="http://schemas.openxmlformats.org/drawingml/2006/main" xmlns:r="http://schemas.openxmlformats.org/officeDocument/2006/relationships" xmlns:p="http://schemas.openxmlformats.org/presentationml/2006/main">
+  <p:cSld>
+    <p:spTree>
+      <p:nvGrpSpPr>
+        <p:cNvPr id="1" name=""/>
+        <p:cNvGrpSpPr/>
+        <p:nvPr/>
+      </p:nvGrpSpPr>
+      <p:grpSpPr>
+        <a:xfrm>
+          <a:off x="0" y="0"/>
+          <a:ext cx="0" cy="0"/>
+          <a:chOff x="0" y="0"/>
+          <a:chExt cx="0" cy="0"/>
+        </a:xfrm>
+      </p:grpSpPr>
+      <p:sp>
+        <p:nvSpPr>
+          <p:cNvPr id="2" name="Title 1"/>
+          <p:cNvSpPr>
+            <a:spLocks noGrp="1"/>
+          </p:cNvSpPr>
+          <p:nvPr>
+            <p:ph type="title"/>
+          </p:nvPr>
+        </p:nvSpPr>
+        <p:spPr>
+          <a:xfrm>
+            <a:off x="581191" y="1166696"/>
+            <a:ext cx="11029616" cy="1013800"/>
+          </a:xfrm>
+        </p:spPr>
+        <p:txBody>
+          <a:bodyPr>
+            <a:normAutofit fontScale="90000"/>
+          </a:bodyPr>
+          <a:lstStyle/>
+          <a:p>
+            <a:br>
+              <a:rPr lang="en-US" dirty="0"/>
+            </a:br>
+            <a:br>
+              <a:rPr lang="en-US" dirty="0"/>
+            </a:br>
+            <a:br>
+              <a:rPr lang="en-US" dirty="0"/>
+            </a:br>
+            <a:br>
+              <a:rPr lang="en-US" dirty="0"/>
+            </a:br>
+            <a:br>
+              <a:rPr lang="en-US" dirty="0"/>
+            </a:br>
+            <a:br>
+              <a:rPr lang="en-US" dirty="0"/>
+            </a:br>
+            <a:br>
+              <a:rPr lang="en-US" dirty="0"/>
+            </a:br>
+            <a:br>
+              <a:rPr lang="en-US" dirty="0"/>
+            </a:br>
+            <a:br>
+              <a:rPr lang="en-US" dirty="0"/>
+            </a:br>
+            <a:br>
+              <a:rPr lang="en-US" dirty="0"/>
+            </a:br>
+            <a:br>
+              <a:rPr lang="en-US" dirty="0"/>
+            </a:br>
+            <a:br>
+              <a:rPr lang="en-US" dirty="0"/>
+            </a:br>
+            <a:br>
+              <a:rPr lang="en-US" dirty="0"/>
+            </a:br>
+            <a:r>
+              <a:rPr lang="en-US" sz="3600" dirty="0">
+                <a:solidFill>
+                  <a:srgbClr val="002060"/>
+                </a:solidFill>
+              </a:rPr>
+              <a:t>K-Nearest-Neighbors (</a:t>
+            </a:r>
+            <a:r>
+              <a:rPr lang="en-US" sz="3600" cap="none" dirty="0" err="1">
+                <a:solidFill>
+                  <a:srgbClr val="002060"/>
+                </a:solidFill>
+                <a:latin typeface="+mn-lt"/>
+                <a:cs typeface="Arial" panose="020B0604020202020204" pitchFamily="34" charset="0"/>
+              </a:rPr>
+              <a:t>kNN</a:t>
+            </a:r>
+            <a:r>
+              <a:rPr lang="en-US" sz="3600" dirty="0">
+                <a:solidFill>
+                  <a:srgbClr val="002060"/>
+                </a:solidFill>
+                <a:latin typeface="+mn-lt"/>
+                <a:cs typeface="Arial" panose="020B0604020202020204" pitchFamily="34" charset="0"/>
+              </a:rPr>
+              <a:t>)</a:t>
+            </a:r>
+            <a:br>
+              <a:rPr lang="en-US" dirty="0"/>
+            </a:br>
+            <a:br>
+              <a:rPr lang="en-US" dirty="0"/>
+            </a:br>
+            <a:endParaRPr lang="en-US" dirty="0"/>
+          </a:p>
+        </p:txBody>
+      </p:sp>
+      <p:sp>
+        <p:nvSpPr>
+          <p:cNvPr id="4" name="TextBox 3"/>
+          <p:cNvSpPr txBox="1"/>
+          <p:nvPr/>
+        </p:nvSpPr>
+        <p:spPr>
+          <a:xfrm>
+            <a:off x="465077" y="1507288"/>
+            <a:ext cx="9869094" cy="1938992"/>
+          </a:xfrm>
+          <a:prstGeom prst="rect">
+            <a:avLst/>
+          </a:prstGeom>
+          <a:noFill/>
+        </p:spPr>
+        <p:txBody>
+          <a:bodyPr wrap="square" rtlCol="0">
+            <a:spAutoFit/>
+          </a:bodyPr>
+          <a:lstStyle/>
+          <a:p>
+            <a:r>
+              <a:rPr lang="en-US" sz="2400" dirty="0"/>
+              <a:t>  -   Instance-based or ‘lazy’ learning; non-parametric technique</a:t>
+            </a:r>
+          </a:p>
+          <a:p>
+            <a:pPr marL="508000" indent="-508000"/>
+            <a:r>
+              <a:rPr lang="en-US" sz="2400" dirty="0"/>
+              <a:t>  -   Given an input of </a:t>
+            </a:r>
+            <a:r>
+              <a:rPr lang="en-US" sz="2400" i="1" dirty="0"/>
+              <a:t>k </a:t>
+            </a:r>
+            <a:r>
+              <a:rPr lang="en-US" sz="2400" dirty="0"/>
+              <a:t>closest training examples in the features, returns class membership </a:t>
+            </a:r>
+          </a:p>
+          <a:p>
+            <a:pPr marL="508000" indent="-508000"/>
+            <a:r>
+              <a:rPr lang="en-US" sz="2400" dirty="0"/>
+              <a:t>  -   Classification by majority voting of neighbors, most common class is assigned</a:t>
+            </a:r>
+          </a:p>
+        </p:txBody>
+      </p:sp>
+      <p:sp>
+        <p:nvSpPr>
+          <p:cNvPr id="5" name="Title 1"/>
+          <p:cNvSpPr txBox="1">
+            <a:spLocks/>
+          </p:cNvSpPr>
+          <p:nvPr/>
+        </p:nvSpPr>
+        <p:spPr>
+          <a:xfrm>
+            <a:off x="617477" y="3127824"/>
+            <a:ext cx="11029616" cy="1013800"/>
+          </a:xfrm>
+          <a:prstGeom prst="rect">
+            <a:avLst/>
+          </a:prstGeom>
+        </p:spPr>
+        <p:txBody>
+          <a:bodyPr vert="horz" lIns="91440" tIns="45720" rIns="91440" bIns="45720" rtlCol="0" anchor="b">
+            <a:normAutofit/>
+          </a:bodyPr>
+          <a:lstStyle>
+            <a:lvl1pPr algn="l" defTabSz="457200" rtl="0" eaLnBrk="1" latinLnBrk="0" hangingPunct="1">
+              <a:spcBef>
+                <a:spcPct val="0"/>
+              </a:spcBef>
+              <a:buNone/>
+              <a:defRPr sz="2800" b="0" kern="1200" cap="all">
+                <a:solidFill>
+                  <a:schemeClr val="bg1"/>
+                </a:solidFill>
+                <a:latin typeface="+mj-lt"/>
+                <a:ea typeface="+mj-ea"/>
+                <a:cs typeface="+mj-cs"/>
+              </a:defRPr>
+            </a:lvl1pPr>
+            <a:lvl2pPr eaLnBrk="1" hangingPunct="1">
+              <a:defRPr>
+                <a:solidFill>
+                  <a:schemeClr val="tx2"/>
+                </a:solidFill>
+              </a:defRPr>
+            </a:lvl2pPr>
+            <a:lvl3pPr eaLnBrk="1" hangingPunct="1">
+              <a:defRPr>
+                <a:solidFill>
+                  <a:schemeClr val="tx2"/>
+                </a:solidFill>
+              </a:defRPr>
+            </a:lvl3pPr>
+            <a:lvl4pPr eaLnBrk="1" hangingPunct="1">
+              <a:defRPr>
+                <a:solidFill>
+                  <a:schemeClr val="tx2"/>
+                </a:solidFill>
+              </a:defRPr>
+            </a:lvl4pPr>
+            <a:lvl5pPr eaLnBrk="1" hangingPunct="1">
+              <a:defRPr>
+                <a:solidFill>
+                  <a:schemeClr val="tx2"/>
+                </a:solidFill>
+              </a:defRPr>
+            </a:lvl5pPr>
+            <a:lvl6pPr eaLnBrk="1" hangingPunct="1">
+              <a:defRPr>
+                <a:solidFill>
+                  <a:schemeClr val="tx2"/>
+                </a:solidFill>
+              </a:defRPr>
+            </a:lvl6pPr>
+            <a:lvl7pPr eaLnBrk="1" hangingPunct="1">
+              <a:defRPr>
+                <a:solidFill>
+                  <a:schemeClr val="tx2"/>
+                </a:solidFill>
+              </a:defRPr>
+            </a:lvl7pPr>
+            <a:lvl8pPr eaLnBrk="1" hangingPunct="1">
+              <a:defRPr>
+                <a:solidFill>
+                  <a:schemeClr val="tx2"/>
+                </a:solidFill>
+              </a:defRPr>
+            </a:lvl8pPr>
+            <a:lvl9pPr eaLnBrk="1" hangingPunct="1">
+              <a:defRPr>
+                <a:solidFill>
+                  <a:schemeClr val="tx2"/>
+                </a:solidFill>
+              </a:defRPr>
+            </a:lvl9pPr>
+          </a:lstStyle>
+          <a:p>
+            <a:r>
+              <a:rPr lang="en-US" sz="3200" dirty="0">
+                <a:solidFill>
+                  <a:srgbClr val="002060"/>
+                </a:solidFill>
+              </a:rPr>
+              <a:t>SUPPORT VECTOR MACHINE (SVM)</a:t>
+            </a:r>
+          </a:p>
+        </p:txBody>
+      </p:sp>
+      <p:sp>
+        <p:nvSpPr>
+          <p:cNvPr id="6" name="TextBox 5"/>
+          <p:cNvSpPr txBox="1"/>
+          <p:nvPr/>
+        </p:nvSpPr>
+        <p:spPr>
+          <a:xfrm>
+            <a:off x="465077" y="4141624"/>
+            <a:ext cx="9869094" cy="1569660"/>
+          </a:xfrm>
+          <a:prstGeom prst="rect">
+            <a:avLst/>
+          </a:prstGeom>
+          <a:noFill/>
+        </p:spPr>
+        <p:txBody>
+          <a:bodyPr wrap="square" rtlCol="0">
+            <a:spAutoFit/>
+          </a:bodyPr>
+          <a:lstStyle/>
+          <a:p>
+            <a:r>
+              <a:rPr lang="en-US" sz="2400" dirty="0"/>
+              <a:t>  -   Discriminative classifier formally defined by a separating hyperplane</a:t>
+            </a:r>
+          </a:p>
+          <a:p>
+            <a:r>
+              <a:rPr lang="en-US" sz="2400" dirty="0"/>
+              <a:t>  -   Supervised learning technique; </a:t>
+            </a:r>
+          </a:p>
+          <a:p>
+            <a:pPr marL="508000" indent="-508000"/>
+            <a:r>
+              <a:rPr lang="en-US" sz="2400" dirty="0"/>
+              <a:t>  -   Non-probabilistic linear classifier - assigns new examples to one class or another </a:t>
+            </a:r>
+          </a:p>
+        </p:txBody>
+      </p:sp>
+    </p:spTree>
+    <p:extLst>
+      <p:ext uri="{BB962C8B-B14F-4D97-AF65-F5344CB8AC3E}">
+        <p14:creationId xmlns:p14="http://schemas.microsoft.com/office/powerpoint/2010/main" val="571434746"/>
+      </p:ext>
+    </p:extLst>
+  </p:cSld>
+  <p:clrMapOvr>
+    <a:masterClrMapping/>
+  </p:clrMapOvr>
+</p:sld>
+</file>
+
+<file path=ppt/slides/slide12.xml><?xml version="1.0" encoding="utf-8"?>
 <p:sld xmlns:a="http://schemas.openxmlformats.org/drawingml/2006/main" xmlns:r="http://schemas.openxmlformats.org/officeDocument/2006/relationships" xmlns:p="http://schemas.openxmlformats.org/presentationml/2006/main">
   <p:cSld>
     <p:spTree>
@@ -13064,22 +13952,33 @@
           <a:lstStyle/>
           <a:p>
             <a:r>
-              <a:rPr lang="en-US" dirty="0" smtClean="0"/>
+              <a:rPr lang="en-US" dirty="0"/>
               <a:t> </a:t>
             </a:r>
             <a:r>
-              <a:rPr lang="en-US" sz="3200" dirty="0" smtClean="0">
+              <a:rPr lang="en-US" sz="3200" dirty="0">
                 <a:solidFill>
                   <a:srgbClr val="002060"/>
                 </a:solidFill>
               </a:rPr>
-              <a:t>Multi Perceptron</a:t>
+              <a:t>Multi-</a:t>
             </a:r>
-            <a:endParaRPr lang="en-US" sz="3200" dirty="0">
-              <a:solidFill>
-                <a:srgbClr val="002060"/>
-              </a:solidFill>
-            </a:endParaRPr>
+            <a:r>
+              <a:rPr lang="en-US" sz="3200" dirty="0" err="1">
+                <a:solidFill>
+                  <a:srgbClr val="002060"/>
+                </a:solidFill>
+              </a:rPr>
+              <a:t>LaYER</a:t>
+            </a:r>
+            <a:r>
+              <a:rPr lang="en-US" sz="3200" dirty="0">
+                <a:solidFill>
+                  <a:srgbClr val="002060"/>
+                </a:solidFill>
+              </a:rPr>
+              <a:t> Perceptron</a:t>
+            </a:r>
           </a:p>
         </p:txBody>
       </p:sp>
@@ -13110,24 +14009,8 @@
               <a:buChar char="-"/>
             </a:pPr>
             <a:r>
-              <a:rPr lang="en-US" sz="2400" dirty="0" smtClean="0"/>
-              <a:t>Consists of </a:t>
-            </a:r>
-            <a:r>
               <a:rPr lang="en-US" sz="2400" dirty="0"/>
-              <a:t>multiple layers of computational units, </a:t>
-            </a:r>
-            <a:r>
-              <a:rPr lang="en-US" sz="2400" dirty="0" smtClean="0"/>
-              <a:t>interconnected </a:t>
-            </a:r>
-            <a:r>
-              <a:rPr lang="en-US" sz="2400" dirty="0"/>
-              <a:t>in a feed-forward way</a:t>
-            </a:r>
-            <a:r>
-              <a:rPr lang="en-US" sz="2400" dirty="0" smtClean="0"/>
-              <a:t>.</a:t>
+              <a:t>Consists of multiple layers of computational units, interconnected in a feed-forward way.</a:t>
             </a:r>
           </a:p>
           <a:p>
@@ -13136,7 +14019,7 @@
               <a:buChar char="-"/>
             </a:pPr>
             <a:r>
-              <a:rPr lang="en-US" sz="2400" dirty="0" smtClean="0"/>
+              <a:rPr lang="en-US" sz="2400" dirty="0"/>
               <a:t>Each layer connected to the next one</a:t>
             </a:r>
           </a:p>
@@ -13146,16 +14029,8 @@
               <a:buChar char="-"/>
             </a:pPr>
             <a:r>
-              <a:rPr lang="en-US" sz="2400" dirty="0" smtClean="0"/>
-              <a:t>Can </a:t>
-            </a:r>
-            <a:r>
               <a:rPr lang="en-US" sz="2400" dirty="0"/>
-              <a:t>distinguish data that are not linearly </a:t>
-            </a:r>
-            <a:r>
-              <a:rPr lang="en-US" sz="2400" dirty="0" smtClean="0"/>
-              <a:t>separable</a:t>
+              <a:t>Can distinguish data that are not linearly separable</a:t>
             </a:r>
           </a:p>
           <a:p>
@@ -13163,7 +14038,7 @@
               <a:buFontTx/>
               <a:buChar char="-"/>
             </a:pPr>
-            <a:endParaRPr lang="en-US" sz="2400" dirty="0" smtClean="0"/>
+            <a:endParaRPr lang="en-US" sz="2400" dirty="0"/>
           </a:p>
           <a:p>
             <a:pPr marL="342900" indent="-342900">
@@ -13184,17 +14059,10 @@
   <p:clrMapOvr>
     <a:masterClrMapping/>
   </p:clrMapOvr>
-  <p:timing>
-    <p:tnLst>
-      <p:par>
-        <p:cTn id="1" dur="indefinite" restart="never" nodeType="tmRoot"/>
-      </p:par>
-    </p:tnLst>
-  </p:timing>
 </p:sld>
 </file>
 
-<file path=ppt/slides/slide11.xml><?xml version="1.0" encoding="utf-8"?>
+<file path=ppt/slides/slide13.xml><?xml version="1.0" encoding="utf-8"?>
 <p:sld xmlns:a="http://schemas.openxmlformats.org/drawingml/2006/main" xmlns:r="http://schemas.openxmlformats.org/officeDocument/2006/relationships" xmlns:p="http://schemas.openxmlformats.org/presentationml/2006/main">
   <p:cSld>
     <p:spTree>
@@ -13229,18 +14097,13 @@
           <a:lstStyle/>
           <a:p>
             <a:r>
-              <a:rPr lang="en-US" sz="3200" dirty="0" smtClean="0">
+              <a:rPr lang="en-US" sz="3200" dirty="0">
                 <a:solidFill>
                   <a:srgbClr val="002060"/>
                 </a:solidFill>
               </a:rPr>
               <a:t>RESULTS</a:t>
             </a:r>
-            <a:endParaRPr lang="en-US" sz="3200" dirty="0">
-              <a:solidFill>
-                <a:srgbClr val="002060"/>
-              </a:solidFill>
-            </a:endParaRPr>
           </a:p>
         </p:txBody>
       </p:sp>
@@ -13267,16 +14130,15 @@
           <a:lstStyle/>
           <a:p>
             <a:r>
-              <a:rPr lang="en-US" sz="2400" dirty="0" smtClean="0"/>
+              <a:rPr lang="en-US" sz="2400" dirty="0"/>
               <a:t>Results are an average of different features used one at a time, two at a time and all together. </a:t>
             </a:r>
           </a:p>
           <a:p>
             <a:r>
-              <a:rPr lang="en-US" sz="2400" dirty="0" smtClean="0"/>
+              <a:rPr lang="en-US" sz="2400" dirty="0"/>
               <a:t> </a:t>
             </a:r>
-            <a:endParaRPr lang="en-US" sz="2400" dirty="0"/>
           </a:p>
         </p:txBody>
       </p:sp>
@@ -13305,10 +14167,34 @@
                 <a:tableStyleId>{5C22544A-7EE6-4342-B048-85BDC9FD1C3A}</a:tableStyleId>
               </a:tblPr>
               <a:tblGrid>
-                <a:gridCol w="2032000"/>
-                <a:gridCol w="2032000"/>
-                <a:gridCol w="2032000"/>
-                <a:gridCol w="2032000"/>
+                <a:gridCol w="2032000">
+                  <a:extLst>
+                    <a:ext uri="{9D8B030D-6E8A-4147-A177-3AD203B41FA5}">
+                      <a16:colId xmlns:a16="http://schemas.microsoft.com/office/drawing/2014/main" val="20000"/>
+                    </a:ext>
+                  </a:extLst>
+                </a:gridCol>
+                <a:gridCol w="2032000">
+                  <a:extLst>
+                    <a:ext uri="{9D8B030D-6E8A-4147-A177-3AD203B41FA5}">
+                      <a16:colId xmlns:a16="http://schemas.microsoft.com/office/drawing/2014/main" val="20001"/>
+                    </a:ext>
+                  </a:extLst>
+                </a:gridCol>
+                <a:gridCol w="2032000">
+                  <a:extLst>
+                    <a:ext uri="{9D8B030D-6E8A-4147-A177-3AD203B41FA5}">
+                      <a16:colId xmlns:a16="http://schemas.microsoft.com/office/drawing/2014/main" val="20002"/>
+                    </a:ext>
+                  </a:extLst>
+                </a:gridCol>
+                <a:gridCol w="2032000">
+                  <a:extLst>
+                    <a:ext uri="{9D8B030D-6E8A-4147-A177-3AD203B41FA5}">
+                      <a16:colId xmlns:a16="http://schemas.microsoft.com/office/drawing/2014/main" val="20003"/>
+                    </a:ext>
+                  </a:extLst>
+                </a:gridCol>
               </a:tblGrid>
               <a:tr h="370840">
                 <a:tc>
@@ -13329,18 +14215,13 @@
                     <a:p>
                       <a:pPr algn="l"/>
                       <a:r>
-                        <a:rPr lang="en-US" dirty="0" smtClean="0">
+                        <a:rPr lang="en-US" dirty="0">
                           <a:solidFill>
                             <a:srgbClr val="002060"/>
                           </a:solidFill>
                         </a:rPr>
                         <a:t>PRECISION</a:t>
                       </a:r>
-                      <a:endParaRPr lang="en-US" dirty="0">
-                        <a:solidFill>
-                          <a:srgbClr val="002060"/>
-                        </a:solidFill>
-                      </a:endParaRPr>
                     </a:p>
                   </a:txBody>
                   <a:tcPr/>
@@ -13352,18 +14233,13 @@
                     <a:p>
                       <a:pPr algn="l"/>
                       <a:r>
-                        <a:rPr lang="en-US" dirty="0" smtClean="0">
+                        <a:rPr lang="en-US" dirty="0">
                           <a:solidFill>
                             <a:srgbClr val="002060"/>
                           </a:solidFill>
                         </a:rPr>
                         <a:t>RECALL </a:t>
                       </a:r>
-                      <a:endParaRPr lang="en-US" dirty="0">
-                        <a:solidFill>
-                          <a:srgbClr val="002060"/>
-                        </a:solidFill>
-                      </a:endParaRPr>
                     </a:p>
                   </a:txBody>
                   <a:tcPr/>
@@ -13375,22 +14251,22 @@
                     <a:p>
                       <a:pPr algn="l"/>
                       <a:r>
-                        <a:rPr lang="en-US" dirty="0" smtClean="0">
+                        <a:rPr lang="en-US" dirty="0">
                           <a:solidFill>
                             <a:srgbClr val="002060"/>
                           </a:solidFill>
                         </a:rPr>
                         <a:t>F-SCORE</a:t>
                       </a:r>
-                      <a:endParaRPr lang="en-US" dirty="0">
-                        <a:solidFill>
-                          <a:srgbClr val="002060"/>
-                        </a:solidFill>
-                      </a:endParaRPr>
                     </a:p>
                   </a:txBody>
                   <a:tcPr/>
                 </a:tc>
+                <a:extLst>
+                  <a:ext uri="{0D108BD9-81ED-4DB2-BD59-A6C34878D82A}">
+                    <a16:rowId xmlns:a16="http://schemas.microsoft.com/office/drawing/2014/main" val="10000"/>
+                  </a:ext>
+                </a:extLst>
               </a:tr>
               <a:tr h="370840">
                 <a:tc>
@@ -13400,7 +14276,7 @@
                     <a:p>
                       <a:pPr algn="l"/>
                       <a:r>
-                        <a:rPr lang="en-US" dirty="0" smtClean="0"/>
+                        <a:rPr lang="en-US" dirty="0"/>
                         <a:t>HAPPY</a:t>
                       </a:r>
                     </a:p>
@@ -13467,6 +14343,11 @@
                   </a:txBody>
                   <a:tcPr marL="9525" marR="9525" marT="9525" marB="0" anchor="b"/>
                 </a:tc>
+                <a:extLst>
+                  <a:ext uri="{0D108BD9-81ED-4DB2-BD59-A6C34878D82A}">
+                    <a16:rowId xmlns:a16="http://schemas.microsoft.com/office/drawing/2014/main" val="10001"/>
+                  </a:ext>
+                </a:extLst>
               </a:tr>
               <a:tr h="370840">
                 <a:tc>
@@ -13476,10 +14357,9 @@
                     <a:p>
                       <a:pPr algn="l"/>
                       <a:r>
-                        <a:rPr lang="en-US" dirty="0" smtClean="0"/>
+                        <a:rPr lang="en-US" dirty="0"/>
                         <a:t>HEARTBREAK</a:t>
                       </a:r>
-                      <a:endParaRPr lang="en-US" dirty="0"/>
                     </a:p>
                   </a:txBody>
                   <a:tcPr/>
@@ -13544,6 +14424,11 @@
                   </a:txBody>
                   <a:tcPr marL="9525" marR="9525" marT="9525" marB="0" anchor="b"/>
                 </a:tc>
+                <a:extLst>
+                  <a:ext uri="{0D108BD9-81ED-4DB2-BD59-A6C34878D82A}">
+                    <a16:rowId xmlns:a16="http://schemas.microsoft.com/office/drawing/2014/main" val="10002"/>
+                  </a:ext>
+                </a:extLst>
               </a:tr>
               <a:tr h="370840">
                 <a:tc>
@@ -13553,7 +14438,7 @@
                     <a:p>
                       <a:pPr algn="l"/>
                       <a:r>
-                        <a:rPr lang="en-US" dirty="0" smtClean="0"/>
+                        <a:rPr lang="en-US" dirty="0"/>
                         <a:t>PARTY</a:t>
                       </a:r>
                     </a:p>
@@ -13567,7 +14452,7 @@
                     <a:p>
                       <a:pPr algn="r" fontAlgn="b"/>
                       <a:r>
-                        <a:rPr lang="en-US" sz="1800" b="0" i="0" u="none" strike="noStrike" dirty="0" smtClean="0">
+                        <a:rPr lang="en-US" sz="1800" b="0" i="0" u="none" strike="noStrike" dirty="0">
                           <a:solidFill>
                             <a:srgbClr val="000000"/>
                           </a:solidFill>
@@ -13576,13 +14461,6 @@
                         </a:rPr>
                         <a:t>1</a:t>
                       </a:r>
-                      <a:endParaRPr lang="en-US" sz="1800" b="0" i="0" u="none" strike="noStrike" dirty="0">
-                        <a:solidFill>
-                          <a:srgbClr val="000000"/>
-                        </a:solidFill>
-                        <a:effectLst/>
-                        <a:latin typeface="Calibri" panose="020F0502020204030204" pitchFamily="34" charset="0"/>
-                      </a:endParaRPr>
                     </a:p>
                   </a:txBody>
                   <a:tcPr marL="9525" marR="9525" marT="9525" marB="0" anchor="b"/>
@@ -13627,6 +14505,11 @@
                   </a:txBody>
                   <a:tcPr marL="9525" marR="9525" marT="9525" marB="0" anchor="b"/>
                 </a:tc>
+                <a:extLst>
+                  <a:ext uri="{0D108BD9-81ED-4DB2-BD59-A6C34878D82A}">
+                    <a16:rowId xmlns:a16="http://schemas.microsoft.com/office/drawing/2014/main" val="10003"/>
+                  </a:ext>
+                </a:extLst>
               </a:tr>
               <a:tr h="370840">
                 <a:tc>
@@ -13636,10 +14519,9 @@
                     <a:p>
                       <a:pPr algn="l"/>
                       <a:r>
-                        <a:rPr lang="en-US" dirty="0" smtClean="0"/>
+                        <a:rPr lang="en-US" dirty="0"/>
                         <a:t>ROMANTIC</a:t>
                       </a:r>
-                      <a:endParaRPr lang="en-US" dirty="0"/>
                     </a:p>
                   </a:txBody>
                   <a:tcPr/>
@@ -13704,6 +14586,11 @@
                   </a:txBody>
                   <a:tcPr marL="9525" marR="9525" marT="9525" marB="0" anchor="b"/>
                 </a:tc>
+                <a:extLst>
+                  <a:ext uri="{0D108BD9-81ED-4DB2-BD59-A6C34878D82A}">
+                    <a16:rowId xmlns:a16="http://schemas.microsoft.com/office/drawing/2014/main" val="10004"/>
+                  </a:ext>
+                </a:extLst>
               </a:tr>
               <a:tr h="370840">
                 <a:tc>
@@ -13713,10 +14600,9 @@
                     <a:p>
                       <a:pPr algn="l"/>
                       <a:r>
-                        <a:rPr lang="en-US" dirty="0" smtClean="0"/>
+                        <a:rPr lang="en-US" dirty="0"/>
                         <a:t>SAD</a:t>
                       </a:r>
-                      <a:endParaRPr lang="en-US" dirty="0"/>
                     </a:p>
                   </a:txBody>
                   <a:tcPr/>
@@ -13781,6 +14667,11 @@
                   </a:txBody>
                   <a:tcPr marL="9525" marR="9525" marT="9525" marB="0" anchor="b"/>
                 </a:tc>
+                <a:extLst>
+                  <a:ext uri="{0D108BD9-81ED-4DB2-BD59-A6C34878D82A}">
+                    <a16:rowId xmlns:a16="http://schemas.microsoft.com/office/drawing/2014/main" val="10005"/>
+                  </a:ext>
+                </a:extLst>
               </a:tr>
               <a:tr h="370840">
                 <a:tc>
@@ -13790,10 +14681,9 @@
                     <a:p>
                       <a:pPr algn="l"/>
                       <a:r>
-                        <a:rPr lang="en-US" dirty="0" smtClean="0"/>
+                        <a:rPr lang="en-US" dirty="0"/>
                         <a:t>AVERAGE</a:t>
                       </a:r>
-                      <a:endParaRPr lang="en-US" dirty="0"/>
                     </a:p>
                   </a:txBody>
                   <a:tcPr/>
@@ -13858,6 +14748,11 @@
                   </a:txBody>
                   <a:tcPr marL="9525" marR="9525" marT="9525" marB="0" anchor="b"/>
                 </a:tc>
+                <a:extLst>
+                  <a:ext uri="{0D108BD9-81ED-4DB2-BD59-A6C34878D82A}">
+                    <a16:rowId xmlns:a16="http://schemas.microsoft.com/office/drawing/2014/main" val="10006"/>
+                  </a:ext>
+                </a:extLst>
               </a:tr>
             </a:tbl>
           </a:graphicData>
@@ -13887,10 +14782,9 @@
           <a:p>
             <a:pPr algn="ctr"/>
             <a:r>
-              <a:rPr lang="en-US" sz="2400" dirty="0" smtClean="0"/>
+              <a:rPr lang="en-US" sz="2400" dirty="0"/>
               <a:t>MULTINOMIAL NAÏVE BAYES</a:t>
             </a:r>
-            <a:endParaRPr lang="en-US" sz="2400" dirty="0"/>
           </a:p>
         </p:txBody>
       </p:sp>
@@ -13904,17 +14798,10 @@
   <p:clrMapOvr>
     <a:masterClrMapping/>
   </p:clrMapOvr>
-  <p:timing>
-    <p:tnLst>
-      <p:par>
-        <p:cTn id="1" dur="indefinite" restart="never" nodeType="tmRoot"/>
-      </p:par>
-    </p:tnLst>
-  </p:timing>
 </p:sld>
 </file>
 
-<file path=ppt/slides/slide12.xml><?xml version="1.0" encoding="utf-8"?>
+<file path=ppt/slides/slide14.xml><?xml version="1.0" encoding="utf-8"?>
 <p:sld xmlns:a="http://schemas.openxmlformats.org/drawingml/2006/main" xmlns:r="http://schemas.openxmlformats.org/officeDocument/2006/relationships" xmlns:p="http://schemas.openxmlformats.org/presentationml/2006/main">
   <p:cSld>
     <p:spTree>
@@ -13955,10 +14842,9 @@
           <a:p>
             <a:pPr algn="ctr"/>
             <a:r>
-              <a:rPr lang="en-US" sz="2400" dirty="0" smtClean="0"/>
+              <a:rPr lang="en-US" sz="2400" dirty="0"/>
               <a:t>STOCHASTIC GRADIENT DESCENT </a:t>
             </a:r>
-            <a:endParaRPr lang="en-US" sz="2400" dirty="0"/>
           </a:p>
         </p:txBody>
       </p:sp>
@@ -13987,10 +14873,34 @@
                 <a:tableStyleId>{5C22544A-7EE6-4342-B048-85BDC9FD1C3A}</a:tableStyleId>
               </a:tblPr>
               <a:tblGrid>
-                <a:gridCol w="2032000"/>
-                <a:gridCol w="2032000"/>
-                <a:gridCol w="2032000"/>
-                <a:gridCol w="2032000"/>
+                <a:gridCol w="2032000">
+                  <a:extLst>
+                    <a:ext uri="{9D8B030D-6E8A-4147-A177-3AD203B41FA5}">
+                      <a16:colId xmlns:a16="http://schemas.microsoft.com/office/drawing/2014/main" val="20000"/>
+                    </a:ext>
+                  </a:extLst>
+                </a:gridCol>
+                <a:gridCol w="2032000">
+                  <a:extLst>
+                    <a:ext uri="{9D8B030D-6E8A-4147-A177-3AD203B41FA5}">
+                      <a16:colId xmlns:a16="http://schemas.microsoft.com/office/drawing/2014/main" val="20001"/>
+                    </a:ext>
+                  </a:extLst>
+                </a:gridCol>
+                <a:gridCol w="2032000">
+                  <a:extLst>
+                    <a:ext uri="{9D8B030D-6E8A-4147-A177-3AD203B41FA5}">
+                      <a16:colId xmlns:a16="http://schemas.microsoft.com/office/drawing/2014/main" val="20002"/>
+                    </a:ext>
+                  </a:extLst>
+                </a:gridCol>
+                <a:gridCol w="2032000">
+                  <a:extLst>
+                    <a:ext uri="{9D8B030D-6E8A-4147-A177-3AD203B41FA5}">
+                      <a16:colId xmlns:a16="http://schemas.microsoft.com/office/drawing/2014/main" val="20003"/>
+                    </a:ext>
+                  </a:extLst>
+                </a:gridCol>
               </a:tblGrid>
               <a:tr h="370840">
                 <a:tc>
@@ -14011,18 +14921,13 @@
                     <a:p>
                       <a:pPr algn="l"/>
                       <a:r>
-                        <a:rPr lang="en-US" dirty="0" smtClean="0">
+                        <a:rPr lang="en-US" dirty="0">
                           <a:solidFill>
                             <a:srgbClr val="002060"/>
                           </a:solidFill>
                         </a:rPr>
                         <a:t>PRECISION</a:t>
                       </a:r>
-                      <a:endParaRPr lang="en-US" dirty="0">
-                        <a:solidFill>
-                          <a:srgbClr val="002060"/>
-                        </a:solidFill>
-                      </a:endParaRPr>
                     </a:p>
                   </a:txBody>
                   <a:tcPr/>
@@ -14034,18 +14939,13 @@
                     <a:p>
                       <a:pPr algn="l"/>
                       <a:r>
-                        <a:rPr lang="en-US" dirty="0" smtClean="0">
+                        <a:rPr lang="en-US" dirty="0">
                           <a:solidFill>
                             <a:srgbClr val="002060"/>
                           </a:solidFill>
                         </a:rPr>
                         <a:t>RECALL </a:t>
                       </a:r>
-                      <a:endParaRPr lang="en-US" dirty="0">
-                        <a:solidFill>
-                          <a:srgbClr val="002060"/>
-                        </a:solidFill>
-                      </a:endParaRPr>
                     </a:p>
                   </a:txBody>
                   <a:tcPr/>
@@ -14057,22 +14957,22 @@
                     <a:p>
                       <a:pPr algn="l"/>
                       <a:r>
-                        <a:rPr lang="en-US" dirty="0" smtClean="0">
+                        <a:rPr lang="en-US" dirty="0">
                           <a:solidFill>
                             <a:srgbClr val="002060"/>
                           </a:solidFill>
                         </a:rPr>
                         <a:t>F-SCORE</a:t>
                       </a:r>
-                      <a:endParaRPr lang="en-US" dirty="0">
-                        <a:solidFill>
-                          <a:srgbClr val="002060"/>
-                        </a:solidFill>
-                      </a:endParaRPr>
                     </a:p>
                   </a:txBody>
                   <a:tcPr/>
                 </a:tc>
+                <a:extLst>
+                  <a:ext uri="{0D108BD9-81ED-4DB2-BD59-A6C34878D82A}">
+                    <a16:rowId xmlns:a16="http://schemas.microsoft.com/office/drawing/2014/main" val="10000"/>
+                  </a:ext>
+                </a:extLst>
               </a:tr>
               <a:tr h="370840">
                 <a:tc>
@@ -14082,7 +14982,7 @@
                     <a:p>
                       <a:pPr algn="l"/>
                       <a:r>
-                        <a:rPr lang="en-US" dirty="0" smtClean="0"/>
+                        <a:rPr lang="en-US" dirty="0"/>
                         <a:t>HAPPY</a:t>
                       </a:r>
                     </a:p>
@@ -14149,6 +15049,11 @@
                   </a:txBody>
                   <a:tcPr marL="9525" marR="9525" marT="9525" marB="0" anchor="b"/>
                 </a:tc>
+                <a:extLst>
+                  <a:ext uri="{0D108BD9-81ED-4DB2-BD59-A6C34878D82A}">
+                    <a16:rowId xmlns:a16="http://schemas.microsoft.com/office/drawing/2014/main" val="10001"/>
+                  </a:ext>
+                </a:extLst>
               </a:tr>
               <a:tr h="370840">
                 <a:tc>
@@ -14158,10 +15063,9 @@
                     <a:p>
                       <a:pPr algn="l"/>
                       <a:r>
-                        <a:rPr lang="en-US" dirty="0" smtClean="0"/>
+                        <a:rPr lang="en-US" dirty="0"/>
                         <a:t>HEARTBREAK</a:t>
                       </a:r>
-                      <a:endParaRPr lang="en-US" dirty="0"/>
                     </a:p>
                   </a:txBody>
                   <a:tcPr/>
@@ -14226,6 +15130,11 @@
                   </a:txBody>
                   <a:tcPr marL="9525" marR="9525" marT="9525" marB="0" anchor="b"/>
                 </a:tc>
+                <a:extLst>
+                  <a:ext uri="{0D108BD9-81ED-4DB2-BD59-A6C34878D82A}">
+                    <a16:rowId xmlns:a16="http://schemas.microsoft.com/office/drawing/2014/main" val="10002"/>
+                  </a:ext>
+                </a:extLst>
               </a:tr>
               <a:tr h="370840">
                 <a:tc>
@@ -14235,7 +15144,7 @@
                     <a:p>
                       <a:pPr algn="l"/>
                       <a:r>
-                        <a:rPr lang="en-US" dirty="0" smtClean="0"/>
+                        <a:rPr lang="en-US" dirty="0"/>
                         <a:t>PARTY</a:t>
                       </a:r>
                     </a:p>
@@ -14302,6 +15211,11 @@
                   </a:txBody>
                   <a:tcPr marL="9525" marR="9525" marT="9525" marB="0" anchor="b"/>
                 </a:tc>
+                <a:extLst>
+                  <a:ext uri="{0D108BD9-81ED-4DB2-BD59-A6C34878D82A}">
+                    <a16:rowId xmlns:a16="http://schemas.microsoft.com/office/drawing/2014/main" val="10003"/>
+                  </a:ext>
+                </a:extLst>
               </a:tr>
               <a:tr h="370840">
                 <a:tc>
@@ -14311,10 +15225,9 @@
                     <a:p>
                       <a:pPr algn="l"/>
                       <a:r>
-                        <a:rPr lang="en-US" dirty="0" smtClean="0"/>
+                        <a:rPr lang="en-US" dirty="0"/>
                         <a:t>ROMANTIC</a:t>
                       </a:r>
-                      <a:endParaRPr lang="en-US" dirty="0"/>
                     </a:p>
                   </a:txBody>
                   <a:tcPr/>
@@ -14379,6 +15292,11 @@
                   </a:txBody>
                   <a:tcPr marL="9525" marR="9525" marT="9525" marB="0" anchor="b"/>
                 </a:tc>
+                <a:extLst>
+                  <a:ext uri="{0D108BD9-81ED-4DB2-BD59-A6C34878D82A}">
+                    <a16:rowId xmlns:a16="http://schemas.microsoft.com/office/drawing/2014/main" val="10004"/>
+                  </a:ext>
+                </a:extLst>
               </a:tr>
               <a:tr h="370840">
                 <a:tc>
@@ -14388,10 +15306,9 @@
                     <a:p>
                       <a:pPr algn="l"/>
                       <a:r>
-                        <a:rPr lang="en-US" dirty="0" smtClean="0"/>
+                        <a:rPr lang="en-US" dirty="0"/>
                         <a:t>SAD</a:t>
                       </a:r>
-                      <a:endParaRPr lang="en-US" dirty="0"/>
                     </a:p>
                   </a:txBody>
                   <a:tcPr/>
@@ -14456,6 +15373,11 @@
                   </a:txBody>
                   <a:tcPr marL="9525" marR="9525" marT="9525" marB="0" anchor="b"/>
                 </a:tc>
+                <a:extLst>
+                  <a:ext uri="{0D108BD9-81ED-4DB2-BD59-A6C34878D82A}">
+                    <a16:rowId xmlns:a16="http://schemas.microsoft.com/office/drawing/2014/main" val="10005"/>
+                  </a:ext>
+                </a:extLst>
               </a:tr>
               <a:tr h="370840">
                 <a:tc>
@@ -14465,10 +15387,9 @@
                     <a:p>
                       <a:pPr algn="l"/>
                       <a:r>
-                        <a:rPr lang="en-US" dirty="0" smtClean="0"/>
+                        <a:rPr lang="en-US" dirty="0"/>
                         <a:t>AVERAGE</a:t>
                       </a:r>
-                      <a:endParaRPr lang="en-US" dirty="0"/>
                     </a:p>
                   </a:txBody>
                   <a:tcPr/>
@@ -14539,6 +15460,11 @@
                   </a:txBody>
                   <a:tcPr marL="9525" marR="9525" marT="9525" marB="0" anchor="b"/>
                 </a:tc>
+                <a:extLst>
+                  <a:ext uri="{0D108BD9-81ED-4DB2-BD59-A6C34878D82A}">
+                    <a16:rowId xmlns:a16="http://schemas.microsoft.com/office/drawing/2014/main" val="10006"/>
+                  </a:ext>
+                </a:extLst>
               </a:tr>
             </a:tbl>
           </a:graphicData>
@@ -14569,10 +15495,34 @@
                 <a:tableStyleId>{5C22544A-7EE6-4342-B048-85BDC9FD1C3A}</a:tableStyleId>
               </a:tblPr>
               <a:tblGrid>
-                <a:gridCol w="2032000"/>
-                <a:gridCol w="2032000"/>
-                <a:gridCol w="2032000"/>
-                <a:gridCol w="2032000"/>
+                <a:gridCol w="2032000">
+                  <a:extLst>
+                    <a:ext uri="{9D8B030D-6E8A-4147-A177-3AD203B41FA5}">
+                      <a16:colId xmlns:a16="http://schemas.microsoft.com/office/drawing/2014/main" val="20000"/>
+                    </a:ext>
+                  </a:extLst>
+                </a:gridCol>
+                <a:gridCol w="2032000">
+                  <a:extLst>
+                    <a:ext uri="{9D8B030D-6E8A-4147-A177-3AD203B41FA5}">
+                      <a16:colId xmlns:a16="http://schemas.microsoft.com/office/drawing/2014/main" val="20001"/>
+                    </a:ext>
+                  </a:extLst>
+                </a:gridCol>
+                <a:gridCol w="2032000">
+                  <a:extLst>
+                    <a:ext uri="{9D8B030D-6E8A-4147-A177-3AD203B41FA5}">
+                      <a16:colId xmlns:a16="http://schemas.microsoft.com/office/drawing/2014/main" val="20002"/>
+                    </a:ext>
+                  </a:extLst>
+                </a:gridCol>
+                <a:gridCol w="2032000">
+                  <a:extLst>
+                    <a:ext uri="{9D8B030D-6E8A-4147-A177-3AD203B41FA5}">
+                      <a16:colId xmlns:a16="http://schemas.microsoft.com/office/drawing/2014/main" val="20003"/>
+                    </a:ext>
+                  </a:extLst>
+                </a:gridCol>
               </a:tblGrid>
               <a:tr h="370840">
                 <a:tc>
@@ -14593,18 +15543,13 @@
                     <a:p>
                       <a:pPr algn="l"/>
                       <a:r>
-                        <a:rPr lang="en-US" dirty="0" smtClean="0">
+                        <a:rPr lang="en-US" dirty="0">
                           <a:solidFill>
                             <a:srgbClr val="002060"/>
                           </a:solidFill>
                         </a:rPr>
                         <a:t>PRECISION</a:t>
                       </a:r>
-                      <a:endParaRPr lang="en-US" dirty="0">
-                        <a:solidFill>
-                          <a:srgbClr val="002060"/>
-                        </a:solidFill>
-                      </a:endParaRPr>
                     </a:p>
                   </a:txBody>
                   <a:tcPr/>
@@ -14616,18 +15561,13 @@
                     <a:p>
                       <a:pPr algn="l"/>
                       <a:r>
-                        <a:rPr lang="en-US" dirty="0" smtClean="0">
+                        <a:rPr lang="en-US" dirty="0">
                           <a:solidFill>
                             <a:srgbClr val="002060"/>
                           </a:solidFill>
                         </a:rPr>
                         <a:t>RECALL </a:t>
                       </a:r>
-                      <a:endParaRPr lang="en-US" dirty="0">
-                        <a:solidFill>
-                          <a:srgbClr val="002060"/>
-                        </a:solidFill>
-                      </a:endParaRPr>
                     </a:p>
                   </a:txBody>
                   <a:tcPr/>
@@ -14639,22 +15579,22 @@
                     <a:p>
                       <a:pPr algn="l"/>
                       <a:r>
-                        <a:rPr lang="en-US" dirty="0" smtClean="0">
+                        <a:rPr lang="en-US" dirty="0">
                           <a:solidFill>
                             <a:srgbClr val="002060"/>
                           </a:solidFill>
                         </a:rPr>
                         <a:t>F-SCORE</a:t>
                       </a:r>
-                      <a:endParaRPr lang="en-US" dirty="0">
-                        <a:solidFill>
-                          <a:srgbClr val="002060"/>
-                        </a:solidFill>
-                      </a:endParaRPr>
                     </a:p>
                   </a:txBody>
                   <a:tcPr/>
                 </a:tc>
+                <a:extLst>
+                  <a:ext uri="{0D108BD9-81ED-4DB2-BD59-A6C34878D82A}">
+                    <a16:rowId xmlns:a16="http://schemas.microsoft.com/office/drawing/2014/main" val="10000"/>
+                  </a:ext>
+                </a:extLst>
               </a:tr>
               <a:tr h="370840">
                 <a:tc>
@@ -14664,7 +15604,7 @@
                     <a:p>
                       <a:pPr algn="l"/>
                       <a:r>
-                        <a:rPr lang="en-US" dirty="0" smtClean="0"/>
+                        <a:rPr lang="en-US" dirty="0"/>
                         <a:t>HAPPY</a:t>
                       </a:r>
                     </a:p>
@@ -14731,6 +15671,11 @@
                   </a:txBody>
                   <a:tcPr marL="9525" marR="9525" marT="9525" marB="0" anchor="b"/>
                 </a:tc>
+                <a:extLst>
+                  <a:ext uri="{0D108BD9-81ED-4DB2-BD59-A6C34878D82A}">
+                    <a16:rowId xmlns:a16="http://schemas.microsoft.com/office/drawing/2014/main" val="10001"/>
+                  </a:ext>
+                </a:extLst>
               </a:tr>
               <a:tr h="370840">
                 <a:tc>
@@ -14740,10 +15685,9 @@
                     <a:p>
                       <a:pPr algn="l"/>
                       <a:r>
-                        <a:rPr lang="en-US" dirty="0" smtClean="0"/>
+                        <a:rPr lang="en-US" dirty="0"/>
                         <a:t>HEARTBREAK</a:t>
                       </a:r>
-                      <a:endParaRPr lang="en-US" dirty="0"/>
                     </a:p>
                   </a:txBody>
                   <a:tcPr/>
@@ -14808,6 +15752,11 @@
                   </a:txBody>
                   <a:tcPr marL="9525" marR="9525" marT="9525" marB="0" anchor="b"/>
                 </a:tc>
+                <a:extLst>
+                  <a:ext uri="{0D108BD9-81ED-4DB2-BD59-A6C34878D82A}">
+                    <a16:rowId xmlns:a16="http://schemas.microsoft.com/office/drawing/2014/main" val="10002"/>
+                  </a:ext>
+                </a:extLst>
               </a:tr>
               <a:tr h="370840">
                 <a:tc>
@@ -14817,7 +15766,7 @@
                     <a:p>
                       <a:pPr algn="l"/>
                       <a:r>
-                        <a:rPr lang="en-US" dirty="0" smtClean="0"/>
+                        <a:rPr lang="en-US" dirty="0"/>
                         <a:t>PARTY</a:t>
                       </a:r>
                     </a:p>
@@ -14884,6 +15833,11 @@
                   </a:txBody>
                   <a:tcPr marL="9525" marR="9525" marT="9525" marB="0" anchor="b"/>
                 </a:tc>
+                <a:extLst>
+                  <a:ext uri="{0D108BD9-81ED-4DB2-BD59-A6C34878D82A}">
+                    <a16:rowId xmlns:a16="http://schemas.microsoft.com/office/drawing/2014/main" val="10003"/>
+                  </a:ext>
+                </a:extLst>
               </a:tr>
               <a:tr h="370840">
                 <a:tc>
@@ -14893,10 +15847,9 @@
                     <a:p>
                       <a:pPr algn="l"/>
                       <a:r>
-                        <a:rPr lang="en-US" dirty="0" smtClean="0"/>
+                        <a:rPr lang="en-US" dirty="0"/>
                         <a:t>ROMANTIC</a:t>
                       </a:r>
-                      <a:endParaRPr lang="en-US" dirty="0"/>
                     </a:p>
                   </a:txBody>
                   <a:tcPr/>
@@ -14961,6 +15914,11 @@
                   </a:txBody>
                   <a:tcPr marL="9525" marR="9525" marT="9525" marB="0" anchor="b"/>
                 </a:tc>
+                <a:extLst>
+                  <a:ext uri="{0D108BD9-81ED-4DB2-BD59-A6C34878D82A}">
+                    <a16:rowId xmlns:a16="http://schemas.microsoft.com/office/drawing/2014/main" val="10004"/>
+                  </a:ext>
+                </a:extLst>
               </a:tr>
               <a:tr h="370840">
                 <a:tc>
@@ -14970,10 +15928,9 @@
                     <a:p>
                       <a:pPr algn="l"/>
                       <a:r>
-                        <a:rPr lang="en-US" dirty="0" smtClean="0"/>
+                        <a:rPr lang="en-US" dirty="0"/>
                         <a:t>SAD</a:t>
                       </a:r>
-                      <a:endParaRPr lang="en-US" dirty="0"/>
                     </a:p>
                   </a:txBody>
                   <a:tcPr/>
@@ -15038,6 +15995,11 @@
                   </a:txBody>
                   <a:tcPr marL="9525" marR="9525" marT="9525" marB="0" anchor="b"/>
                 </a:tc>
+                <a:extLst>
+                  <a:ext uri="{0D108BD9-81ED-4DB2-BD59-A6C34878D82A}">
+                    <a16:rowId xmlns:a16="http://schemas.microsoft.com/office/drawing/2014/main" val="10005"/>
+                  </a:ext>
+                </a:extLst>
               </a:tr>
               <a:tr h="370840">
                 <a:tc>
@@ -15047,10 +16009,9 @@
                     <a:p>
                       <a:pPr algn="l"/>
                       <a:r>
-                        <a:rPr lang="en-US" dirty="0" smtClean="0"/>
+                        <a:rPr lang="en-US" dirty="0"/>
                         <a:t>AVERAGE</a:t>
                       </a:r>
-                      <a:endParaRPr lang="en-US" dirty="0"/>
                     </a:p>
                   </a:txBody>
                   <a:tcPr/>
@@ -15115,6 +16076,11 @@
                   </a:txBody>
                   <a:tcPr marL="9525" marR="9525" marT="9525" marB="0" anchor="b"/>
                 </a:tc>
+                <a:extLst>
+                  <a:ext uri="{0D108BD9-81ED-4DB2-BD59-A6C34878D82A}">
+                    <a16:rowId xmlns:a16="http://schemas.microsoft.com/office/drawing/2014/main" val="10006"/>
+                  </a:ext>
+                </a:extLst>
               </a:tr>
             </a:tbl>
           </a:graphicData>
@@ -15143,10 +16109,9 @@
           <a:lstStyle/>
           <a:p>
             <a:r>
-              <a:rPr lang="en-US" sz="2400" dirty="0" smtClean="0"/>
+              <a:rPr lang="en-US" sz="2400" dirty="0"/>
               <a:t>DECISION TREE LEARNING</a:t>
             </a:r>
-            <a:endParaRPr lang="en-US" sz="2400" dirty="0"/>
           </a:p>
         </p:txBody>
       </p:sp>
@@ -15160,17 +16125,10 @@
   <p:clrMapOvr>
     <a:masterClrMapping/>
   </p:clrMapOvr>
-  <p:timing>
-    <p:tnLst>
-      <p:par>
-        <p:cTn id="1" dur="indefinite" restart="never" nodeType="tmRoot"/>
-      </p:par>
-    </p:tnLst>
-  </p:timing>
 </p:sld>
 </file>
 
-<file path=ppt/slides/slide13.xml><?xml version="1.0" encoding="utf-8"?>
+<file path=ppt/slides/slide15.xml><?xml version="1.0" encoding="utf-8"?>
 <p:sld xmlns:a="http://schemas.openxmlformats.org/drawingml/2006/main" xmlns:r="http://schemas.openxmlformats.org/officeDocument/2006/relationships" xmlns:p="http://schemas.openxmlformats.org/presentationml/2006/main">
   <p:cSld>
     <p:spTree>
@@ -15211,10 +16169,9 @@
           <a:p>
             <a:pPr algn="ctr"/>
             <a:r>
-              <a:rPr lang="en-US" sz="2400" dirty="0" smtClean="0"/>
+              <a:rPr lang="en-US" sz="2400" dirty="0"/>
               <a:t>ADAPTIVE BOOSTING </a:t>
             </a:r>
-            <a:endParaRPr lang="en-US" sz="2400" dirty="0"/>
           </a:p>
         </p:txBody>
       </p:sp>
@@ -15243,10 +16200,34 @@
                 <a:tableStyleId>{5C22544A-7EE6-4342-B048-85BDC9FD1C3A}</a:tableStyleId>
               </a:tblPr>
               <a:tblGrid>
-                <a:gridCol w="2032000"/>
-                <a:gridCol w="2032000"/>
-                <a:gridCol w="2032000"/>
-                <a:gridCol w="2032000"/>
+                <a:gridCol w="2032000">
+                  <a:extLst>
+                    <a:ext uri="{9D8B030D-6E8A-4147-A177-3AD203B41FA5}">
+                      <a16:colId xmlns:a16="http://schemas.microsoft.com/office/drawing/2014/main" val="20000"/>
+                    </a:ext>
+                  </a:extLst>
+                </a:gridCol>
+                <a:gridCol w="2032000">
+                  <a:extLst>
+                    <a:ext uri="{9D8B030D-6E8A-4147-A177-3AD203B41FA5}">
+                      <a16:colId xmlns:a16="http://schemas.microsoft.com/office/drawing/2014/main" val="20001"/>
+                    </a:ext>
+                  </a:extLst>
+                </a:gridCol>
+                <a:gridCol w="2032000">
+                  <a:extLst>
+                    <a:ext uri="{9D8B030D-6E8A-4147-A177-3AD203B41FA5}">
+                      <a16:colId xmlns:a16="http://schemas.microsoft.com/office/drawing/2014/main" val="20002"/>
+                    </a:ext>
+                  </a:extLst>
+                </a:gridCol>
+                <a:gridCol w="2032000">
+                  <a:extLst>
+                    <a:ext uri="{9D8B030D-6E8A-4147-A177-3AD203B41FA5}">
+                      <a16:colId xmlns:a16="http://schemas.microsoft.com/office/drawing/2014/main" val="20003"/>
+                    </a:ext>
+                  </a:extLst>
+                </a:gridCol>
               </a:tblGrid>
               <a:tr h="370840">
                 <a:tc>
@@ -15267,18 +16248,13 @@
                     <a:p>
                       <a:pPr algn="l"/>
                       <a:r>
-                        <a:rPr lang="en-US" dirty="0" smtClean="0">
+                        <a:rPr lang="en-US" dirty="0">
                           <a:solidFill>
                             <a:srgbClr val="002060"/>
                           </a:solidFill>
                         </a:rPr>
                         <a:t>PRECISION</a:t>
                       </a:r>
-                      <a:endParaRPr lang="en-US" dirty="0">
-                        <a:solidFill>
-                          <a:srgbClr val="002060"/>
-                        </a:solidFill>
-                      </a:endParaRPr>
                     </a:p>
                   </a:txBody>
                   <a:tcPr/>
@@ -15290,18 +16266,13 @@
                     <a:p>
                       <a:pPr algn="l"/>
                       <a:r>
-                        <a:rPr lang="en-US" dirty="0" smtClean="0">
+                        <a:rPr lang="en-US" dirty="0">
                           <a:solidFill>
                             <a:srgbClr val="002060"/>
                           </a:solidFill>
                         </a:rPr>
                         <a:t>RECALL </a:t>
                       </a:r>
-                      <a:endParaRPr lang="en-US" dirty="0">
-                        <a:solidFill>
-                          <a:srgbClr val="002060"/>
-                        </a:solidFill>
-                      </a:endParaRPr>
                     </a:p>
                   </a:txBody>
                   <a:tcPr/>
@@ -15313,22 +16284,22 @@
                     <a:p>
                       <a:pPr algn="l"/>
                       <a:r>
-                        <a:rPr lang="en-US" dirty="0" smtClean="0">
+                        <a:rPr lang="en-US" dirty="0">
                           <a:solidFill>
                             <a:srgbClr val="002060"/>
                           </a:solidFill>
                         </a:rPr>
                         <a:t>F-SCORE</a:t>
                       </a:r>
-                      <a:endParaRPr lang="en-US" dirty="0">
-                        <a:solidFill>
-                          <a:srgbClr val="002060"/>
-                        </a:solidFill>
-                      </a:endParaRPr>
                     </a:p>
                   </a:txBody>
                   <a:tcPr/>
                 </a:tc>
+                <a:extLst>
+                  <a:ext uri="{0D108BD9-81ED-4DB2-BD59-A6C34878D82A}">
+                    <a16:rowId xmlns:a16="http://schemas.microsoft.com/office/drawing/2014/main" val="10000"/>
+                  </a:ext>
+                </a:extLst>
               </a:tr>
               <a:tr h="370840">
                 <a:tc>
@@ -15338,7 +16309,7 @@
                     <a:p>
                       <a:pPr algn="l"/>
                       <a:r>
-                        <a:rPr lang="en-US" dirty="0" smtClean="0"/>
+                        <a:rPr lang="en-US" dirty="0"/>
                         <a:t>HAPPY</a:t>
                       </a:r>
                     </a:p>
@@ -15405,6 +16376,11 @@
                   </a:txBody>
                   <a:tcPr marL="9525" marR="9525" marT="9525" marB="0" anchor="b"/>
                 </a:tc>
+                <a:extLst>
+                  <a:ext uri="{0D108BD9-81ED-4DB2-BD59-A6C34878D82A}">
+                    <a16:rowId xmlns:a16="http://schemas.microsoft.com/office/drawing/2014/main" val="10001"/>
+                  </a:ext>
+                </a:extLst>
               </a:tr>
               <a:tr h="370840">
                 <a:tc>
@@ -15414,10 +16390,9 @@
                     <a:p>
                       <a:pPr algn="l"/>
                       <a:r>
-                        <a:rPr lang="en-US" dirty="0" smtClean="0"/>
+                        <a:rPr lang="en-US" dirty="0"/>
                         <a:t>HEARTBREAK</a:t>
                       </a:r>
-                      <a:endParaRPr lang="en-US" dirty="0"/>
                     </a:p>
                   </a:txBody>
                   <a:tcPr/>
@@ -15482,6 +16457,11 @@
                   </a:txBody>
                   <a:tcPr marL="9525" marR="9525" marT="9525" marB="0" anchor="b"/>
                 </a:tc>
+                <a:extLst>
+                  <a:ext uri="{0D108BD9-81ED-4DB2-BD59-A6C34878D82A}">
+                    <a16:rowId xmlns:a16="http://schemas.microsoft.com/office/drawing/2014/main" val="10002"/>
+                  </a:ext>
+                </a:extLst>
               </a:tr>
               <a:tr h="370840">
                 <a:tc>
@@ -15491,7 +16471,7 @@
                     <a:p>
                       <a:pPr algn="l"/>
                       <a:r>
-                        <a:rPr lang="en-US" dirty="0" smtClean="0"/>
+                        <a:rPr lang="en-US" dirty="0"/>
                         <a:t>PARTY</a:t>
                       </a:r>
                     </a:p>
@@ -15558,6 +16538,11 @@
                   </a:txBody>
                   <a:tcPr marL="9525" marR="9525" marT="9525" marB="0" anchor="b"/>
                 </a:tc>
+                <a:extLst>
+                  <a:ext uri="{0D108BD9-81ED-4DB2-BD59-A6C34878D82A}">
+                    <a16:rowId xmlns:a16="http://schemas.microsoft.com/office/drawing/2014/main" val="10003"/>
+                  </a:ext>
+                </a:extLst>
               </a:tr>
               <a:tr h="370840">
                 <a:tc>
@@ -15567,10 +16552,9 @@
                     <a:p>
                       <a:pPr algn="l"/>
                       <a:r>
-                        <a:rPr lang="en-US" dirty="0" smtClean="0"/>
+                        <a:rPr lang="en-US" dirty="0"/>
                         <a:t>ROMANTIC</a:t>
                       </a:r>
-                      <a:endParaRPr lang="en-US" dirty="0"/>
                     </a:p>
                   </a:txBody>
                   <a:tcPr/>
@@ -15635,6 +16619,11 @@
                   </a:txBody>
                   <a:tcPr marL="9525" marR="9525" marT="9525" marB="0" anchor="b"/>
                 </a:tc>
+                <a:extLst>
+                  <a:ext uri="{0D108BD9-81ED-4DB2-BD59-A6C34878D82A}">
+                    <a16:rowId xmlns:a16="http://schemas.microsoft.com/office/drawing/2014/main" val="10004"/>
+                  </a:ext>
+                </a:extLst>
               </a:tr>
               <a:tr h="370840">
                 <a:tc>
@@ -15644,10 +16633,9 @@
                     <a:p>
                       <a:pPr algn="l"/>
                       <a:r>
-                        <a:rPr lang="en-US" dirty="0" smtClean="0"/>
+                        <a:rPr lang="en-US" dirty="0"/>
                         <a:t>SAD</a:t>
                       </a:r>
-                      <a:endParaRPr lang="en-US" dirty="0"/>
                     </a:p>
                   </a:txBody>
                   <a:tcPr/>
@@ -15712,6 +16700,11 @@
                   </a:txBody>
                   <a:tcPr marL="9525" marR="9525" marT="9525" marB="0" anchor="b"/>
                 </a:tc>
+                <a:extLst>
+                  <a:ext uri="{0D108BD9-81ED-4DB2-BD59-A6C34878D82A}">
+                    <a16:rowId xmlns:a16="http://schemas.microsoft.com/office/drawing/2014/main" val="10005"/>
+                  </a:ext>
+                </a:extLst>
               </a:tr>
               <a:tr h="370840">
                 <a:tc>
@@ -15721,10 +16714,9 @@
                     <a:p>
                       <a:pPr algn="l"/>
                       <a:r>
-                        <a:rPr lang="en-US" dirty="0" smtClean="0"/>
+                        <a:rPr lang="en-US" dirty="0"/>
                         <a:t>AVERAGE</a:t>
                       </a:r>
-                      <a:endParaRPr lang="en-US" dirty="0"/>
                     </a:p>
                   </a:txBody>
                   <a:tcPr/>
@@ -15789,6 +16781,11 @@
                   </a:txBody>
                   <a:tcPr marL="9525" marR="9525" marT="9525" marB="0" anchor="b"/>
                 </a:tc>
+                <a:extLst>
+                  <a:ext uri="{0D108BD9-81ED-4DB2-BD59-A6C34878D82A}">
+                    <a16:rowId xmlns:a16="http://schemas.microsoft.com/office/drawing/2014/main" val="10006"/>
+                  </a:ext>
+                </a:extLst>
               </a:tr>
             </a:tbl>
           </a:graphicData>
@@ -15819,10 +16816,34 @@
                 <a:tableStyleId>{5C22544A-7EE6-4342-B048-85BDC9FD1C3A}</a:tableStyleId>
               </a:tblPr>
               <a:tblGrid>
-                <a:gridCol w="2032000"/>
-                <a:gridCol w="2032000"/>
-                <a:gridCol w="2032000"/>
-                <a:gridCol w="2032000"/>
+                <a:gridCol w="2032000">
+                  <a:extLst>
+                    <a:ext uri="{9D8B030D-6E8A-4147-A177-3AD203B41FA5}">
+                      <a16:colId xmlns:a16="http://schemas.microsoft.com/office/drawing/2014/main" val="20000"/>
+                    </a:ext>
+                  </a:extLst>
+                </a:gridCol>
+                <a:gridCol w="2032000">
+                  <a:extLst>
+                    <a:ext uri="{9D8B030D-6E8A-4147-A177-3AD203B41FA5}">
+                      <a16:colId xmlns:a16="http://schemas.microsoft.com/office/drawing/2014/main" val="20001"/>
+                    </a:ext>
+                  </a:extLst>
+                </a:gridCol>
+                <a:gridCol w="2032000">
+                  <a:extLst>
+                    <a:ext uri="{9D8B030D-6E8A-4147-A177-3AD203B41FA5}">
+                      <a16:colId xmlns:a16="http://schemas.microsoft.com/office/drawing/2014/main" val="20002"/>
+                    </a:ext>
+                  </a:extLst>
+                </a:gridCol>
+                <a:gridCol w="2032000">
+                  <a:extLst>
+                    <a:ext uri="{9D8B030D-6E8A-4147-A177-3AD203B41FA5}">
+                      <a16:colId xmlns:a16="http://schemas.microsoft.com/office/drawing/2014/main" val="20003"/>
+                    </a:ext>
+                  </a:extLst>
+                </a:gridCol>
               </a:tblGrid>
               <a:tr h="370840">
                 <a:tc>
@@ -15843,18 +16864,13 @@
                     <a:p>
                       <a:pPr algn="l"/>
                       <a:r>
-                        <a:rPr lang="en-US" dirty="0" smtClean="0">
+                        <a:rPr lang="en-US" dirty="0">
                           <a:solidFill>
                             <a:srgbClr val="002060"/>
                           </a:solidFill>
                         </a:rPr>
                         <a:t>PRECISION</a:t>
                       </a:r>
-                      <a:endParaRPr lang="en-US" dirty="0">
-                        <a:solidFill>
-                          <a:srgbClr val="002060"/>
-                        </a:solidFill>
-                      </a:endParaRPr>
                     </a:p>
                   </a:txBody>
                   <a:tcPr/>
@@ -15866,18 +16882,13 @@
                     <a:p>
                       <a:pPr algn="l"/>
                       <a:r>
-                        <a:rPr lang="en-US" dirty="0" smtClean="0">
+                        <a:rPr lang="en-US" dirty="0">
                           <a:solidFill>
                             <a:srgbClr val="002060"/>
                           </a:solidFill>
                         </a:rPr>
                         <a:t>RECALL </a:t>
                       </a:r>
-                      <a:endParaRPr lang="en-US" dirty="0">
-                        <a:solidFill>
-                          <a:srgbClr val="002060"/>
-                        </a:solidFill>
-                      </a:endParaRPr>
                     </a:p>
                   </a:txBody>
                   <a:tcPr/>
@@ -15889,22 +16900,22 @@
                     <a:p>
                       <a:pPr algn="l"/>
                       <a:r>
-                        <a:rPr lang="en-US" dirty="0" smtClean="0">
+                        <a:rPr lang="en-US" dirty="0">
                           <a:solidFill>
                             <a:srgbClr val="002060"/>
                           </a:solidFill>
                         </a:rPr>
                         <a:t>F-SCORE</a:t>
                       </a:r>
-                      <a:endParaRPr lang="en-US" dirty="0">
-                        <a:solidFill>
-                          <a:srgbClr val="002060"/>
-                        </a:solidFill>
-                      </a:endParaRPr>
                     </a:p>
                   </a:txBody>
                   <a:tcPr/>
                 </a:tc>
+                <a:extLst>
+                  <a:ext uri="{0D108BD9-81ED-4DB2-BD59-A6C34878D82A}">
+                    <a16:rowId xmlns:a16="http://schemas.microsoft.com/office/drawing/2014/main" val="10000"/>
+                  </a:ext>
+                </a:extLst>
               </a:tr>
               <a:tr h="370840">
                 <a:tc>
@@ -15914,7 +16925,7 @@
                     <a:p>
                       <a:pPr algn="l"/>
                       <a:r>
-                        <a:rPr lang="en-US" dirty="0" smtClean="0"/>
+                        <a:rPr lang="en-US" dirty="0"/>
                         <a:t>HAPPY</a:t>
                       </a:r>
                     </a:p>
@@ -15981,6 +16992,11 @@
                   </a:txBody>
                   <a:tcPr marL="9525" marR="9525" marT="9525" marB="0" anchor="b"/>
                 </a:tc>
+                <a:extLst>
+                  <a:ext uri="{0D108BD9-81ED-4DB2-BD59-A6C34878D82A}">
+                    <a16:rowId xmlns:a16="http://schemas.microsoft.com/office/drawing/2014/main" val="10001"/>
+                  </a:ext>
+                </a:extLst>
               </a:tr>
               <a:tr h="370840">
                 <a:tc>
@@ -15990,10 +17006,9 @@
                     <a:p>
                       <a:pPr algn="l"/>
                       <a:r>
-                        <a:rPr lang="en-US" dirty="0" smtClean="0"/>
+                        <a:rPr lang="en-US" dirty="0"/>
                         <a:t>HEARTBREAK</a:t>
                       </a:r>
-                      <a:endParaRPr lang="en-US" dirty="0"/>
                     </a:p>
                   </a:txBody>
                   <a:tcPr/>
@@ -16058,6 +17073,11 @@
                   </a:txBody>
                   <a:tcPr marL="9525" marR="9525" marT="9525" marB="0" anchor="b"/>
                 </a:tc>
+                <a:extLst>
+                  <a:ext uri="{0D108BD9-81ED-4DB2-BD59-A6C34878D82A}">
+                    <a16:rowId xmlns:a16="http://schemas.microsoft.com/office/drawing/2014/main" val="10002"/>
+                  </a:ext>
+                </a:extLst>
               </a:tr>
               <a:tr h="370840">
                 <a:tc>
@@ -16067,7 +17087,7 @@
                     <a:p>
                       <a:pPr algn="l"/>
                       <a:r>
-                        <a:rPr lang="en-US" dirty="0" smtClean="0"/>
+                        <a:rPr lang="en-US" dirty="0"/>
                         <a:t>PARTY</a:t>
                       </a:r>
                     </a:p>
@@ -16134,6 +17154,11 @@
                   </a:txBody>
                   <a:tcPr marL="9525" marR="9525" marT="9525" marB="0" anchor="b"/>
                 </a:tc>
+                <a:extLst>
+                  <a:ext uri="{0D108BD9-81ED-4DB2-BD59-A6C34878D82A}">
+                    <a16:rowId xmlns:a16="http://schemas.microsoft.com/office/drawing/2014/main" val="10003"/>
+                  </a:ext>
+                </a:extLst>
               </a:tr>
               <a:tr h="370840">
                 <a:tc>
@@ -16143,10 +17168,9 @@
                     <a:p>
                       <a:pPr algn="l"/>
                       <a:r>
-                        <a:rPr lang="en-US" dirty="0" smtClean="0"/>
+                        <a:rPr lang="en-US" dirty="0"/>
                         <a:t>ROMANTIC</a:t>
                       </a:r>
-                      <a:endParaRPr lang="en-US" dirty="0"/>
                     </a:p>
                   </a:txBody>
                   <a:tcPr/>
@@ -16211,6 +17235,11 @@
                   </a:txBody>
                   <a:tcPr marL="9525" marR="9525" marT="9525" marB="0" anchor="b"/>
                 </a:tc>
+                <a:extLst>
+                  <a:ext uri="{0D108BD9-81ED-4DB2-BD59-A6C34878D82A}">
+                    <a16:rowId xmlns:a16="http://schemas.microsoft.com/office/drawing/2014/main" val="10004"/>
+                  </a:ext>
+                </a:extLst>
               </a:tr>
               <a:tr h="370840">
                 <a:tc>
@@ -16220,10 +17249,9 @@
                     <a:p>
                       <a:pPr algn="l"/>
                       <a:r>
-                        <a:rPr lang="en-US" dirty="0" smtClean="0"/>
+                        <a:rPr lang="en-US" dirty="0"/>
                         <a:t>SAD</a:t>
                       </a:r>
-                      <a:endParaRPr lang="en-US" dirty="0"/>
                     </a:p>
                   </a:txBody>
                   <a:tcPr/>
@@ -16288,6 +17316,11 @@
                   </a:txBody>
                   <a:tcPr marL="9525" marR="9525" marT="9525" marB="0" anchor="b"/>
                 </a:tc>
+                <a:extLst>
+                  <a:ext uri="{0D108BD9-81ED-4DB2-BD59-A6C34878D82A}">
+                    <a16:rowId xmlns:a16="http://schemas.microsoft.com/office/drawing/2014/main" val="10005"/>
+                  </a:ext>
+                </a:extLst>
               </a:tr>
               <a:tr h="370840">
                 <a:tc>
@@ -16297,10 +17330,9 @@
                     <a:p>
                       <a:pPr algn="l"/>
                       <a:r>
-                        <a:rPr lang="en-US" dirty="0" smtClean="0"/>
+                        <a:rPr lang="en-US" dirty="0"/>
                         <a:t>AVERAGE</a:t>
                       </a:r>
-                      <a:endParaRPr lang="en-US" dirty="0"/>
                     </a:p>
                   </a:txBody>
                   <a:tcPr/>
@@ -16365,6 +17397,11 @@
                   </a:txBody>
                   <a:tcPr marL="9525" marR="9525" marT="9525" marB="0" anchor="b"/>
                 </a:tc>
+                <a:extLst>
+                  <a:ext uri="{0D108BD9-81ED-4DB2-BD59-A6C34878D82A}">
+                    <a16:rowId xmlns:a16="http://schemas.microsoft.com/office/drawing/2014/main" val="10006"/>
+                  </a:ext>
+                </a:extLst>
               </a:tr>
             </a:tbl>
           </a:graphicData>
@@ -16393,10 +17430,9 @@
           <a:lstStyle/>
           <a:p>
             <a:r>
-              <a:rPr lang="en-US" sz="2400" dirty="0" smtClean="0"/>
+              <a:rPr lang="en-US" sz="2400" dirty="0"/>
               <a:t>K NEAREST NEIGHBORS</a:t>
             </a:r>
-            <a:endParaRPr lang="en-US" sz="2400" dirty="0"/>
           </a:p>
         </p:txBody>
       </p:sp>
@@ -16410,17 +17446,10 @@
   <p:clrMapOvr>
     <a:masterClrMapping/>
   </p:clrMapOvr>
-  <p:timing>
-    <p:tnLst>
-      <p:par>
-        <p:cTn id="1" dur="indefinite" restart="never" nodeType="tmRoot"/>
-      </p:par>
-    </p:tnLst>
-  </p:timing>
 </p:sld>
 </file>
 
-<file path=ppt/slides/slide14.xml><?xml version="1.0" encoding="utf-8"?>
+<file path=ppt/slides/slide16.xml><?xml version="1.0" encoding="utf-8"?>
 <p:sld xmlns:a="http://schemas.openxmlformats.org/drawingml/2006/main" xmlns:r="http://schemas.openxmlformats.org/officeDocument/2006/relationships" xmlns:p="http://schemas.openxmlformats.org/presentationml/2006/main">
   <p:cSld>
     <p:spTree>
@@ -16445,7 +17474,7 @@
         </p:nvSpPr>
         <p:spPr>
           <a:xfrm>
-            <a:off x="3599543" y="595086"/>
+            <a:off x="3599543" y="1092042"/>
             <a:ext cx="5036457" cy="461665"/>
           </a:xfrm>
           <a:prstGeom prst="rect">
@@ -16461,841 +17490,12 @@
           <a:p>
             <a:pPr algn="ctr"/>
             <a:r>
-              <a:rPr lang="en-US" sz="2400" dirty="0" smtClean="0"/>
+              <a:rPr lang="en-US" sz="2400" dirty="0"/>
               <a:t>SUPPORT VECTOR MACHINE</a:t>
             </a:r>
-            <a:endParaRPr lang="en-US" sz="2400" dirty="0"/>
           </a:p>
         </p:txBody>
       </p:sp>
-      <p:graphicFrame>
-        <p:nvGraphicFramePr>
-          <p:cNvPr id="5" name="Table 4"/>
-          <p:cNvGraphicFramePr>
-            <a:graphicFrameLocks noGrp="1"/>
-          </p:cNvGraphicFramePr>
-          <p:nvPr>
-            <p:extLst>
-              <p:ext uri="{D42A27DB-BD31-4B8C-83A1-F6EECF244321}">
-                <p14:modId xmlns:p14="http://schemas.microsoft.com/office/powerpoint/2010/main" val="3914765565"/>
-              </p:ext>
-            </p:extLst>
-          </p:nvPr>
-        </p:nvGraphicFramePr>
-        <p:xfrm>
-          <a:off x="2053771" y="1056751"/>
-          <a:ext cx="8128000" cy="2595880"/>
-        </p:xfrm>
-        <a:graphic>
-          <a:graphicData uri="http://schemas.openxmlformats.org/drawingml/2006/table">
-            <a:tbl>
-              <a:tblPr firstRow="1" bandRow="1">
-                <a:tableStyleId>{5C22544A-7EE6-4342-B048-85BDC9FD1C3A}</a:tableStyleId>
-              </a:tblPr>
-              <a:tblGrid>
-                <a:gridCol w="2032000"/>
-                <a:gridCol w="2032000"/>
-                <a:gridCol w="2032000"/>
-                <a:gridCol w="2032000"/>
-              </a:tblGrid>
-              <a:tr h="370840">
-                <a:tc>
-                  <a:txBody>
-                    <a:bodyPr/>
-                    <a:lstStyle/>
-                    <a:p>
-                      <a:pPr algn="l"/>
-                      <a:endParaRPr lang="en-US" dirty="0"/>
-                    </a:p>
-                  </a:txBody>
-                  <a:tcPr/>
-                </a:tc>
-                <a:tc>
-                  <a:txBody>
-                    <a:bodyPr/>
-                    <a:lstStyle/>
-                    <a:p>
-                      <a:pPr algn="l"/>
-                      <a:r>
-                        <a:rPr lang="en-US" dirty="0" smtClean="0">
-                          <a:solidFill>
-                            <a:srgbClr val="002060"/>
-                          </a:solidFill>
-                        </a:rPr>
-                        <a:t>PRECISION</a:t>
-                      </a:r>
-                      <a:endParaRPr lang="en-US" dirty="0">
-                        <a:solidFill>
-                          <a:srgbClr val="002060"/>
-                        </a:solidFill>
-                      </a:endParaRPr>
-                    </a:p>
-                  </a:txBody>
-                  <a:tcPr/>
-                </a:tc>
-                <a:tc>
-                  <a:txBody>
-                    <a:bodyPr/>
-                    <a:lstStyle/>
-                    <a:p>
-                      <a:pPr algn="l"/>
-                      <a:r>
-                        <a:rPr lang="en-US" dirty="0" smtClean="0">
-                          <a:solidFill>
-                            <a:srgbClr val="002060"/>
-                          </a:solidFill>
-                        </a:rPr>
-                        <a:t>RECALL </a:t>
-                      </a:r>
-                      <a:endParaRPr lang="en-US" dirty="0">
-                        <a:solidFill>
-                          <a:srgbClr val="002060"/>
-                        </a:solidFill>
-                      </a:endParaRPr>
-                    </a:p>
-                  </a:txBody>
-                  <a:tcPr/>
-                </a:tc>
-                <a:tc>
-                  <a:txBody>
-                    <a:bodyPr/>
-                    <a:lstStyle/>
-                    <a:p>
-                      <a:pPr algn="l"/>
-                      <a:r>
-                        <a:rPr lang="en-US" dirty="0" smtClean="0">
-                          <a:solidFill>
-                            <a:srgbClr val="002060"/>
-                          </a:solidFill>
-                        </a:rPr>
-                        <a:t>F-SCORE</a:t>
-                      </a:r>
-                      <a:endParaRPr lang="en-US" dirty="0">
-                        <a:solidFill>
-                          <a:srgbClr val="002060"/>
-                        </a:solidFill>
-                      </a:endParaRPr>
-                    </a:p>
-                  </a:txBody>
-                  <a:tcPr/>
-                </a:tc>
-              </a:tr>
-              <a:tr h="370840">
-                <a:tc>
-                  <a:txBody>
-                    <a:bodyPr/>
-                    <a:lstStyle/>
-                    <a:p>
-                      <a:pPr algn="l"/>
-                      <a:r>
-                        <a:rPr lang="en-US" dirty="0" smtClean="0"/>
-                        <a:t>HAPPY</a:t>
-                      </a:r>
-                    </a:p>
-                  </a:txBody>
-                  <a:tcPr/>
-                </a:tc>
-                <a:tc>
-                  <a:txBody>
-                    <a:bodyPr/>
-                    <a:lstStyle/>
-                    <a:p>
-                      <a:pPr algn="l"/>
-                      <a:endParaRPr lang="en-US"/>
-                    </a:p>
-                  </a:txBody>
-                  <a:tcPr/>
-                </a:tc>
-                <a:tc>
-                  <a:txBody>
-                    <a:bodyPr/>
-                    <a:lstStyle/>
-                    <a:p>
-                      <a:pPr algn="l"/>
-                      <a:endParaRPr lang="en-US" dirty="0"/>
-                    </a:p>
-                  </a:txBody>
-                  <a:tcPr/>
-                </a:tc>
-                <a:tc>
-                  <a:txBody>
-                    <a:bodyPr/>
-                    <a:lstStyle/>
-                    <a:p>
-                      <a:pPr algn="l"/>
-                      <a:endParaRPr lang="en-US"/>
-                    </a:p>
-                  </a:txBody>
-                  <a:tcPr/>
-                </a:tc>
-              </a:tr>
-              <a:tr h="370840">
-                <a:tc>
-                  <a:txBody>
-                    <a:bodyPr/>
-                    <a:lstStyle/>
-                    <a:p>
-                      <a:pPr algn="l"/>
-                      <a:r>
-                        <a:rPr lang="en-US" dirty="0" smtClean="0"/>
-                        <a:t>HEARTBREAK</a:t>
-                      </a:r>
-                      <a:endParaRPr lang="en-US" dirty="0"/>
-                    </a:p>
-                  </a:txBody>
-                  <a:tcPr/>
-                </a:tc>
-                <a:tc>
-                  <a:txBody>
-                    <a:bodyPr/>
-                    <a:lstStyle/>
-                    <a:p>
-                      <a:pPr algn="l"/>
-                      <a:endParaRPr lang="en-US"/>
-                    </a:p>
-                  </a:txBody>
-                  <a:tcPr/>
-                </a:tc>
-                <a:tc>
-                  <a:txBody>
-                    <a:bodyPr/>
-                    <a:lstStyle/>
-                    <a:p>
-                      <a:pPr algn="l"/>
-                      <a:endParaRPr lang="en-US" dirty="0"/>
-                    </a:p>
-                  </a:txBody>
-                  <a:tcPr/>
-                </a:tc>
-                <a:tc>
-                  <a:txBody>
-                    <a:bodyPr/>
-                    <a:lstStyle/>
-                    <a:p>
-                      <a:pPr algn="l"/>
-                      <a:endParaRPr lang="en-US"/>
-                    </a:p>
-                  </a:txBody>
-                  <a:tcPr/>
-                </a:tc>
-              </a:tr>
-              <a:tr h="370840">
-                <a:tc>
-                  <a:txBody>
-                    <a:bodyPr/>
-                    <a:lstStyle/>
-                    <a:p>
-                      <a:pPr algn="l"/>
-                      <a:r>
-                        <a:rPr lang="en-US" dirty="0" smtClean="0"/>
-                        <a:t>PARTY</a:t>
-                      </a:r>
-                    </a:p>
-                  </a:txBody>
-                  <a:tcPr/>
-                </a:tc>
-                <a:tc>
-                  <a:txBody>
-                    <a:bodyPr/>
-                    <a:lstStyle/>
-                    <a:p>
-                      <a:pPr algn="l"/>
-                      <a:endParaRPr lang="en-US"/>
-                    </a:p>
-                  </a:txBody>
-                  <a:tcPr/>
-                </a:tc>
-                <a:tc>
-                  <a:txBody>
-                    <a:bodyPr/>
-                    <a:lstStyle/>
-                    <a:p>
-                      <a:pPr algn="l"/>
-                      <a:endParaRPr lang="en-US"/>
-                    </a:p>
-                  </a:txBody>
-                  <a:tcPr/>
-                </a:tc>
-                <a:tc>
-                  <a:txBody>
-                    <a:bodyPr/>
-                    <a:lstStyle/>
-                    <a:p>
-                      <a:pPr algn="l"/>
-                      <a:endParaRPr lang="en-US"/>
-                    </a:p>
-                  </a:txBody>
-                  <a:tcPr/>
-                </a:tc>
-              </a:tr>
-              <a:tr h="370840">
-                <a:tc>
-                  <a:txBody>
-                    <a:bodyPr/>
-                    <a:lstStyle/>
-                    <a:p>
-                      <a:pPr algn="l"/>
-                      <a:r>
-                        <a:rPr lang="en-US" dirty="0" smtClean="0"/>
-                        <a:t>ROMANTIC</a:t>
-                      </a:r>
-                      <a:endParaRPr lang="en-US" dirty="0"/>
-                    </a:p>
-                  </a:txBody>
-                  <a:tcPr/>
-                </a:tc>
-                <a:tc>
-                  <a:txBody>
-                    <a:bodyPr/>
-                    <a:lstStyle/>
-                    <a:p>
-                      <a:pPr algn="l"/>
-                      <a:endParaRPr lang="en-US"/>
-                    </a:p>
-                  </a:txBody>
-                  <a:tcPr/>
-                </a:tc>
-                <a:tc>
-                  <a:txBody>
-                    <a:bodyPr/>
-                    <a:lstStyle/>
-                    <a:p>
-                      <a:pPr algn="l"/>
-                      <a:endParaRPr lang="en-US"/>
-                    </a:p>
-                  </a:txBody>
-                  <a:tcPr/>
-                </a:tc>
-                <a:tc>
-                  <a:txBody>
-                    <a:bodyPr/>
-                    <a:lstStyle/>
-                    <a:p>
-                      <a:pPr algn="l"/>
-                      <a:endParaRPr lang="en-US"/>
-                    </a:p>
-                  </a:txBody>
-                  <a:tcPr/>
-                </a:tc>
-              </a:tr>
-              <a:tr h="370840">
-                <a:tc>
-                  <a:txBody>
-                    <a:bodyPr/>
-                    <a:lstStyle/>
-                    <a:p>
-                      <a:pPr algn="l"/>
-                      <a:r>
-                        <a:rPr lang="en-US" dirty="0" smtClean="0"/>
-                        <a:t>SAD</a:t>
-                      </a:r>
-                      <a:endParaRPr lang="en-US" dirty="0"/>
-                    </a:p>
-                  </a:txBody>
-                  <a:tcPr/>
-                </a:tc>
-                <a:tc>
-                  <a:txBody>
-                    <a:bodyPr/>
-                    <a:lstStyle/>
-                    <a:p>
-                      <a:pPr algn="l"/>
-                      <a:endParaRPr lang="en-US"/>
-                    </a:p>
-                  </a:txBody>
-                  <a:tcPr/>
-                </a:tc>
-                <a:tc>
-                  <a:txBody>
-                    <a:bodyPr/>
-                    <a:lstStyle/>
-                    <a:p>
-                      <a:pPr algn="l"/>
-                      <a:endParaRPr lang="en-US"/>
-                    </a:p>
-                  </a:txBody>
-                  <a:tcPr/>
-                </a:tc>
-                <a:tc>
-                  <a:txBody>
-                    <a:bodyPr/>
-                    <a:lstStyle/>
-                    <a:p>
-                      <a:pPr algn="l"/>
-                      <a:endParaRPr lang="en-US" dirty="0"/>
-                    </a:p>
-                  </a:txBody>
-                  <a:tcPr/>
-                </a:tc>
-              </a:tr>
-              <a:tr h="370840">
-                <a:tc>
-                  <a:txBody>
-                    <a:bodyPr/>
-                    <a:lstStyle/>
-                    <a:p>
-                      <a:pPr algn="l"/>
-                      <a:r>
-                        <a:rPr lang="en-US" dirty="0" smtClean="0"/>
-                        <a:t>AVERAGE</a:t>
-                      </a:r>
-                      <a:endParaRPr lang="en-US" dirty="0"/>
-                    </a:p>
-                  </a:txBody>
-                  <a:tcPr/>
-                </a:tc>
-                <a:tc>
-                  <a:txBody>
-                    <a:bodyPr/>
-                    <a:lstStyle/>
-                    <a:p>
-                      <a:pPr algn="l"/>
-                      <a:endParaRPr lang="en-US"/>
-                    </a:p>
-                  </a:txBody>
-                  <a:tcPr/>
-                </a:tc>
-                <a:tc>
-                  <a:txBody>
-                    <a:bodyPr/>
-                    <a:lstStyle/>
-                    <a:p>
-                      <a:pPr algn="l"/>
-                      <a:endParaRPr lang="en-US" dirty="0"/>
-                    </a:p>
-                  </a:txBody>
-                  <a:tcPr/>
-                </a:tc>
-                <a:tc>
-                  <a:txBody>
-                    <a:bodyPr/>
-                    <a:lstStyle/>
-                    <a:p>
-                      <a:pPr algn="l"/>
-                      <a:endParaRPr lang="en-US" dirty="0"/>
-                    </a:p>
-                  </a:txBody>
-                  <a:tcPr/>
-                </a:tc>
-              </a:tr>
-            </a:tbl>
-          </a:graphicData>
-        </a:graphic>
-      </p:graphicFrame>
-      <p:graphicFrame>
-        <p:nvGraphicFramePr>
-          <p:cNvPr id="7" name="Table 6"/>
-          <p:cNvGraphicFramePr>
-            <a:graphicFrameLocks noGrp="1"/>
-          </p:cNvGraphicFramePr>
-          <p:nvPr>
-            <p:extLst>
-              <p:ext uri="{D42A27DB-BD31-4B8C-83A1-F6EECF244321}">
-                <p14:modId xmlns:p14="http://schemas.microsoft.com/office/powerpoint/2010/main" val="3668353458"/>
-              </p:ext>
-            </p:extLst>
-          </p:nvPr>
-        </p:nvGraphicFramePr>
-        <p:xfrm>
-          <a:off x="2053771" y="4114296"/>
-          <a:ext cx="8128000" cy="2595880"/>
-        </p:xfrm>
-        <a:graphic>
-          <a:graphicData uri="http://schemas.openxmlformats.org/drawingml/2006/table">
-            <a:tbl>
-              <a:tblPr firstRow="1" bandRow="1">
-                <a:tableStyleId>{5C22544A-7EE6-4342-B048-85BDC9FD1C3A}</a:tableStyleId>
-              </a:tblPr>
-              <a:tblGrid>
-                <a:gridCol w="2032000"/>
-                <a:gridCol w="2032000"/>
-                <a:gridCol w="2032000"/>
-                <a:gridCol w="2032000"/>
-              </a:tblGrid>
-              <a:tr h="370840">
-                <a:tc>
-                  <a:txBody>
-                    <a:bodyPr/>
-                    <a:lstStyle/>
-                    <a:p>
-                      <a:pPr algn="l"/>
-                      <a:endParaRPr lang="en-US" dirty="0"/>
-                    </a:p>
-                  </a:txBody>
-                  <a:tcPr/>
-                </a:tc>
-                <a:tc>
-                  <a:txBody>
-                    <a:bodyPr/>
-                    <a:lstStyle/>
-                    <a:p>
-                      <a:pPr algn="l"/>
-                      <a:r>
-                        <a:rPr lang="en-US" dirty="0" smtClean="0">
-                          <a:solidFill>
-                            <a:srgbClr val="002060"/>
-                          </a:solidFill>
-                        </a:rPr>
-                        <a:t>PRECISION</a:t>
-                      </a:r>
-                      <a:endParaRPr lang="en-US" dirty="0">
-                        <a:solidFill>
-                          <a:srgbClr val="002060"/>
-                        </a:solidFill>
-                      </a:endParaRPr>
-                    </a:p>
-                  </a:txBody>
-                  <a:tcPr/>
-                </a:tc>
-                <a:tc>
-                  <a:txBody>
-                    <a:bodyPr/>
-                    <a:lstStyle/>
-                    <a:p>
-                      <a:pPr algn="l"/>
-                      <a:r>
-                        <a:rPr lang="en-US" dirty="0" smtClean="0">
-                          <a:solidFill>
-                            <a:srgbClr val="002060"/>
-                          </a:solidFill>
-                        </a:rPr>
-                        <a:t>RECALL </a:t>
-                      </a:r>
-                      <a:endParaRPr lang="en-US" dirty="0">
-                        <a:solidFill>
-                          <a:srgbClr val="002060"/>
-                        </a:solidFill>
-                      </a:endParaRPr>
-                    </a:p>
-                  </a:txBody>
-                  <a:tcPr/>
-                </a:tc>
-                <a:tc>
-                  <a:txBody>
-                    <a:bodyPr/>
-                    <a:lstStyle/>
-                    <a:p>
-                      <a:pPr algn="l"/>
-                      <a:r>
-                        <a:rPr lang="en-US" dirty="0" smtClean="0">
-                          <a:solidFill>
-                            <a:srgbClr val="002060"/>
-                          </a:solidFill>
-                        </a:rPr>
-                        <a:t>F-SCORE</a:t>
-                      </a:r>
-                      <a:endParaRPr lang="en-US" dirty="0">
-                        <a:solidFill>
-                          <a:srgbClr val="002060"/>
-                        </a:solidFill>
-                      </a:endParaRPr>
-                    </a:p>
-                  </a:txBody>
-                  <a:tcPr/>
-                </a:tc>
-              </a:tr>
-              <a:tr h="370840">
-                <a:tc>
-                  <a:txBody>
-                    <a:bodyPr/>
-                    <a:lstStyle/>
-                    <a:p>
-                      <a:pPr algn="l"/>
-                      <a:r>
-                        <a:rPr lang="en-US" dirty="0" smtClean="0"/>
-                        <a:t>HAPPY</a:t>
-                      </a:r>
-                    </a:p>
-                  </a:txBody>
-                  <a:tcPr/>
-                </a:tc>
-                <a:tc>
-                  <a:txBody>
-                    <a:bodyPr/>
-                    <a:lstStyle/>
-                    <a:p>
-                      <a:pPr algn="l"/>
-                      <a:endParaRPr lang="en-US" dirty="0"/>
-                    </a:p>
-                  </a:txBody>
-                  <a:tcPr/>
-                </a:tc>
-                <a:tc>
-                  <a:txBody>
-                    <a:bodyPr/>
-                    <a:lstStyle/>
-                    <a:p>
-                      <a:pPr algn="l"/>
-                      <a:endParaRPr lang="en-US" dirty="0"/>
-                    </a:p>
-                  </a:txBody>
-                  <a:tcPr/>
-                </a:tc>
-                <a:tc>
-                  <a:txBody>
-                    <a:bodyPr/>
-                    <a:lstStyle/>
-                    <a:p>
-                      <a:pPr algn="l"/>
-                      <a:endParaRPr lang="en-US"/>
-                    </a:p>
-                  </a:txBody>
-                  <a:tcPr/>
-                </a:tc>
-              </a:tr>
-              <a:tr h="370840">
-                <a:tc>
-                  <a:txBody>
-                    <a:bodyPr/>
-                    <a:lstStyle/>
-                    <a:p>
-                      <a:pPr algn="l"/>
-                      <a:r>
-                        <a:rPr lang="en-US" dirty="0" smtClean="0"/>
-                        <a:t>HEARTBREAK</a:t>
-                      </a:r>
-                      <a:endParaRPr lang="en-US" dirty="0"/>
-                    </a:p>
-                  </a:txBody>
-                  <a:tcPr/>
-                </a:tc>
-                <a:tc>
-                  <a:txBody>
-                    <a:bodyPr/>
-                    <a:lstStyle/>
-                    <a:p>
-                      <a:pPr algn="l"/>
-                      <a:endParaRPr lang="en-US"/>
-                    </a:p>
-                  </a:txBody>
-                  <a:tcPr/>
-                </a:tc>
-                <a:tc>
-                  <a:txBody>
-                    <a:bodyPr/>
-                    <a:lstStyle/>
-                    <a:p>
-                      <a:pPr algn="l"/>
-                      <a:endParaRPr lang="en-US" dirty="0"/>
-                    </a:p>
-                  </a:txBody>
-                  <a:tcPr/>
-                </a:tc>
-                <a:tc>
-                  <a:txBody>
-                    <a:bodyPr/>
-                    <a:lstStyle/>
-                    <a:p>
-                      <a:pPr algn="l"/>
-                      <a:endParaRPr lang="en-US"/>
-                    </a:p>
-                  </a:txBody>
-                  <a:tcPr/>
-                </a:tc>
-              </a:tr>
-              <a:tr h="370840">
-                <a:tc>
-                  <a:txBody>
-                    <a:bodyPr/>
-                    <a:lstStyle/>
-                    <a:p>
-                      <a:pPr algn="l"/>
-                      <a:r>
-                        <a:rPr lang="en-US" dirty="0" smtClean="0"/>
-                        <a:t>PARTY</a:t>
-                      </a:r>
-                    </a:p>
-                  </a:txBody>
-                  <a:tcPr/>
-                </a:tc>
-                <a:tc>
-                  <a:txBody>
-                    <a:bodyPr/>
-                    <a:lstStyle/>
-                    <a:p>
-                      <a:pPr algn="l"/>
-                      <a:endParaRPr lang="en-US"/>
-                    </a:p>
-                  </a:txBody>
-                  <a:tcPr/>
-                </a:tc>
-                <a:tc>
-                  <a:txBody>
-                    <a:bodyPr/>
-                    <a:lstStyle/>
-                    <a:p>
-                      <a:pPr algn="l"/>
-                      <a:endParaRPr lang="en-US"/>
-                    </a:p>
-                  </a:txBody>
-                  <a:tcPr/>
-                </a:tc>
-                <a:tc>
-                  <a:txBody>
-                    <a:bodyPr/>
-                    <a:lstStyle/>
-                    <a:p>
-                      <a:pPr algn="l"/>
-                      <a:endParaRPr lang="en-US"/>
-                    </a:p>
-                  </a:txBody>
-                  <a:tcPr/>
-                </a:tc>
-              </a:tr>
-              <a:tr h="370840">
-                <a:tc>
-                  <a:txBody>
-                    <a:bodyPr/>
-                    <a:lstStyle/>
-                    <a:p>
-                      <a:pPr algn="l"/>
-                      <a:r>
-                        <a:rPr lang="en-US" dirty="0" smtClean="0"/>
-                        <a:t>ROMANTIC</a:t>
-                      </a:r>
-                      <a:endParaRPr lang="en-US" dirty="0"/>
-                    </a:p>
-                  </a:txBody>
-                  <a:tcPr/>
-                </a:tc>
-                <a:tc>
-                  <a:txBody>
-                    <a:bodyPr/>
-                    <a:lstStyle/>
-                    <a:p>
-                      <a:pPr algn="l"/>
-                      <a:endParaRPr lang="en-US"/>
-                    </a:p>
-                  </a:txBody>
-                  <a:tcPr/>
-                </a:tc>
-                <a:tc>
-                  <a:txBody>
-                    <a:bodyPr/>
-                    <a:lstStyle/>
-                    <a:p>
-                      <a:pPr algn="l"/>
-                      <a:endParaRPr lang="en-US"/>
-                    </a:p>
-                  </a:txBody>
-                  <a:tcPr/>
-                </a:tc>
-                <a:tc>
-                  <a:txBody>
-                    <a:bodyPr/>
-                    <a:lstStyle/>
-                    <a:p>
-                      <a:pPr algn="l"/>
-                      <a:endParaRPr lang="en-US"/>
-                    </a:p>
-                  </a:txBody>
-                  <a:tcPr/>
-                </a:tc>
-              </a:tr>
-              <a:tr h="370840">
-                <a:tc>
-                  <a:txBody>
-                    <a:bodyPr/>
-                    <a:lstStyle/>
-                    <a:p>
-                      <a:pPr algn="l"/>
-                      <a:r>
-                        <a:rPr lang="en-US" dirty="0" smtClean="0"/>
-                        <a:t>SAD</a:t>
-                      </a:r>
-                      <a:endParaRPr lang="en-US" dirty="0"/>
-                    </a:p>
-                  </a:txBody>
-                  <a:tcPr/>
-                </a:tc>
-                <a:tc>
-                  <a:txBody>
-                    <a:bodyPr/>
-                    <a:lstStyle/>
-                    <a:p>
-                      <a:pPr algn="l"/>
-                      <a:endParaRPr lang="en-US"/>
-                    </a:p>
-                  </a:txBody>
-                  <a:tcPr/>
-                </a:tc>
-                <a:tc>
-                  <a:txBody>
-                    <a:bodyPr/>
-                    <a:lstStyle/>
-                    <a:p>
-                      <a:pPr algn="l"/>
-                      <a:endParaRPr lang="en-US"/>
-                    </a:p>
-                  </a:txBody>
-                  <a:tcPr/>
-                </a:tc>
-                <a:tc>
-                  <a:txBody>
-                    <a:bodyPr/>
-                    <a:lstStyle/>
-                    <a:p>
-                      <a:pPr algn="l"/>
-                      <a:endParaRPr lang="en-US" dirty="0"/>
-                    </a:p>
-                  </a:txBody>
-                  <a:tcPr/>
-                </a:tc>
-              </a:tr>
-              <a:tr h="370840">
-                <a:tc>
-                  <a:txBody>
-                    <a:bodyPr/>
-                    <a:lstStyle/>
-                    <a:p>
-                      <a:pPr algn="l"/>
-                      <a:r>
-                        <a:rPr lang="en-US" dirty="0" smtClean="0"/>
-                        <a:t>AVERAGE</a:t>
-                      </a:r>
-                      <a:endParaRPr lang="en-US" dirty="0"/>
-                    </a:p>
-                  </a:txBody>
-                  <a:tcPr/>
-                </a:tc>
-                <a:tc>
-                  <a:txBody>
-                    <a:bodyPr/>
-                    <a:lstStyle/>
-                    <a:p>
-                      <a:pPr algn="l"/>
-                      <a:endParaRPr lang="en-US" dirty="0"/>
-                    </a:p>
-                  </a:txBody>
-                  <a:tcPr/>
-                </a:tc>
-                <a:tc>
-                  <a:txBody>
-                    <a:bodyPr/>
-                    <a:lstStyle/>
-                    <a:p>
-                      <a:pPr algn="l"/>
-                      <a:endParaRPr lang="en-US" dirty="0"/>
-                    </a:p>
-                  </a:txBody>
-                  <a:tcPr/>
-                </a:tc>
-                <a:tc>
-                  <a:txBody>
-                    <a:bodyPr/>
-                    <a:lstStyle/>
-                    <a:p>
-                      <a:pPr algn="l"/>
-                      <a:endParaRPr lang="en-US" dirty="0"/>
-                    </a:p>
-                  </a:txBody>
-                  <a:tcPr/>
-                </a:tc>
-              </a:tr>
-            </a:tbl>
-          </a:graphicData>
-        </a:graphic>
-      </p:graphicFrame>
       <p:sp>
         <p:nvSpPr>
           <p:cNvPr id="9" name="TextBox 8"/>
@@ -17304,7 +17504,7 @@
         </p:nvSpPr>
         <p:spPr>
           <a:xfrm>
-            <a:off x="4332514" y="3652631"/>
+            <a:off x="4143828" y="3682449"/>
             <a:ext cx="3947886" cy="461665"/>
           </a:xfrm>
           <a:prstGeom prst="rect">
@@ -17320,10 +17520,77 @@
           <a:p>
             <a:pPr algn="ctr"/>
             <a:r>
-              <a:rPr lang="en-US" sz="2400" dirty="0" smtClean="0"/>
+              <a:rPr lang="en-US" sz="2400" dirty="0"/>
               <a:t>MULTILAYER PERCEPTRON</a:t>
             </a:r>
-            <a:endParaRPr lang="en-US" sz="2400" dirty="0"/>
+          </a:p>
+        </p:txBody>
+      </p:sp>
+      <p:sp>
+        <p:nvSpPr>
+          <p:cNvPr id="2" name="TextBox 1"/>
+          <p:cNvSpPr txBox="1"/>
+          <p:nvPr/>
+        </p:nvSpPr>
+        <p:spPr>
+          <a:xfrm>
+            <a:off x="3756991" y="2097157"/>
+            <a:ext cx="4364540" cy="461665"/>
+          </a:xfrm>
+          <a:prstGeom prst="rect">
+            <a:avLst/>
+          </a:prstGeom>
+          <a:noFill/>
+        </p:spPr>
+        <p:txBody>
+          <a:bodyPr wrap="square" rtlCol="0">
+            <a:spAutoFit/>
+          </a:bodyPr>
+          <a:lstStyle/>
+          <a:p>
+            <a:pPr algn="ctr"/>
+            <a:r>
+              <a:rPr lang="en-US" sz="2400" dirty="0">
+                <a:solidFill>
+                  <a:srgbClr val="FF0000"/>
+                </a:solidFill>
+              </a:rPr>
+              <a:t>In progress</a:t>
+            </a:r>
+          </a:p>
+        </p:txBody>
+      </p:sp>
+      <p:sp>
+        <p:nvSpPr>
+          <p:cNvPr id="8" name="TextBox 7"/>
+          <p:cNvSpPr txBox="1"/>
+          <p:nvPr/>
+        </p:nvSpPr>
+        <p:spPr>
+          <a:xfrm>
+            <a:off x="3771600" y="4476393"/>
+            <a:ext cx="4364540" cy="461665"/>
+          </a:xfrm>
+          <a:prstGeom prst="rect">
+            <a:avLst/>
+          </a:prstGeom>
+          <a:noFill/>
+        </p:spPr>
+        <p:txBody>
+          <a:bodyPr wrap="square" rtlCol="0">
+            <a:spAutoFit/>
+          </a:bodyPr>
+          <a:lstStyle/>
+          <a:p>
+            <a:pPr algn="ctr"/>
+            <a:r>
+              <a:rPr lang="en-US" sz="2400" dirty="0">
+                <a:solidFill>
+                  <a:srgbClr val="FF0000"/>
+                </a:solidFill>
+              </a:rPr>
+              <a:t>In progress</a:t>
+            </a:r>
           </a:p>
         </p:txBody>
       </p:sp>
@@ -17337,17 +17604,10 @@
   <p:clrMapOvr>
     <a:masterClrMapping/>
   </p:clrMapOvr>
-  <p:timing>
-    <p:tnLst>
-      <p:par>
-        <p:cTn id="1" dur="indefinite" restart="never" nodeType="tmRoot"/>
-      </p:par>
-    </p:tnLst>
-  </p:timing>
 </p:sld>
 </file>
 
-<file path=ppt/slides/slide15.xml><?xml version="1.0" encoding="utf-8"?>
+<file path=ppt/slides/slide17.xml><?xml version="1.0" encoding="utf-8"?>
 <p:sld xmlns:a="http://schemas.openxmlformats.org/drawingml/2006/main" xmlns:r="http://schemas.openxmlformats.org/officeDocument/2006/relationships" xmlns:p="http://schemas.openxmlformats.org/presentationml/2006/main">
   <p:cSld>
     <p:spTree>
@@ -17382,18 +17642,13 @@
           <a:lstStyle/>
           <a:p>
             <a:r>
-              <a:rPr lang="en-US" sz="3200" dirty="0" smtClean="0">
+              <a:rPr lang="en-US" sz="3200" dirty="0">
                 <a:solidFill>
                   <a:srgbClr val="002060"/>
                 </a:solidFill>
               </a:rPr>
               <a:t>OBSERVATIONS</a:t>
             </a:r>
-            <a:endParaRPr lang="en-US" sz="3200" dirty="0">
-              <a:solidFill>
-                <a:srgbClr val="002060"/>
-              </a:solidFill>
-            </a:endParaRPr>
           </a:p>
         </p:txBody>
       </p:sp>
@@ -17406,7 +17661,7 @@
           <p:nvPr>
             <p:extLst>
               <p:ext uri="{D42A27DB-BD31-4B8C-83A1-F6EECF244321}">
-                <p14:modId xmlns:p14="http://schemas.microsoft.com/office/powerpoint/2010/main" val="3245078667"/>
+                <p14:modId xmlns:p14="http://schemas.microsoft.com/office/powerpoint/2010/main" val="2772764477"/>
               </p:ext>
             </p:extLst>
           </p:nvPr>
@@ -17422,9 +17677,27 @@
                 <a:tableStyleId>{5C22544A-7EE6-4342-B048-85BDC9FD1C3A}</a:tableStyleId>
               </a:tblPr>
               <a:tblGrid>
-                <a:gridCol w="3502574"/>
-                <a:gridCol w="3502574"/>
-                <a:gridCol w="3502574"/>
+                <a:gridCol w="3502574">
+                  <a:extLst>
+                    <a:ext uri="{9D8B030D-6E8A-4147-A177-3AD203B41FA5}">
+                      <a16:colId xmlns:a16="http://schemas.microsoft.com/office/drawing/2014/main" val="20000"/>
+                    </a:ext>
+                  </a:extLst>
+                </a:gridCol>
+                <a:gridCol w="3502574">
+                  <a:extLst>
+                    <a:ext uri="{9D8B030D-6E8A-4147-A177-3AD203B41FA5}">
+                      <a16:colId xmlns:a16="http://schemas.microsoft.com/office/drawing/2014/main" val="20001"/>
+                    </a:ext>
+                  </a:extLst>
+                </a:gridCol>
+                <a:gridCol w="3502574">
+                  <a:extLst>
+                    <a:ext uri="{9D8B030D-6E8A-4147-A177-3AD203B41FA5}">
+                      <a16:colId xmlns:a16="http://schemas.microsoft.com/office/drawing/2014/main" val="20002"/>
+                    </a:ext>
+                  </a:extLst>
+                </a:gridCol>
               </a:tblGrid>
               <a:tr h="601306">
                 <a:tc>
@@ -17448,15 +17721,15 @@
                     <a:lstStyle/>
                     <a:p>
                       <a:r>
-                        <a:rPr lang="en-US" sz="2000" b="0" dirty="0" smtClean="0">
+                        <a:rPr lang="en-US" sz="2000" b="0" dirty="0">
                           <a:solidFill>
                             <a:srgbClr val="002060"/>
                           </a:solidFill>
                         </a:rPr>
-                        <a:t>Works</a:t>
+                        <a:t>Performs</a:t>
                       </a:r>
                       <a:r>
-                        <a:rPr lang="en-US" sz="2000" b="0" baseline="0" dirty="0" smtClean="0">
+                        <a:rPr lang="en-US" sz="2000" b="0" baseline="0" dirty="0">
                           <a:solidFill>
                             <a:srgbClr val="002060"/>
                           </a:solidFill>
@@ -17478,30 +17751,22 @@
                     <a:lstStyle/>
                     <a:p>
                       <a:r>
-                        <a:rPr lang="en-US" sz="2000" b="0" dirty="0" smtClean="0">
+                        <a:rPr lang="en-US" sz="2000" b="0" dirty="0">
                           <a:solidFill>
                             <a:srgbClr val="002060"/>
                           </a:solidFill>
                         </a:rPr>
-                        <a:t>Works</a:t>
+                        <a:t>Gives poor performance</a:t>
                       </a:r>
-                      <a:r>
-                        <a:rPr lang="en-US" sz="2000" b="0" baseline="0" dirty="0" smtClean="0">
-                          <a:solidFill>
-                            <a:srgbClr val="002060"/>
-                          </a:solidFill>
-                        </a:rPr>
-                        <a:t> worst with</a:t>
-                      </a:r>
-                      <a:endParaRPr lang="en-US" sz="2000" b="0" dirty="0">
-                        <a:solidFill>
-                          <a:srgbClr val="002060"/>
-                        </a:solidFill>
-                      </a:endParaRPr>
                     </a:p>
                   </a:txBody>
                   <a:tcPr/>
                 </a:tc>
+                <a:extLst>
+                  <a:ext uri="{0D108BD9-81ED-4DB2-BD59-A6C34878D82A}">
+                    <a16:rowId xmlns:a16="http://schemas.microsoft.com/office/drawing/2014/main" val="10000"/>
+                  </a:ext>
+                </a:extLst>
               </a:tr>
               <a:tr h="601306">
                 <a:tc>
@@ -17510,18 +17775,13 @@
                     <a:lstStyle/>
                     <a:p>
                       <a:r>
-                        <a:rPr lang="en-US" sz="2000" dirty="0" smtClean="0">
+                        <a:rPr lang="en-US" sz="2000" dirty="0">
                           <a:solidFill>
                             <a:srgbClr val="002060"/>
                           </a:solidFill>
                         </a:rPr>
                         <a:t>Multinomial Naïve Bayes</a:t>
                       </a:r>
-                      <a:endParaRPr lang="en-US" sz="2000" dirty="0">
-                        <a:solidFill>
-                          <a:srgbClr val="002060"/>
-                        </a:solidFill>
-                      </a:endParaRPr>
                     </a:p>
                   </a:txBody>
                   <a:tcPr/>
@@ -17532,7 +17792,7 @@
                     <a:lstStyle/>
                     <a:p>
                       <a:r>
-                        <a:rPr lang="en-US" dirty="0" smtClean="0">
+                        <a:rPr lang="en-US" dirty="0">
                           <a:solidFill>
                             <a:schemeClr val="tx1"/>
                           </a:solidFill>
@@ -17540,7 +17800,7 @@
                         <a:t>Punctuation</a:t>
                       </a:r>
                       <a:r>
-                        <a:rPr lang="en-US" baseline="0" dirty="0" smtClean="0">
+                        <a:rPr lang="en-US" baseline="0" dirty="0">
                           <a:solidFill>
                             <a:schemeClr val="tx1"/>
                           </a:solidFill>
@@ -17562,22 +17822,22 @@
                     <a:lstStyle/>
                     <a:p>
                       <a:r>
-                        <a:rPr lang="en-US" dirty="0" smtClean="0">
+                        <a:rPr lang="en-US" dirty="0">
                           <a:solidFill>
                             <a:schemeClr val="tx1"/>
                           </a:solidFill>
                         </a:rPr>
                         <a:t>Stop words + Bag of words</a:t>
                       </a:r>
-                      <a:endParaRPr lang="en-US" dirty="0">
-                        <a:solidFill>
-                          <a:schemeClr val="tx1"/>
-                        </a:solidFill>
-                      </a:endParaRPr>
                     </a:p>
                   </a:txBody>
                   <a:tcPr/>
                 </a:tc>
+                <a:extLst>
+                  <a:ext uri="{0D108BD9-81ED-4DB2-BD59-A6C34878D82A}">
+                    <a16:rowId xmlns:a16="http://schemas.microsoft.com/office/drawing/2014/main" val="10001"/>
+                  </a:ext>
+                </a:extLst>
               </a:tr>
               <a:tr h="601306">
                 <a:tc>
@@ -17586,18 +17846,13 @@
                     <a:lstStyle/>
                     <a:p>
                       <a:r>
-                        <a:rPr lang="en-US" sz="2000" dirty="0" smtClean="0">
+                        <a:rPr lang="en-US" sz="2000" dirty="0">
                           <a:solidFill>
                             <a:srgbClr val="002060"/>
                           </a:solidFill>
                         </a:rPr>
                         <a:t>Stochastic Gradient Descent</a:t>
                       </a:r>
-                      <a:endParaRPr lang="en-US" sz="2000" dirty="0">
-                        <a:solidFill>
-                          <a:srgbClr val="002060"/>
-                        </a:solidFill>
-                      </a:endParaRPr>
                     </a:p>
                   </a:txBody>
                   <a:tcPr/>
@@ -17608,7 +17863,7 @@
                     <a:lstStyle/>
                     <a:p>
                       <a:r>
-                        <a:rPr lang="en-US" dirty="0" smtClean="0">
+                        <a:rPr lang="en-US" dirty="0">
                           <a:solidFill>
                             <a:schemeClr val="tx1"/>
                           </a:solidFill>
@@ -17616,7 +17871,7 @@
                         <a:t>Stemming +</a:t>
                       </a:r>
                       <a:r>
-                        <a:rPr lang="en-US" baseline="0" dirty="0" smtClean="0">
+                        <a:rPr lang="en-US" baseline="0" dirty="0">
                           <a:solidFill>
                             <a:schemeClr val="tx1"/>
                           </a:solidFill>
@@ -17655,7 +17910,7 @@
                         <a:defRPr/>
                       </a:pPr>
                       <a:r>
-                        <a:rPr lang="en-US" dirty="0" smtClean="0">
+                        <a:rPr lang="en-US" dirty="0">
                           <a:solidFill>
                             <a:schemeClr val="tx1"/>
                           </a:solidFill>
@@ -17673,6 +17928,11 @@
                   </a:txBody>
                   <a:tcPr/>
                 </a:tc>
+                <a:extLst>
+                  <a:ext uri="{0D108BD9-81ED-4DB2-BD59-A6C34878D82A}">
+                    <a16:rowId xmlns:a16="http://schemas.microsoft.com/office/drawing/2014/main" val="10002"/>
+                  </a:ext>
+                </a:extLst>
               </a:tr>
               <a:tr h="601306">
                 <a:tc>
@@ -17681,7 +17941,7 @@
                     <a:lstStyle/>
                     <a:p>
                       <a:r>
-                        <a:rPr lang="en-US" sz="2000" dirty="0" smtClean="0">
+                        <a:rPr lang="en-US" sz="2000" dirty="0">
                           <a:solidFill>
                             <a:srgbClr val="002060"/>
                           </a:solidFill>
@@ -17715,7 +17975,7 @@
                         <a:defRPr/>
                       </a:pPr>
                       <a:r>
-                        <a:rPr lang="en-US" dirty="0" smtClean="0">
+                        <a:rPr lang="en-US" dirty="0">
                           <a:solidFill>
                             <a:schemeClr val="tx1"/>
                           </a:solidFill>
@@ -17756,7 +18016,7 @@
                         <a:defRPr/>
                       </a:pPr>
                       <a:r>
-                        <a:rPr lang="en-US" dirty="0" smtClean="0">
+                        <a:rPr lang="en-US" dirty="0">
                           <a:solidFill>
                             <a:schemeClr val="tx1"/>
                           </a:solidFill>
@@ -17764,14 +18024,14 @@
                         <a:t>Stemming +</a:t>
                       </a:r>
                       <a:r>
-                        <a:rPr lang="en-US" baseline="0" dirty="0" smtClean="0">
+                        <a:rPr lang="en-US" baseline="0" dirty="0">
                           <a:solidFill>
                             <a:schemeClr val="tx1"/>
                           </a:solidFill>
                         </a:rPr>
                         <a:t> Bag of words + Punctuation + Stop words</a:t>
                       </a:r>
-                      <a:endParaRPr lang="en-US" dirty="0" smtClean="0">
+                      <a:endParaRPr lang="en-US" dirty="0">
                         <a:solidFill>
                           <a:schemeClr val="tx1"/>
                         </a:solidFill>
@@ -17780,6 +18040,11 @@
                   </a:txBody>
                   <a:tcPr/>
                 </a:tc>
+                <a:extLst>
+                  <a:ext uri="{0D108BD9-81ED-4DB2-BD59-A6C34878D82A}">
+                    <a16:rowId xmlns:a16="http://schemas.microsoft.com/office/drawing/2014/main" val="10003"/>
+                  </a:ext>
+                </a:extLst>
               </a:tr>
               <a:tr h="601306">
                 <a:tc>
@@ -17788,18 +18053,13 @@
                     <a:lstStyle/>
                     <a:p>
                       <a:r>
-                        <a:rPr lang="en-US" sz="2000" dirty="0" smtClean="0">
+                        <a:rPr lang="en-US" sz="2000" dirty="0">
                           <a:solidFill>
                             <a:srgbClr val="002060"/>
                           </a:solidFill>
                         </a:rPr>
                         <a:t>Adaptive Boosting</a:t>
                       </a:r>
-                      <a:endParaRPr lang="en-US" sz="2000" dirty="0">
-                        <a:solidFill>
-                          <a:srgbClr val="002060"/>
-                        </a:solidFill>
-                      </a:endParaRPr>
                     </a:p>
                   </a:txBody>
                   <a:tcPr/>
@@ -17827,7 +18087,7 @@
                         <a:defRPr/>
                       </a:pPr>
                       <a:r>
-                        <a:rPr lang="en-US" dirty="0" smtClean="0">
+                        <a:rPr lang="en-US" dirty="0">
                           <a:solidFill>
                             <a:schemeClr val="tx1"/>
                           </a:solidFill>
@@ -17835,92 +18095,12 @@
                         <a:t>Punctuation</a:t>
                       </a:r>
                       <a:r>
-                        <a:rPr lang="en-US" baseline="0" dirty="0" smtClean="0">
+                        <a:rPr lang="en-US" baseline="0" dirty="0">
                           <a:solidFill>
                             <a:schemeClr val="tx1"/>
                           </a:solidFill>
                         </a:rPr>
                         <a:t> + Bag of Words</a:t>
-                      </a:r>
-                      <a:endParaRPr lang="en-US" dirty="0" smtClean="0">
-                        <a:solidFill>
-                          <a:schemeClr val="tx1"/>
-                        </a:solidFill>
-                      </a:endParaRPr>
-                    </a:p>
-                  </a:txBody>
-                  <a:tcPr/>
-                </a:tc>
-                <a:tc>
-                  <a:txBody>
-                    <a:bodyPr/>
-                    <a:lstStyle/>
-                    <a:p>
-                      <a:pPr marL="0" marR="0" lvl="0" indent="0" algn="l" defTabSz="457200" rtl="0" eaLnBrk="1" fontAlgn="auto" latinLnBrk="0" hangingPunct="1">
-                        <a:lnSpc>
-                          <a:spcPct val="100000"/>
-                        </a:lnSpc>
-                        <a:spcBef>
-                          <a:spcPts val="0"/>
-                        </a:spcBef>
-                        <a:spcAft>
-                          <a:spcPts val="0"/>
-                        </a:spcAft>
-                        <a:buClrTx/>
-                        <a:buSzTx/>
-                        <a:buFontTx/>
-                        <a:buNone/>
-                        <a:tabLst/>
-                        <a:defRPr/>
-                      </a:pPr>
-                      <a:r>
-                        <a:rPr lang="en-US" dirty="0" smtClean="0">
-                          <a:solidFill>
-                            <a:schemeClr val="tx1"/>
-                          </a:solidFill>
-                        </a:rPr>
-                        <a:t>Stop words + Bag of words</a:t>
-                      </a:r>
-                    </a:p>
-                  </a:txBody>
-                  <a:tcPr/>
-                </a:tc>
-              </a:tr>
-              <a:tr h="601306">
-                <a:tc>
-                  <a:txBody>
-                    <a:bodyPr/>
-                    <a:lstStyle/>
-                    <a:p>
-                      <a:r>
-                        <a:rPr lang="en-US" sz="2000" dirty="0" smtClean="0">
-                          <a:solidFill>
-                            <a:srgbClr val="002060"/>
-                          </a:solidFill>
-                        </a:rPr>
-                        <a:t>k-NN</a:t>
-                      </a:r>
-                      <a:endParaRPr lang="en-US" sz="2000" dirty="0">
-                        <a:solidFill>
-                          <a:srgbClr val="002060"/>
-                        </a:solidFill>
-                      </a:endParaRPr>
-                    </a:p>
-                  </a:txBody>
-                  <a:tcPr/>
-                </a:tc>
-                <a:tc>
-                  <a:txBody>
-                    <a:bodyPr/>
-                    <a:lstStyle/>
-                    <a:p>
-                      <a:r>
-                        <a:rPr lang="en-US" dirty="0" smtClean="0">
-                          <a:solidFill>
-                            <a:schemeClr val="tx1"/>
-                          </a:solidFill>
-                        </a:rPr>
-                        <a:t>All features together</a:t>
                       </a:r>
                       <a:endParaRPr lang="en-US" dirty="0">
                         <a:solidFill>
@@ -17954,30 +18134,22 @@
                         <a:defRPr/>
                       </a:pPr>
                       <a:r>
-                        <a:rPr lang="en-US" dirty="0" smtClean="0">
+                        <a:rPr lang="en-US" dirty="0">
                           <a:solidFill>
                             <a:schemeClr val="tx1"/>
                           </a:solidFill>
                         </a:rPr>
-                        <a:t>Punctuation</a:t>
+                        <a:t>Stop words + Bag of words</a:t>
                       </a:r>
-                      <a:r>
-                        <a:rPr lang="en-US" baseline="0" dirty="0" smtClean="0">
-                          <a:solidFill>
-                            <a:schemeClr val="tx1"/>
-                          </a:solidFill>
-                        </a:rPr>
-                        <a:t> + Bag of Words</a:t>
-                      </a:r>
-                      <a:endParaRPr lang="en-US" dirty="0" smtClean="0">
-                        <a:solidFill>
-                          <a:schemeClr val="tx1"/>
-                        </a:solidFill>
-                      </a:endParaRPr>
                     </a:p>
                   </a:txBody>
                   <a:tcPr/>
                 </a:tc>
+                <a:extLst>
+                  <a:ext uri="{0D108BD9-81ED-4DB2-BD59-A6C34878D82A}">
+                    <a16:rowId xmlns:a16="http://schemas.microsoft.com/office/drawing/2014/main" val="10004"/>
+                  </a:ext>
+                </a:extLst>
               </a:tr>
               <a:tr h="601306">
                 <a:tc>
@@ -17986,18 +18158,13 @@
                     <a:lstStyle/>
                     <a:p>
                       <a:r>
-                        <a:rPr lang="en-US" sz="2000" dirty="0" smtClean="0">
+                        <a:rPr lang="en-US" sz="2000" dirty="0">
                           <a:solidFill>
                             <a:srgbClr val="002060"/>
                           </a:solidFill>
                         </a:rPr>
-                        <a:t>SVM</a:t>
+                        <a:t>k-NN</a:t>
                       </a:r>
-                      <a:endParaRPr lang="en-US" sz="2000" dirty="0">
-                        <a:solidFill>
-                          <a:srgbClr val="002060"/>
-                        </a:solidFill>
-                      </a:endParaRPr>
                     </a:p>
                   </a:txBody>
                   <a:tcPr/>
@@ -18008,102 +18175,13 @@
                     <a:lstStyle/>
                     <a:p>
                       <a:r>
-                        <a:rPr lang="en-US" dirty="0" smtClean="0">
+                        <a:rPr lang="en-US" dirty="0">
                           <a:solidFill>
                             <a:schemeClr val="tx1"/>
                           </a:solidFill>
                         </a:rPr>
                         <a:t>All features together</a:t>
                       </a:r>
-                      <a:endParaRPr lang="en-US" dirty="0">
-                        <a:solidFill>
-                          <a:schemeClr val="tx1"/>
-                        </a:solidFill>
-                      </a:endParaRPr>
-                    </a:p>
-                  </a:txBody>
-                  <a:tcPr/>
-                </a:tc>
-                <a:tc>
-                  <a:txBody>
-                    <a:bodyPr/>
-                    <a:lstStyle/>
-                    <a:p>
-                      <a:r>
-                        <a:rPr lang="en-US" dirty="0" smtClean="0">
-                          <a:solidFill>
-                            <a:schemeClr val="tx1"/>
-                          </a:solidFill>
-                        </a:rPr>
-                        <a:t>Bag</a:t>
-                      </a:r>
-                      <a:r>
-                        <a:rPr lang="en-US" baseline="0" dirty="0" smtClean="0">
-                          <a:solidFill>
-                            <a:schemeClr val="tx1"/>
-                          </a:solidFill>
-                        </a:rPr>
-                        <a:t> of Words</a:t>
-                      </a:r>
-                      <a:endParaRPr lang="en-US" dirty="0">
-                        <a:solidFill>
-                          <a:schemeClr val="tx1"/>
-                        </a:solidFill>
-                      </a:endParaRPr>
-                    </a:p>
-                  </a:txBody>
-                  <a:tcPr/>
-                </a:tc>
-              </a:tr>
-              <a:tr h="601306">
-                <a:tc>
-                  <a:txBody>
-                    <a:bodyPr/>
-                    <a:lstStyle/>
-                    <a:p>
-                      <a:r>
-                        <a:rPr lang="en-US" sz="2000" dirty="0" smtClean="0">
-                          <a:solidFill>
-                            <a:srgbClr val="002060"/>
-                          </a:solidFill>
-                        </a:rPr>
-                        <a:t>Multilayer</a:t>
-                      </a:r>
-                      <a:r>
-                        <a:rPr lang="en-US" sz="2000" baseline="0" dirty="0" smtClean="0">
-                          <a:solidFill>
-                            <a:srgbClr val="002060"/>
-                          </a:solidFill>
-                        </a:rPr>
-                        <a:t> Perceptron</a:t>
-                      </a:r>
-                      <a:endParaRPr lang="en-US" sz="2000" dirty="0">
-                        <a:solidFill>
-                          <a:srgbClr val="002060"/>
-                        </a:solidFill>
-                      </a:endParaRPr>
-                    </a:p>
-                  </a:txBody>
-                  <a:tcPr/>
-                </a:tc>
-                <a:tc>
-                  <a:txBody>
-                    <a:bodyPr/>
-                    <a:lstStyle/>
-                    <a:p>
-                      <a:r>
-                        <a:rPr lang="en-US" dirty="0" smtClean="0">
-                          <a:solidFill>
-                            <a:schemeClr val="tx1"/>
-                          </a:solidFill>
-                        </a:rPr>
-                        <a:t>Punctuation + Bag of Words</a:t>
-                      </a:r>
-                      <a:endParaRPr lang="en-US" dirty="0">
-                        <a:solidFill>
-                          <a:schemeClr val="tx1"/>
-                        </a:solidFill>
-                      </a:endParaRPr>
                     </a:p>
                   </a:txBody>
                   <a:tcPr/>
@@ -18131,22 +18209,22 @@
                         <a:defRPr/>
                       </a:pPr>
                       <a:r>
-                        <a:rPr lang="en-US" dirty="0" smtClean="0">
+                        <a:rPr lang="en-US" dirty="0">
                           <a:solidFill>
                             <a:schemeClr val="tx1"/>
                           </a:solidFill>
                         </a:rPr>
-                        <a:t>Stemming +</a:t>
+                        <a:t>Punctuation</a:t>
                       </a:r>
                       <a:r>
-                        <a:rPr lang="en-US" baseline="0" dirty="0" smtClean="0">
+                        <a:rPr lang="en-US" baseline="0" dirty="0">
                           <a:solidFill>
                             <a:schemeClr val="tx1"/>
                           </a:solidFill>
                         </a:rPr>
-                        <a:t> Bag of words + Punctuation + Stop words</a:t>
+                        <a:t> + Bag of Words</a:t>
                       </a:r>
-                      <a:endParaRPr lang="en-US" dirty="0" smtClean="0">
+                      <a:endParaRPr lang="en-US" dirty="0">
                         <a:solidFill>
                           <a:schemeClr val="tx1"/>
                         </a:solidFill>
@@ -18155,6 +18233,183 @@
                   </a:txBody>
                   <a:tcPr/>
                 </a:tc>
+                <a:extLst>
+                  <a:ext uri="{0D108BD9-81ED-4DB2-BD59-A6C34878D82A}">
+                    <a16:rowId xmlns:a16="http://schemas.microsoft.com/office/drawing/2014/main" val="10005"/>
+                  </a:ext>
+                </a:extLst>
+              </a:tr>
+              <a:tr h="601306">
+                <a:tc>
+                  <a:txBody>
+                    <a:bodyPr/>
+                    <a:lstStyle/>
+                    <a:p>
+                      <a:r>
+                        <a:rPr lang="en-US" sz="2000" dirty="0">
+                          <a:solidFill>
+                            <a:srgbClr val="002060"/>
+                          </a:solidFill>
+                        </a:rPr>
+                        <a:t>SVM</a:t>
+                      </a:r>
+                    </a:p>
+                  </a:txBody>
+                  <a:tcPr/>
+                </a:tc>
+                <a:tc>
+                  <a:txBody>
+                    <a:bodyPr/>
+                    <a:lstStyle/>
+                    <a:p>
+                      <a:r>
+                        <a:rPr lang="en-US" dirty="0">
+                          <a:solidFill>
+                            <a:schemeClr val="tx1"/>
+                          </a:solidFill>
+                        </a:rPr>
+                        <a:t>All features together</a:t>
+                      </a:r>
+                    </a:p>
+                  </a:txBody>
+                  <a:tcPr/>
+                </a:tc>
+                <a:tc>
+                  <a:txBody>
+                    <a:bodyPr/>
+                    <a:lstStyle/>
+                    <a:p>
+                      <a:r>
+                        <a:rPr lang="en-US" dirty="0">
+                          <a:solidFill>
+                            <a:schemeClr val="tx1"/>
+                          </a:solidFill>
+                        </a:rPr>
+                        <a:t>Bag</a:t>
+                      </a:r>
+                      <a:r>
+                        <a:rPr lang="en-US" baseline="0" dirty="0">
+                          <a:solidFill>
+                            <a:schemeClr val="tx1"/>
+                          </a:solidFill>
+                        </a:rPr>
+                        <a:t> of Words</a:t>
+                      </a:r>
+                      <a:endParaRPr lang="en-US" dirty="0">
+                        <a:solidFill>
+                          <a:schemeClr val="tx1"/>
+                        </a:solidFill>
+                      </a:endParaRPr>
+                    </a:p>
+                  </a:txBody>
+                  <a:tcPr/>
+                </a:tc>
+                <a:extLst>
+                  <a:ext uri="{0D108BD9-81ED-4DB2-BD59-A6C34878D82A}">
+                    <a16:rowId xmlns:a16="http://schemas.microsoft.com/office/drawing/2014/main" val="10006"/>
+                  </a:ext>
+                </a:extLst>
+              </a:tr>
+              <a:tr h="601306">
+                <a:tc>
+                  <a:txBody>
+                    <a:bodyPr/>
+                    <a:lstStyle/>
+                    <a:p>
+                      <a:r>
+                        <a:rPr lang="en-US" sz="2000" dirty="0">
+                          <a:solidFill>
+                            <a:srgbClr val="002060"/>
+                          </a:solidFill>
+                        </a:rPr>
+                        <a:t>Multilayer</a:t>
+                      </a:r>
+                      <a:r>
+                        <a:rPr lang="en-US" sz="2000" baseline="0" dirty="0">
+                          <a:solidFill>
+                            <a:srgbClr val="002060"/>
+                          </a:solidFill>
+                        </a:rPr>
+                        <a:t> Perceptron</a:t>
+                      </a:r>
+                      <a:endParaRPr lang="en-US" sz="2000" dirty="0">
+                        <a:solidFill>
+                          <a:srgbClr val="002060"/>
+                        </a:solidFill>
+                      </a:endParaRPr>
+                    </a:p>
+                  </a:txBody>
+                  <a:tcPr/>
+                </a:tc>
+                <a:tc>
+                  <a:txBody>
+                    <a:bodyPr/>
+                    <a:lstStyle/>
+                    <a:p>
+                      <a:r>
+                        <a:rPr lang="en-US" dirty="0">
+                          <a:solidFill>
+                            <a:schemeClr val="tx1"/>
+                          </a:solidFill>
+                        </a:rPr>
+                        <a:t>Punctuation + Bag of Words</a:t>
+                      </a:r>
+                    </a:p>
+                  </a:txBody>
+                  <a:tcPr/>
+                </a:tc>
+                <a:tc>
+                  <a:txBody>
+                    <a:bodyPr/>
+                    <a:lstStyle/>
+                    <a:p>
+                      <a:pPr marL="0" marR="0" lvl="0" indent="0" algn="l" defTabSz="457200" rtl="0" eaLnBrk="1" fontAlgn="auto" latinLnBrk="0" hangingPunct="1">
+                        <a:lnSpc>
+                          <a:spcPct val="100000"/>
+                        </a:lnSpc>
+                        <a:spcBef>
+                          <a:spcPts val="0"/>
+                        </a:spcBef>
+                        <a:spcAft>
+                          <a:spcPts val="0"/>
+                        </a:spcAft>
+                        <a:buClrTx/>
+                        <a:buSzTx/>
+                        <a:buFontTx/>
+                        <a:buNone/>
+                        <a:tabLst/>
+                        <a:defRPr/>
+                      </a:pPr>
+                      <a:r>
+                        <a:rPr lang="en-US" dirty="0">
+                          <a:solidFill>
+                            <a:schemeClr val="tx1"/>
+                          </a:solidFill>
+                        </a:rPr>
+                        <a:t>Stemming +</a:t>
+                      </a:r>
+                      <a:r>
+                        <a:rPr lang="en-US" baseline="0" dirty="0">
+                          <a:solidFill>
+                            <a:schemeClr val="tx1"/>
+                          </a:solidFill>
+                        </a:rPr>
+                        <a:t> Bag of words + Punctuation + Stop words</a:t>
+                      </a:r>
+                      <a:endParaRPr lang="en-US" dirty="0">
+                        <a:solidFill>
+                          <a:schemeClr val="tx1"/>
+                        </a:solidFill>
+                      </a:endParaRPr>
+                    </a:p>
+                  </a:txBody>
+                  <a:tcPr/>
+                </a:tc>
+                <a:extLst>
+                  <a:ext uri="{0D108BD9-81ED-4DB2-BD59-A6C34878D82A}">
+                    <a16:rowId xmlns:a16="http://schemas.microsoft.com/office/drawing/2014/main" val="10007"/>
+                  </a:ext>
+                </a:extLst>
               </a:tr>
             </a:tbl>
           </a:graphicData>
@@ -18170,17 +18425,176 @@
   <p:clrMapOvr>
     <a:masterClrMapping/>
   </p:clrMapOvr>
-  <p:timing>
-    <p:tnLst>
-      <p:par>
-        <p:cTn id="1" dur="indefinite" restart="never" nodeType="tmRoot"/>
-      </p:par>
-    </p:tnLst>
-  </p:timing>
 </p:sld>
 </file>
 
-<file path=ppt/slides/slide16.xml><?xml version="1.0" encoding="utf-8"?>
+<file path=ppt/slides/slide18.xml><?xml version="1.0" encoding="utf-8"?>
+<p:sld xmlns:a="http://schemas.openxmlformats.org/drawingml/2006/main" xmlns:r="http://schemas.openxmlformats.org/officeDocument/2006/relationships" xmlns:p="http://schemas.openxmlformats.org/presentationml/2006/main">
+  <p:cSld>
+    <p:spTree>
+      <p:nvGrpSpPr>
+        <p:cNvPr id="1" name=""/>
+        <p:cNvGrpSpPr/>
+        <p:nvPr/>
+      </p:nvGrpSpPr>
+      <p:grpSpPr>
+        <a:xfrm>
+          <a:off x="0" y="0"/>
+          <a:ext cx="0" cy="0"/>
+          <a:chOff x="0" y="0"/>
+          <a:chExt cx="0" cy="0"/>
+        </a:xfrm>
+      </p:grpSpPr>
+      <p:sp>
+        <p:nvSpPr>
+          <p:cNvPr id="3" name="Content Placeholder 2"/>
+          <p:cNvSpPr>
+            <a:spLocks noGrp="1"/>
+          </p:cNvSpPr>
+          <p:nvPr>
+            <p:ph idx="1"/>
+          </p:nvPr>
+        </p:nvSpPr>
+        <p:spPr>
+          <a:xfrm>
+            <a:off x="581192" y="2180495"/>
+            <a:ext cx="11029615" cy="4453985"/>
+          </a:xfrm>
+        </p:spPr>
+        <p:txBody>
+          <a:bodyPr>
+            <a:normAutofit/>
+          </a:bodyPr>
+          <a:lstStyle/>
+          <a:p>
+            <a:r>
+              <a:rPr lang="en-US" sz="2400" dirty="0"/>
+              <a:t>Tuning parameters for </a:t>
+            </a:r>
+            <a:r>
+              <a:rPr lang="en-US" sz="2400" b="1" dirty="0"/>
+              <a:t>SVM and Multi-Layer Perceptron</a:t>
+            </a:r>
+            <a:r>
+              <a:rPr lang="en-US" sz="2400" dirty="0"/>
+              <a:t>, for better classification</a:t>
+            </a:r>
+          </a:p>
+          <a:p>
+            <a:pPr marL="0" indent="0">
+              <a:buNone/>
+            </a:pPr>
+            <a:endParaRPr lang="en-US" sz="2400" dirty="0"/>
+          </a:p>
+          <a:p>
+            <a:r>
+              <a:rPr lang="en-US" sz="2400" dirty="0"/>
+              <a:t>Trying </a:t>
+            </a:r>
+            <a:r>
+              <a:rPr lang="en-US" sz="2400" b="1" dirty="0"/>
+              <a:t>Bernoulli RBM and RNN </a:t>
+            </a:r>
+            <a:r>
+              <a:rPr lang="en-US" sz="2400" dirty="0"/>
+              <a:t>on the same data set</a:t>
+            </a:r>
+          </a:p>
+          <a:p>
+            <a:pPr marL="0" indent="0">
+              <a:buNone/>
+            </a:pPr>
+            <a:endParaRPr lang="en-US" sz="2400" dirty="0"/>
+          </a:p>
+          <a:p>
+            <a:r>
+              <a:rPr lang="en-US" sz="2400" dirty="0"/>
+              <a:t>Using ALL attributes of songs – using </a:t>
+            </a:r>
+            <a:r>
+              <a:rPr lang="en-US" sz="2400" b="1" dirty="0"/>
+              <a:t>PCA</a:t>
+            </a:r>
+            <a:r>
+              <a:rPr lang="en-US" sz="2400" dirty="0"/>
+              <a:t> for better feature extraction</a:t>
+            </a:r>
+          </a:p>
+          <a:p>
+            <a:pPr marL="0" indent="0">
+              <a:buNone/>
+            </a:pPr>
+            <a:endParaRPr lang="en-US" sz="2400" dirty="0"/>
+          </a:p>
+          <a:p>
+            <a:r>
+              <a:rPr lang="en-US" sz="2400" dirty="0"/>
+              <a:t>Using </a:t>
+            </a:r>
+            <a:r>
+              <a:rPr lang="en-US" sz="2400" b="1" dirty="0"/>
+              <a:t>Information Gain</a:t>
+            </a:r>
+            <a:r>
+              <a:rPr lang="en-US" sz="2400" dirty="0"/>
+              <a:t> as a new feature</a:t>
+            </a:r>
+          </a:p>
+          <a:p>
+            <a:endParaRPr lang="en-US" sz="2400" dirty="0"/>
+          </a:p>
+          <a:p>
+            <a:endParaRPr lang="en-US" sz="2400" dirty="0"/>
+          </a:p>
+        </p:txBody>
+      </p:sp>
+      <p:sp>
+        <p:nvSpPr>
+          <p:cNvPr id="4" name="Title 1"/>
+          <p:cNvSpPr>
+            <a:spLocks noGrp="1"/>
+          </p:cNvSpPr>
+          <p:nvPr>
+            <p:ph type="title"/>
+          </p:nvPr>
+        </p:nvSpPr>
+        <p:spPr>
+          <a:xfrm>
+            <a:off x="581192" y="702156"/>
+            <a:ext cx="11029616" cy="1013800"/>
+          </a:xfrm>
+        </p:spPr>
+        <p:txBody>
+          <a:bodyPr>
+            <a:normAutofit/>
+          </a:bodyPr>
+          <a:lstStyle/>
+          <a:p>
+            <a:r>
+              <a:rPr lang="en-US" sz="3200" dirty="0">
+                <a:solidFill>
+                  <a:srgbClr val="002060"/>
+                </a:solidFill>
+              </a:rPr>
+              <a:t>Work in Progress</a:t>
+            </a:r>
+          </a:p>
+        </p:txBody>
+      </p:sp>
+    </p:spTree>
+    <p:extLst>
+      <p:ext uri="{BB962C8B-B14F-4D97-AF65-F5344CB8AC3E}">
+        <p14:creationId xmlns:p14="http://schemas.microsoft.com/office/powerpoint/2010/main" val="2412315800"/>
+      </p:ext>
+    </p:extLst>
+  </p:cSld>
+  <p:clrMapOvr>
+    <a:masterClrMapping/>
+  </p:clrMapOvr>
+</p:sld>
+</file>
+
+<file path=ppt/slides/slide19.xml><?xml version="1.0" encoding="utf-8"?>
 <p:sld xmlns:a="http://schemas.openxmlformats.org/drawingml/2006/main" xmlns:r="http://schemas.openxmlformats.org/officeDocument/2006/relationships" xmlns:p="http://schemas.openxmlformats.org/presentationml/2006/main">
   <p:cSld>
     <p:spTree>
@@ -18220,10 +18634,9 @@
           <a:lstStyle/>
           <a:p>
             <a:r>
-              <a:rPr lang="en-US" sz="6000" b="1" dirty="0" smtClean="0"/>
+              <a:rPr lang="en-US" sz="6000" b="1" dirty="0"/>
               <a:t>THANK YOU </a:t>
             </a:r>
-            <a:endParaRPr lang="en-US" sz="6000" b="1" dirty="0"/>
           </a:p>
         </p:txBody>
       </p:sp>
@@ -18237,13 +18650,6 @@
   <p:clrMapOvr>
     <a:masterClrMapping/>
   </p:clrMapOvr>
-  <p:timing>
-    <p:tnLst>
-      <p:par>
-        <p:cTn id="1" dur="indefinite" restart="never" nodeType="tmRoot"/>
-      </p:par>
-    </p:tnLst>
-  </p:timing>
 </p:sld>
 </file>
 
@@ -18282,18 +18688,13 @@
           <a:lstStyle/>
           <a:p>
             <a:r>
-              <a:rPr lang="en-US" sz="3200" dirty="0" smtClean="0">
+              <a:rPr lang="en-US" sz="3200" dirty="0">
                 <a:solidFill>
                   <a:srgbClr val="002060"/>
                 </a:solidFill>
               </a:rPr>
               <a:t>GOAL</a:t>
             </a:r>
-            <a:endParaRPr lang="en-US" sz="3200" dirty="0">
-              <a:solidFill>
-                <a:srgbClr val="002060"/>
-              </a:solidFill>
-            </a:endParaRPr>
           </a:p>
         </p:txBody>
       </p:sp>
@@ -18320,16 +18721,12 @@
           <a:lstStyle/>
           <a:p>
             <a:r>
-              <a:rPr lang="en-US" sz="2000" dirty="0" smtClean="0">
+              <a:rPr lang="en-US" sz="2000" dirty="0">
                 <a:latin typeface="Calibri" panose="020F0502020204030204" pitchFamily="34" charset="0"/>
                 <a:cs typeface="Calibri" panose="020F0502020204030204" pitchFamily="34" charset="0"/>
               </a:rPr>
               <a:t>Sentimental analysis on lyrics of songs to better understand the polarity and moods using NLP techniques and algorithms.</a:t>
             </a:r>
-            <a:endParaRPr lang="en-US" sz="2000" dirty="0">
-              <a:latin typeface="Calibri" panose="020F0502020204030204" pitchFamily="34" charset="0"/>
-              <a:cs typeface="Calibri" panose="020F0502020204030204" pitchFamily="34" charset="0"/>
-            </a:endParaRPr>
           </a:p>
         </p:txBody>
       </p:sp>
@@ -18356,10 +18753,9 @@
           <a:lstStyle/>
           <a:p>
             <a:r>
-              <a:rPr lang="en-US" sz="2400" dirty="0" smtClean="0"/>
+              <a:rPr lang="en-US" sz="2400" dirty="0"/>
               <a:t>DATASET USED</a:t>
             </a:r>
-            <a:endParaRPr lang="en-US" sz="2400" dirty="0"/>
           </a:p>
         </p:txBody>
       </p:sp>
@@ -18390,99 +18786,32 @@
               <a:buChar char="-"/>
             </a:pPr>
             <a:r>
-              <a:rPr lang="en-US" sz="2000" dirty="0" smtClean="0">
+              <a:rPr lang="en-US" sz="2000" dirty="0">
                 <a:latin typeface="Calibri" panose="020F0502020204030204" pitchFamily="34" charset="0"/>
                 <a:cs typeface="Calibri" panose="020F0502020204030204" pitchFamily="34" charset="0"/>
               </a:rPr>
-              <a:t>50 </a:t>
+              <a:t>50 years of pop music</a:t>
             </a:r>
+          </a:p>
+          <a:p>
+            <a:pPr marL="228600" indent="-228600" fontAlgn="base"/>
             <a:r>
               <a:rPr lang="en-US" sz="2000" dirty="0">
                 <a:latin typeface="Calibri" panose="020F0502020204030204" pitchFamily="34" charset="0"/>
                 <a:cs typeface="Calibri" panose="020F0502020204030204" pitchFamily="34" charset="0"/>
               </a:rPr>
-              <a:t>years </a:t>
+              <a:t>-   Adaption of crawled data using R on the Billboard Year-End Hot 100 (1965-2015) as  one dataset for text analysis</a:t>
             </a:r>
-            <a:r>
-              <a:rPr lang="en-US" sz="2000" dirty="0" smtClean="0">
-                <a:latin typeface="Calibri" panose="020F0502020204030204" pitchFamily="34" charset="0"/>
-                <a:cs typeface="Calibri" panose="020F0502020204030204" pitchFamily="34" charset="0"/>
-              </a:rPr>
-              <a:t>of pop music</a:t>
-            </a:r>
-          </a:p>
-          <a:p>
-            <a:pPr marL="228600" indent="-228600" fontAlgn="base"/>
-            <a:r>
-              <a:rPr lang="en-US" sz="2000" dirty="0" smtClean="0">
-                <a:latin typeface="Calibri" panose="020F0502020204030204" pitchFamily="34" charset="0"/>
-                <a:cs typeface="Calibri" panose="020F0502020204030204" pitchFamily="34" charset="0"/>
-              </a:rPr>
-              <a:t>-   Adaption </a:t>
-            </a:r>
+          </a:p>
+          <a:p>
+            <a:pPr fontAlgn="base"/>
             <a:r>
               <a:rPr lang="en-US" sz="2000" dirty="0">
                 <a:latin typeface="Calibri" panose="020F0502020204030204" pitchFamily="34" charset="0"/>
                 <a:cs typeface="Calibri" panose="020F0502020204030204" pitchFamily="34" charset="0"/>
               </a:rPr>
-              <a:t>of crawled data </a:t>
+              <a:t>-   Manually generated mood label by the team on this dataset used as ground truth</a:t>
             </a:r>
-            <a:r>
-              <a:rPr lang="en-US" sz="2000" dirty="0" smtClean="0">
-                <a:latin typeface="Calibri" panose="020F0502020204030204" pitchFamily="34" charset="0"/>
-                <a:cs typeface="Calibri" panose="020F0502020204030204" pitchFamily="34" charset="0"/>
-              </a:rPr>
-              <a:t>using R </a:t>
-            </a:r>
-            <a:r>
-              <a:rPr lang="en-US" sz="2000" dirty="0">
-                <a:latin typeface="Calibri" panose="020F0502020204030204" pitchFamily="34" charset="0"/>
-                <a:cs typeface="Calibri" panose="020F0502020204030204" pitchFamily="34" charset="0"/>
-              </a:rPr>
-              <a:t>on the Billboard Year-End </a:t>
-            </a:r>
-            <a:r>
-              <a:rPr lang="en-US" sz="2000" dirty="0" smtClean="0">
-                <a:latin typeface="Calibri" panose="020F0502020204030204" pitchFamily="34" charset="0"/>
-                <a:cs typeface="Calibri" panose="020F0502020204030204" pitchFamily="34" charset="0"/>
-              </a:rPr>
-              <a:t>Hot 100 </a:t>
-            </a:r>
-            <a:r>
-              <a:rPr lang="en-US" sz="2000" dirty="0">
-                <a:latin typeface="Calibri" panose="020F0502020204030204" pitchFamily="34" charset="0"/>
-                <a:cs typeface="Calibri" panose="020F0502020204030204" pitchFamily="34" charset="0"/>
-              </a:rPr>
-              <a:t>(1965-2015) as  one dataset for text analysis</a:t>
-            </a:r>
-          </a:p>
-          <a:p>
-            <a:pPr fontAlgn="base"/>
-            <a:r>
-              <a:rPr lang="en-US" sz="2000" dirty="0" smtClean="0">
-                <a:latin typeface="Calibri" panose="020F0502020204030204" pitchFamily="34" charset="0"/>
-                <a:cs typeface="Calibri" panose="020F0502020204030204" pitchFamily="34" charset="0"/>
-              </a:rPr>
-              <a:t>-   Manually generated mood </a:t>
-            </a:r>
-            <a:r>
-              <a:rPr lang="en-US" sz="2000" dirty="0">
-                <a:latin typeface="Calibri" panose="020F0502020204030204" pitchFamily="34" charset="0"/>
-                <a:cs typeface="Calibri" panose="020F0502020204030204" pitchFamily="34" charset="0"/>
-              </a:rPr>
-              <a:t>label by the team on </a:t>
-            </a:r>
-            <a:r>
-              <a:rPr lang="en-US" sz="2000" dirty="0" smtClean="0">
-                <a:latin typeface="Calibri" panose="020F0502020204030204" pitchFamily="34" charset="0"/>
-                <a:cs typeface="Calibri" panose="020F0502020204030204" pitchFamily="34" charset="0"/>
-              </a:rPr>
-              <a:t>this dataset used as ground truth</a:t>
-            </a:r>
-            <a:endParaRPr lang="en-US" sz="2000" dirty="0">
-              <a:latin typeface="Calibri" panose="020F0502020204030204" pitchFamily="34" charset="0"/>
-              <a:cs typeface="Calibri" panose="020F0502020204030204" pitchFamily="34" charset="0"/>
-            </a:endParaRPr>
           </a:p>
           <a:p>
             <a:pPr marL="285750" indent="-285750">
@@ -18529,13 +18858,6 @@
   <p:clrMapOvr>
     <a:masterClrMapping/>
   </p:clrMapOvr>
-  <p:timing>
-    <p:tnLst>
-      <p:par>
-        <p:cTn id="1" dur="indefinite" restart="never" nodeType="tmRoot"/>
-      </p:par>
-    </p:tnLst>
-  </p:timing>
 </p:sld>
 </file>
 
@@ -18579,18 +18901,13 @@
           <a:lstStyle/>
           <a:p>
             <a:r>
-              <a:rPr lang="en-US" sz="3200" dirty="0" smtClean="0">
+              <a:rPr lang="en-US" sz="3200" dirty="0">
                 <a:solidFill>
                   <a:srgbClr val="0070C0"/>
                 </a:solidFill>
               </a:rPr>
               <a:t>MOODS</a:t>
             </a:r>
-            <a:endParaRPr lang="en-US" sz="3200" dirty="0">
-              <a:solidFill>
-                <a:srgbClr val="0070C0"/>
-              </a:solidFill>
-            </a:endParaRPr>
           </a:p>
         </p:txBody>
       </p:sp>
@@ -18616,11 +18933,11 @@
           </a:bodyPr>
           <a:lstStyle/>
           <a:p>
-            <a:endParaRPr lang="en-US" dirty="0" smtClean="0"/>
+            <a:endParaRPr lang="en-US" dirty="0"/>
           </a:p>
           <a:p>
             <a:r>
-              <a:rPr lang="en-US" sz="3200" dirty="0" smtClean="0">
+              <a:rPr lang="en-US" sz="3200" dirty="0">
                 <a:solidFill>
                   <a:srgbClr val="0070C0"/>
                 </a:solidFill>
@@ -18628,12 +18945,6 @@
               </a:rPr>
               <a:t>POLARITY</a:t>
             </a:r>
-            <a:endParaRPr lang="en-US" sz="3200" dirty="0">
-              <a:solidFill>
-                <a:srgbClr val="0070C0"/>
-              </a:solidFill>
-              <a:latin typeface="+mj-lt"/>
-            </a:endParaRPr>
           </a:p>
         </p:txBody>
       </p:sp>
@@ -18660,10 +18971,9 @@
           <a:lstStyle/>
           <a:p>
             <a:r>
-              <a:rPr lang="en-US" sz="3200" dirty="0" smtClean="0"/>
+              <a:rPr lang="en-US" sz="3200" dirty="0"/>
               <a:t>Happy</a:t>
             </a:r>
-            <a:endParaRPr lang="en-US" sz="3200" dirty="0"/>
           </a:p>
         </p:txBody>
       </p:sp>
@@ -18690,10 +19000,9 @@
           <a:lstStyle/>
           <a:p>
             <a:r>
-              <a:rPr lang="en-US" sz="3200" dirty="0" smtClean="0"/>
+              <a:rPr lang="en-US" sz="3200" dirty="0"/>
               <a:t>Sad</a:t>
             </a:r>
-            <a:endParaRPr lang="en-US" sz="3200" dirty="0"/>
           </a:p>
         </p:txBody>
       </p:sp>
@@ -18720,10 +19029,9 @@
           <a:lstStyle/>
           <a:p>
             <a:r>
-              <a:rPr lang="en-US" sz="3200" dirty="0" smtClean="0"/>
+              <a:rPr lang="en-US" sz="3200" dirty="0"/>
               <a:t>Romantic</a:t>
             </a:r>
-            <a:endParaRPr lang="en-US" sz="3200" dirty="0"/>
           </a:p>
         </p:txBody>
       </p:sp>
@@ -18750,10 +19058,9 @@
           <a:lstStyle/>
           <a:p>
             <a:r>
-              <a:rPr lang="en-US" sz="3200" dirty="0" smtClean="0"/>
+              <a:rPr lang="en-US" sz="3200" dirty="0"/>
               <a:t>Heartbreak</a:t>
             </a:r>
-            <a:endParaRPr lang="en-US" sz="3200" dirty="0"/>
           </a:p>
         </p:txBody>
       </p:sp>
@@ -18780,10 +19087,9 @@
           <a:lstStyle/>
           <a:p>
             <a:r>
-              <a:rPr lang="en-US" sz="3200" dirty="0" smtClean="0"/>
+              <a:rPr lang="en-US" sz="3200" dirty="0"/>
               <a:t>Party</a:t>
             </a:r>
-            <a:endParaRPr lang="en-US" sz="3200" dirty="0"/>
           </a:p>
         </p:txBody>
       </p:sp>
@@ -18810,10 +19116,9 @@
           <a:lstStyle/>
           <a:p>
             <a:r>
-              <a:rPr lang="en-US" sz="3200" dirty="0" smtClean="0"/>
+              <a:rPr lang="en-US" sz="3200" dirty="0"/>
               <a:t>Positive</a:t>
             </a:r>
-            <a:endParaRPr lang="en-US" sz="3200" dirty="0"/>
           </a:p>
         </p:txBody>
       </p:sp>
@@ -18840,10 +19145,9 @@
           <a:lstStyle/>
           <a:p>
             <a:r>
-              <a:rPr lang="en-US" sz="3200" dirty="0" smtClean="0"/>
+              <a:rPr lang="en-US" sz="3200" dirty="0"/>
               <a:t>Negative</a:t>
             </a:r>
-            <a:endParaRPr lang="en-US" sz="3200" dirty="0"/>
           </a:p>
         </p:txBody>
       </p:sp>
@@ -19025,17 +19329,320 @@
   <p:clrMapOvr>
     <a:masterClrMapping/>
   </p:clrMapOvr>
-  <p:timing>
-    <p:tnLst>
-      <p:par>
-        <p:cTn id="1" dur="indefinite" restart="never" nodeType="tmRoot"/>
-      </p:par>
-    </p:tnLst>
-  </p:timing>
 </p:sld>
 </file>
 
 <file path=ppt/slides/slide4.xml><?xml version="1.0" encoding="utf-8"?>
+<p:sld xmlns:a="http://schemas.openxmlformats.org/drawingml/2006/main" xmlns:r="http://schemas.openxmlformats.org/officeDocument/2006/relationships" xmlns:p="http://schemas.openxmlformats.org/presentationml/2006/main">
+  <p:cSld>
+    <p:spTree>
+      <p:nvGrpSpPr>
+        <p:cNvPr id="1" name=""/>
+        <p:cNvGrpSpPr/>
+        <p:nvPr/>
+      </p:nvGrpSpPr>
+      <p:grpSpPr>
+        <a:xfrm>
+          <a:off x="0" y="0"/>
+          <a:ext cx="0" cy="0"/>
+          <a:chOff x="0" y="0"/>
+          <a:chExt cx="0" cy="0"/>
+        </a:xfrm>
+      </p:grpSpPr>
+      <p:sp>
+        <p:nvSpPr>
+          <p:cNvPr id="3" name="Content Placeholder 2"/>
+          <p:cNvSpPr>
+            <a:spLocks noGrp="1"/>
+          </p:cNvSpPr>
+          <p:nvPr>
+            <p:ph idx="1"/>
+          </p:nvPr>
+        </p:nvSpPr>
+        <p:spPr>
+          <a:xfrm>
+            <a:off x="581192" y="2180495"/>
+            <a:ext cx="11029615" cy="4453985"/>
+          </a:xfrm>
+        </p:spPr>
+        <p:txBody>
+          <a:bodyPr>
+            <a:normAutofit/>
+          </a:bodyPr>
+          <a:lstStyle/>
+          <a:p>
+            <a:r>
+              <a:rPr lang="en-US" sz="2400" dirty="0"/>
+              <a:t>Structured lyrics </a:t>
+            </a:r>
+            <a:r>
+              <a:rPr lang="en-US" sz="2400" b="1" dirty="0"/>
+              <a:t>not available online</a:t>
+            </a:r>
+            <a:r>
+              <a:rPr lang="en-US" sz="2400" dirty="0"/>
+              <a:t> – used R code to obtain lyrics</a:t>
+            </a:r>
+          </a:p>
+          <a:p>
+            <a:pPr marL="0" indent="0">
+              <a:buNone/>
+            </a:pPr>
+            <a:endParaRPr lang="en-US" sz="2400" dirty="0"/>
+          </a:p>
+          <a:p>
+            <a:r>
+              <a:rPr lang="en-US" sz="2400" dirty="0"/>
+              <a:t>Mood </a:t>
+            </a:r>
+            <a:r>
+              <a:rPr lang="en-US" sz="2400" b="1" dirty="0"/>
+              <a:t>labels added manually </a:t>
+            </a:r>
+            <a:r>
+              <a:rPr lang="en-US" sz="2400" dirty="0"/>
+              <a:t>– to minimize label noise and maximize objectivity</a:t>
+            </a:r>
+          </a:p>
+          <a:p>
+            <a:pPr marL="0" indent="0">
+              <a:buNone/>
+            </a:pPr>
+            <a:endParaRPr lang="en-US" sz="2400" dirty="0"/>
+          </a:p>
+          <a:p>
+            <a:r>
+              <a:rPr lang="en-US" sz="2400" dirty="0"/>
+              <a:t>Lyrics contained words joined together – needed to separate them manually:</a:t>
+            </a:r>
+          </a:p>
+          <a:p>
+            <a:pPr marL="0" indent="0">
+              <a:buNone/>
+            </a:pPr>
+            <a:r>
+              <a:rPr lang="en-US" sz="2400" dirty="0"/>
+              <a:t>	 – Lyrics not </a:t>
+            </a:r>
+            <a:r>
+              <a:rPr lang="en-US" sz="2400" b="1" dirty="0"/>
+              <a:t>fully legitimate English </a:t>
+            </a:r>
+            <a:r>
+              <a:rPr lang="en-US" sz="2400" dirty="0"/>
+              <a:t>words; can’t use in-built English libraries</a:t>
+            </a:r>
+          </a:p>
+          <a:p>
+            <a:pPr marL="0" indent="0">
+              <a:buNone/>
+            </a:pPr>
+            <a:r>
+              <a:rPr lang="en-US" sz="2400" dirty="0"/>
+              <a:t>	 – Without separated words, many key tokens got associated with </a:t>
+            </a:r>
+            <a:r>
+              <a:rPr lang="en-US" sz="2400" b="1" dirty="0"/>
+              <a:t>low weights</a:t>
+            </a:r>
+          </a:p>
+          <a:p>
+            <a:pPr>
+              <a:buFont typeface="Wingdings" panose="05000000000000000000" pitchFamily="2" charset="2"/>
+              <a:buChar char="§"/>
+            </a:pPr>
+            <a:r>
+              <a:rPr lang="en-US" sz="2400" b="1" dirty="0"/>
+              <a:t>Skewed </a:t>
+            </a:r>
+            <a:r>
+              <a:rPr lang="en-US" sz="2400" dirty="0"/>
+              <a:t>song ratio – more ‘Romantic’ and ‘Heartbreak’ songs!</a:t>
+            </a:r>
+          </a:p>
+          <a:p>
+            <a:endParaRPr lang="en-US" sz="2400" dirty="0"/>
+          </a:p>
+          <a:p>
+            <a:endParaRPr lang="en-US" sz="2400" dirty="0"/>
+          </a:p>
+        </p:txBody>
+      </p:sp>
+      <p:sp>
+        <p:nvSpPr>
+          <p:cNvPr id="4" name="Title 1"/>
+          <p:cNvSpPr>
+            <a:spLocks noGrp="1"/>
+          </p:cNvSpPr>
+          <p:nvPr>
+            <p:ph type="title"/>
+          </p:nvPr>
+        </p:nvSpPr>
+        <p:spPr>
+          <a:xfrm>
+            <a:off x="581192" y="702156"/>
+            <a:ext cx="11029616" cy="1013800"/>
+          </a:xfrm>
+        </p:spPr>
+        <p:txBody>
+          <a:bodyPr>
+            <a:normAutofit/>
+          </a:bodyPr>
+          <a:lstStyle/>
+          <a:p>
+            <a:r>
+              <a:rPr lang="en-US" sz="3200" dirty="0">
+                <a:solidFill>
+                  <a:srgbClr val="002060"/>
+                </a:solidFill>
+              </a:rPr>
+              <a:t>OBSTACLES FACED</a:t>
+            </a:r>
+          </a:p>
+        </p:txBody>
+      </p:sp>
+    </p:spTree>
+    <p:extLst>
+      <p:ext uri="{BB962C8B-B14F-4D97-AF65-F5344CB8AC3E}">
+        <p14:creationId xmlns:p14="http://schemas.microsoft.com/office/powerpoint/2010/main" val="2699814474"/>
+      </p:ext>
+    </p:extLst>
+  </p:cSld>
+  <p:clrMapOvr>
+    <a:masterClrMapping/>
+  </p:clrMapOvr>
+</p:sld>
+</file>
+
+<file path=ppt/slides/slide5.xml><?xml version="1.0" encoding="utf-8"?>
+<p:sld xmlns:a="http://schemas.openxmlformats.org/drawingml/2006/main" xmlns:r="http://schemas.openxmlformats.org/officeDocument/2006/relationships" xmlns:p="http://schemas.openxmlformats.org/presentationml/2006/main">
+  <p:cSld>
+    <p:spTree>
+      <p:nvGrpSpPr>
+        <p:cNvPr id="1" name=""/>
+        <p:cNvGrpSpPr/>
+        <p:nvPr/>
+      </p:nvGrpSpPr>
+      <p:grpSpPr>
+        <a:xfrm>
+          <a:off x="0" y="0"/>
+          <a:ext cx="0" cy="0"/>
+          <a:chOff x="0" y="0"/>
+          <a:chExt cx="0" cy="0"/>
+        </a:xfrm>
+      </p:grpSpPr>
+      <p:sp>
+        <p:nvSpPr>
+          <p:cNvPr id="3" name="Content Placeholder 2"/>
+          <p:cNvSpPr>
+            <a:spLocks noGrp="1"/>
+          </p:cNvSpPr>
+          <p:nvPr>
+            <p:ph idx="1"/>
+          </p:nvPr>
+        </p:nvSpPr>
+        <p:spPr>
+          <a:xfrm>
+            <a:off x="581192" y="2180495"/>
+            <a:ext cx="11029615" cy="4488661"/>
+          </a:xfrm>
+        </p:spPr>
+        <p:txBody>
+          <a:bodyPr>
+            <a:normAutofit/>
+          </a:bodyPr>
+          <a:lstStyle/>
+          <a:p>
+            <a:r>
+              <a:rPr lang="en-US" sz="2800" dirty="0"/>
+              <a:t>Increased data quantity</a:t>
+            </a:r>
+          </a:p>
+          <a:p>
+            <a:pPr marL="0" indent="0">
+              <a:buNone/>
+            </a:pPr>
+            <a:endParaRPr lang="en-US" sz="2800" dirty="0"/>
+          </a:p>
+          <a:p>
+            <a:r>
+              <a:rPr lang="en-US" sz="2800" dirty="0"/>
+              <a:t>Improved quality by manual annotations and separating words</a:t>
+            </a:r>
+          </a:p>
+          <a:p>
+            <a:pPr marL="0" indent="0">
+              <a:buNone/>
+            </a:pPr>
+            <a:endParaRPr lang="en-US" sz="2800" dirty="0"/>
+          </a:p>
+          <a:p>
+            <a:r>
+              <a:rPr lang="en-US" sz="2800" dirty="0"/>
+              <a:t>Tuning parameters for different algorithms</a:t>
+            </a:r>
+          </a:p>
+          <a:p>
+            <a:pPr marL="0" indent="0">
+              <a:buNone/>
+            </a:pPr>
+            <a:endParaRPr lang="en-US" sz="2800" dirty="0"/>
+          </a:p>
+          <a:p>
+            <a:r>
+              <a:rPr lang="en-US" sz="2800" dirty="0"/>
+              <a:t>Maintaining class balance</a:t>
+            </a:r>
+          </a:p>
+        </p:txBody>
+      </p:sp>
+      <p:sp>
+        <p:nvSpPr>
+          <p:cNvPr id="4" name="Title 1"/>
+          <p:cNvSpPr>
+            <a:spLocks noGrp="1"/>
+          </p:cNvSpPr>
+          <p:nvPr>
+            <p:ph type="title"/>
+          </p:nvPr>
+        </p:nvSpPr>
+        <p:spPr>
+          <a:xfrm>
+            <a:off x="581192" y="702156"/>
+            <a:ext cx="11029616" cy="1013800"/>
+          </a:xfrm>
+        </p:spPr>
+        <p:txBody>
+          <a:bodyPr>
+            <a:normAutofit/>
+          </a:bodyPr>
+          <a:lstStyle/>
+          <a:p>
+            <a:r>
+              <a:rPr lang="en-US" sz="3200" dirty="0">
+                <a:solidFill>
+                  <a:srgbClr val="002060"/>
+                </a:solidFill>
+              </a:rPr>
+              <a:t>CIRCUMVENTING OBSTACLES</a:t>
+            </a:r>
+          </a:p>
+        </p:txBody>
+      </p:sp>
+    </p:spTree>
+    <p:extLst>
+      <p:ext uri="{BB962C8B-B14F-4D97-AF65-F5344CB8AC3E}">
+        <p14:creationId xmlns:p14="http://schemas.microsoft.com/office/powerpoint/2010/main" val="3186560864"/>
+      </p:ext>
+    </p:extLst>
+  </p:cSld>
+  <p:clrMapOvr>
+    <a:masterClrMapping/>
+  </p:clrMapOvr>
+</p:sld>
+</file>
+
+<file path=ppt/slides/slide6.xml><?xml version="1.0" encoding="utf-8"?>
 <p:sld xmlns:a="http://schemas.openxmlformats.org/drawingml/2006/main" xmlns:r="http://schemas.openxmlformats.org/officeDocument/2006/relationships" xmlns:p="http://schemas.openxmlformats.org/presentationml/2006/main">
   <p:cSld>
     <p:spTree>
@@ -19087,17 +19694,10 @@
   <p:clrMapOvr>
     <a:masterClrMapping/>
   </p:clrMapOvr>
-  <p:timing>
-    <p:tnLst>
-      <p:par>
-        <p:cTn id="1" dur="indefinite" restart="never" nodeType="tmRoot"/>
-      </p:par>
-    </p:tnLst>
-  </p:timing>
 </p:sld>
 </file>
 
-<file path=ppt/slides/slide5.xml><?xml version="1.0" encoding="utf-8"?>
+<file path=ppt/slides/slide7.xml><?xml version="1.0" encoding="utf-8"?>
 <p:sld xmlns:a="http://schemas.openxmlformats.org/drawingml/2006/main" xmlns:r="http://schemas.openxmlformats.org/officeDocument/2006/relationships" xmlns:p="http://schemas.openxmlformats.org/presentationml/2006/main">
   <p:cSld>
     <p:spTree>
@@ -19167,17 +19767,10 @@
   <p:clrMapOvr>
     <a:masterClrMapping/>
   </p:clrMapOvr>
-  <p:timing>
-    <p:tnLst>
-      <p:par>
-        <p:cTn id="1" dur="indefinite" restart="never" nodeType="tmRoot"/>
-      </p:par>
-    </p:tnLst>
-  </p:timing>
 </p:sld>
 </file>
 
-<file path=ppt/slides/slide6.xml><?xml version="1.0" encoding="utf-8"?>
+<file path=ppt/slides/slide8.xml><?xml version="1.0" encoding="utf-8"?>
 <p:sld xmlns:a="http://schemas.openxmlformats.org/drawingml/2006/main" xmlns:r="http://schemas.openxmlformats.org/officeDocument/2006/relationships" xmlns:p="http://schemas.openxmlformats.org/presentationml/2006/main">
   <p:cSld>
     <p:spTree>
@@ -19212,18 +19805,13 @@
           <a:lstStyle/>
           <a:p>
             <a:r>
-              <a:rPr lang="en-US" sz="3200" dirty="0" smtClean="0">
+              <a:rPr lang="en-US" sz="3200" dirty="0">
                 <a:solidFill>
                   <a:srgbClr val="002060"/>
                 </a:solidFill>
               </a:rPr>
               <a:t>Additional PREPROCESSING STEPS</a:t>
             </a:r>
-            <a:endParaRPr lang="en-US" sz="3200" dirty="0">
-              <a:solidFill>
-                <a:srgbClr val="002060"/>
-              </a:solidFill>
-            </a:endParaRPr>
           </a:p>
         </p:txBody>
       </p:sp>
@@ -19237,7 +19825,7 @@
             <p:ph idx="1"/>
             <p:extLst>
               <p:ext uri="{D42A27DB-BD31-4B8C-83A1-F6EECF244321}">
-                <p14:modId xmlns:p14="http://schemas.microsoft.com/office/powerpoint/2010/main" val="3884699729"/>
+                <p14:modId xmlns:p14="http://schemas.microsoft.com/office/powerpoint/2010/main" val="3745970828"/>
               </p:ext>
             </p:extLst>
           </p:nvPr>
@@ -19262,17 +19850,10 @@
   <p:clrMapOvr>
     <a:masterClrMapping/>
   </p:clrMapOvr>
-  <p:timing>
-    <p:tnLst>
-      <p:par>
-        <p:cTn id="1" dur="indefinite" restart="never" nodeType="tmRoot"/>
-      </p:par>
-    </p:tnLst>
-  </p:timing>
 </p:sld>
 </file>
 
-<file path=ppt/slides/slide7.xml><?xml version="1.0" encoding="utf-8"?>
+<file path=ppt/slides/slide9.xml><?xml version="1.0" encoding="utf-8"?>
 <p:sld xmlns:a="http://schemas.openxmlformats.org/drawingml/2006/main" xmlns:r="http://schemas.openxmlformats.org/officeDocument/2006/relationships" xmlns:p="http://schemas.openxmlformats.org/presentationml/2006/main">
   <p:cSld>
     <p:spTree>
@@ -19301,7 +19882,7 @@
         </p:nvSpPr>
         <p:spPr>
           <a:xfrm>
-            <a:off x="465077" y="121584"/>
+            <a:off x="335870" y="230914"/>
             <a:ext cx="11029616" cy="1013800"/>
           </a:xfrm>
         </p:spPr>
@@ -19312,18 +19893,13 @@
           <a:lstStyle/>
           <a:p>
             <a:r>
-              <a:rPr lang="en-US" sz="3200" dirty="0" smtClean="0">
+              <a:rPr lang="en-US" sz="3200" dirty="0">
                 <a:solidFill>
                   <a:srgbClr val="002060"/>
                 </a:solidFill>
               </a:rPr>
               <a:t>MULTINOMIAL NAÏVE BAYES - </a:t>
             </a:r>
-            <a:endParaRPr lang="en-US" sz="3200" dirty="0">
-              <a:solidFill>
-                <a:srgbClr val="002060"/>
-              </a:solidFill>
-            </a:endParaRPr>
           </a:p>
         </p:txBody>
       </p:sp>
@@ -19361,7 +19937,7 @@
         </p:nvSpPr>
         <p:spPr>
           <a:xfrm>
-            <a:off x="580571" y="1135384"/>
+            <a:off x="451364" y="1592582"/>
             <a:ext cx="11132458" cy="1200329"/>
           </a:xfrm>
           <a:prstGeom prst="rect">
@@ -19381,15 +19957,7 @@
             </a:pPr>
             <a:r>
               <a:rPr lang="en-US" sz="2400" dirty="0"/>
-              <a:t> </a:t>
-            </a:r>
-            <a:r>
-              <a:rPr lang="en-US" sz="2400" dirty="0" smtClean="0"/>
-              <a:t>Implements </a:t>
-            </a:r>
-            <a:r>
-              <a:rPr lang="en-US" sz="2400" dirty="0"/>
-              <a:t>the naive Bayes algorithm for </a:t>
+              <a:t> Implements the naive Bayes algorithm for </a:t>
             </a:r>
             <a:r>
               <a:rPr lang="en-US" sz="2400" dirty="0" err="1"/>
@@ -19397,11 +19965,7 @@
             </a:r>
             <a:r>
               <a:rPr lang="en-US" sz="2400" dirty="0"/>
-              <a:t> distributed </a:t>
-            </a:r>
-            <a:r>
-              <a:rPr lang="en-US" sz="2400" dirty="0" smtClean="0"/>
-              <a:t>data</a:t>
+              <a:t> distributed data</a:t>
             </a:r>
           </a:p>
           <a:p>
@@ -19410,16 +19974,8 @@
               <a:buChar char="-"/>
             </a:pPr>
             <a:r>
-              <a:rPr lang="en-US" sz="2400" dirty="0" smtClean="0"/>
-              <a:t> Data </a:t>
-            </a:r>
-            <a:r>
               <a:rPr lang="en-US" sz="2400" dirty="0"/>
-              <a:t>typically represented as word vector </a:t>
-            </a:r>
-            <a:r>
-              <a:rPr lang="en-US" sz="2400" dirty="0" smtClean="0"/>
-              <a:t>counts</a:t>
+              <a:t> Data typically represented as word vector counts</a:t>
             </a:r>
           </a:p>
           <a:p>
@@ -19428,31 +19984,31 @@
               <a:buChar char="-"/>
             </a:pPr>
             <a:r>
-              <a:rPr lang="en-US" sz="2400" dirty="0" smtClean="0"/>
+              <a:rPr lang="en-US" sz="2400" dirty="0"/>
               <a:t>Given a multinomial (p</a:t>
             </a:r>
             <a:r>
-              <a:rPr lang="en-US" sz="1600" dirty="0" smtClean="0"/>
+              <a:rPr lang="en-US" sz="1600" dirty="0"/>
               <a:t>1</a:t>
             </a:r>
             <a:r>
-              <a:rPr lang="en-US" sz="2400" dirty="0" smtClean="0"/>
+              <a:rPr lang="en-US" sz="2400" dirty="0"/>
               <a:t>,….,</a:t>
             </a:r>
             <a:r>
-              <a:rPr lang="en-US" sz="2400" dirty="0" err="1" smtClean="0"/>
+              <a:rPr lang="en-US" sz="2400" dirty="0" err="1"/>
               <a:t>p</a:t>
             </a:r>
             <a:r>
-              <a:rPr lang="en-US" sz="2000" dirty="0" err="1" smtClean="0"/>
+              <a:rPr lang="en-US" sz="2000" dirty="0" err="1"/>
               <a:t>n</a:t>
             </a:r>
             <a:r>
-              <a:rPr lang="en-US" sz="2400" dirty="0" smtClean="0"/>
+              <a:rPr lang="en-US" sz="2400" dirty="0"/>
               <a:t>), </a:t>
             </a:r>
             <a:r>
-              <a:rPr lang="en-US" sz="2400" dirty="0" err="1" smtClean="0"/>
+              <a:rPr lang="en-US" sz="2400" dirty="0" err="1"/>
               <a:t>p</a:t>
             </a:r>
             <a:r>
@@ -19460,10 +20016,9 @@
               <a:t>x</a:t>
             </a:r>
             <a:r>
-              <a:rPr lang="en-US" sz="2400" dirty="0" smtClean="0"/>
+              <a:rPr lang="en-US" sz="2400" dirty="0"/>
               <a:t> represents the probability that event x occurs. </a:t>
             </a:r>
-            <a:endParaRPr lang="en-US" sz="2400" dirty="0"/>
           </a:p>
         </p:txBody>
       </p:sp>
@@ -19477,7 +20032,7 @@
         </p:nvSpPr>
         <p:spPr>
           <a:xfrm>
-            <a:off x="465077" y="2046514"/>
+            <a:off x="465077" y="3030492"/>
             <a:ext cx="11029616" cy="1013800"/>
           </a:xfrm>
           <a:prstGeom prst="rect">
@@ -19561,111 +20116,55 @@
             </a:lvl9pPr>
           </a:lstStyle>
           <a:p>
-            <a:r>
-              <a:rPr lang="en-US" dirty="0" smtClean="0"/>
-              <a:t/>
-            </a:r>
             <a:br>
-              <a:rPr lang="en-US" dirty="0" smtClean="0"/>
+              <a:rPr lang="en-US" dirty="0"/>
+            </a:br>
+            <a:br>
+              <a:rPr lang="en-US" dirty="0"/>
+            </a:br>
+            <a:br>
+              <a:rPr lang="en-US" dirty="0"/>
+            </a:br>
+            <a:br>
+              <a:rPr lang="en-US" dirty="0"/>
+            </a:br>
+            <a:br>
+              <a:rPr lang="en-US" dirty="0"/>
+            </a:br>
+            <a:br>
+              <a:rPr lang="en-US" dirty="0"/>
+            </a:br>
+            <a:br>
+              <a:rPr lang="en-US" dirty="0"/>
+            </a:br>
+            <a:br>
+              <a:rPr lang="en-US" dirty="0"/>
+            </a:br>
+            <a:br>
+              <a:rPr lang="en-US" dirty="0"/>
+            </a:br>
+            <a:br>
+              <a:rPr lang="en-US" dirty="0"/>
+            </a:br>
+            <a:br>
+              <a:rPr lang="en-US" dirty="0"/>
+            </a:br>
+            <a:br>
+              <a:rPr lang="en-US" dirty="0"/>
+            </a:br>
+            <a:br>
+              <a:rPr lang="en-US" sz="12800" dirty="0"/>
             </a:br>
             <a:r>
-              <a:rPr lang="en-US" dirty="0" smtClean="0"/>
-              <a:t/>
-            </a:r>
-            <a:br>
-              <a:rPr lang="en-US" dirty="0" smtClean="0"/>
-            </a:br>
-            <a:r>
-              <a:rPr lang="en-US" dirty="0" smtClean="0"/>
-              <a:t/>
-            </a:r>
-            <a:br>
-              <a:rPr lang="en-US" dirty="0" smtClean="0"/>
-            </a:br>
-            <a:r>
-              <a:rPr lang="en-US" dirty="0" smtClean="0"/>
-              <a:t/>
-            </a:r>
-            <a:br>
-              <a:rPr lang="en-US" dirty="0" smtClean="0"/>
-            </a:br>
-            <a:r>
-              <a:rPr lang="en-US" dirty="0" smtClean="0"/>
-              <a:t/>
-            </a:r>
-            <a:br>
-              <a:rPr lang="en-US" dirty="0" smtClean="0"/>
-            </a:br>
-            <a:r>
-              <a:rPr lang="en-US" dirty="0" smtClean="0"/>
-              <a:t/>
-            </a:r>
-            <a:br>
-              <a:rPr lang="en-US" dirty="0" smtClean="0"/>
-            </a:br>
-            <a:r>
-              <a:rPr lang="en-US" dirty="0" smtClean="0"/>
-              <a:t/>
-            </a:r>
-            <a:br>
-              <a:rPr lang="en-US" dirty="0" smtClean="0"/>
-            </a:br>
-            <a:r>
-              <a:rPr lang="en-US" dirty="0" smtClean="0"/>
-              <a:t/>
-            </a:r>
-            <a:br>
-              <a:rPr lang="en-US" dirty="0" smtClean="0"/>
-            </a:br>
-            <a:r>
-              <a:rPr lang="en-US" dirty="0" smtClean="0"/>
-              <a:t/>
-            </a:r>
-            <a:br>
-              <a:rPr lang="en-US" dirty="0" smtClean="0"/>
-            </a:br>
-            <a:r>
-              <a:rPr lang="en-US" dirty="0" smtClean="0"/>
-              <a:t/>
-            </a:r>
-            <a:br>
-              <a:rPr lang="en-US" dirty="0" smtClean="0"/>
-            </a:br>
-            <a:r>
-              <a:rPr lang="en-US" dirty="0" smtClean="0"/>
-              <a:t/>
-            </a:r>
-            <a:br>
-              <a:rPr lang="en-US" dirty="0" smtClean="0"/>
-            </a:br>
-            <a:r>
-              <a:rPr lang="en-US" dirty="0" smtClean="0"/>
-              <a:t/>
-            </a:r>
-            <a:br>
-              <a:rPr lang="en-US" dirty="0" smtClean="0"/>
-            </a:br>
-            <a:r>
-              <a:rPr lang="en-US" sz="12800" dirty="0" smtClean="0"/>
-              <a:t/>
-            </a:r>
-            <a:br>
-              <a:rPr lang="en-US" sz="12800" dirty="0" smtClean="0"/>
-            </a:br>
-            <a:r>
-              <a:rPr lang="en-US" sz="12800" dirty="0" smtClean="0">
+              <a:rPr lang="en-US" sz="12800" dirty="0">
                 <a:solidFill>
                   <a:srgbClr val="002060"/>
                 </a:solidFill>
               </a:rPr>
               <a:t>Stochastic Gradient Descent</a:t>
             </a:r>
-            <a:r>
-              <a:rPr lang="en-US" dirty="0" smtClean="0"/>
-              <a:t/>
-            </a:r>
             <a:br>
-              <a:rPr lang="en-US" dirty="0" smtClean="0"/>
+              <a:rPr lang="en-US" dirty="0"/>
             </a:br>
             <a:endParaRPr lang="en-US" dirty="0"/>
           </a:p>
@@ -19679,7 +20178,7 @@
         </p:nvSpPr>
         <p:spPr>
           <a:xfrm>
-            <a:off x="465077" y="3060314"/>
+            <a:off x="465077" y="4044292"/>
             <a:ext cx="9869094" cy="2308324"/>
           </a:xfrm>
           <a:prstGeom prst="rect">
@@ -19694,92 +20193,28 @@
           <a:lstStyle/>
           <a:p>
             <a:r>
-              <a:rPr lang="en-US" sz="2400" dirty="0" smtClean="0"/>
-              <a:t>  -   SGD </a:t>
+              <a:rPr lang="en-US" sz="2400" dirty="0"/>
+              <a:t>  -   SGD tries to find minimums or maximums by iteration</a:t>
             </a:r>
+          </a:p>
+          <a:p>
             <a:r>
               <a:rPr lang="en-US" sz="2400" dirty="0"/>
-              <a:t>tries to find minimums or maximums by </a:t>
-            </a:r>
-            <a:r>
-              <a:rPr lang="en-US" sz="2400" dirty="0" smtClean="0"/>
-              <a:t>iteration</a:t>
-            </a:r>
-          </a:p>
-          <a:p>
-            <a:r>
-              <a:rPr lang="en-US" sz="2400" dirty="0"/>
-              <a:t>  </a:t>
-            </a:r>
-            <a:r>
-              <a:rPr lang="en-US" sz="2400" dirty="0" smtClean="0"/>
-              <a:t>-   Iterative</a:t>
-            </a:r>
-            <a:r>
-              <a:rPr lang="en-US" sz="2400" dirty="0"/>
-              <a:t> optimization </a:t>
-            </a:r>
-            <a:r>
-              <a:rPr lang="en-US" sz="2400" dirty="0" smtClean="0"/>
-              <a:t>algorithm </a:t>
+              <a:t>  -   Iterative optimization algorithm </a:t>
             </a:r>
           </a:p>
           <a:p>
             <a:pPr marL="508000" indent="-508000"/>
             <a:r>
               <a:rPr lang="en-US" sz="2400" dirty="0"/>
-              <a:t> </a:t>
-            </a:r>
-            <a:r>
-              <a:rPr lang="en-US" sz="2400" dirty="0" smtClean="0"/>
-              <a:t> -   Finds </a:t>
-            </a:r>
-            <a:r>
-              <a:rPr lang="en-US" sz="2400" dirty="0"/>
-              <a:t>a local </a:t>
-            </a:r>
-            <a:r>
-              <a:rPr lang="en-US" sz="2400" dirty="0" smtClean="0"/>
-              <a:t>minimums or maximums</a:t>
-            </a:r>
-            <a:r>
-              <a:rPr lang="en-US" sz="2400" dirty="0"/>
-              <a:t> of a function using </a:t>
-            </a:r>
-            <a:r>
-              <a:rPr lang="en-US" sz="2400" dirty="0" smtClean="0"/>
-              <a:t>incremental          gradient descent</a:t>
+              <a:t>  -   Finds a local minimums or maximums of a function using incremental          gradient descent</a:t>
             </a:r>
           </a:p>
           <a:p>
             <a:pPr marL="508000" indent="-508000"/>
             <a:r>
               <a:rPr lang="en-US" sz="2400" dirty="0"/>
-              <a:t> </a:t>
-            </a:r>
-            <a:r>
-              <a:rPr lang="en-US" sz="2400" dirty="0" smtClean="0"/>
-              <a:t> -   Takes </a:t>
-            </a:r>
-            <a:r>
-              <a:rPr lang="en-US" sz="2400" dirty="0"/>
-              <a:t>steps proportional to </a:t>
-            </a:r>
-            <a:r>
-              <a:rPr lang="en-US" sz="2400" dirty="0" smtClean="0"/>
-              <a:t>the negative/positive</a:t>
-            </a:r>
-            <a:r>
-              <a:rPr lang="en-US" sz="2400" dirty="0"/>
-              <a:t> of the gradient </a:t>
-            </a:r>
-            <a:r>
-              <a:rPr lang="en-US" sz="2400" dirty="0" smtClean="0"/>
-              <a:t>of </a:t>
-            </a:r>
-            <a:r>
-              <a:rPr lang="en-US" sz="2400" dirty="0"/>
-              <a:t>the function at the current point</a:t>
+              <a:t>  -   Takes steps proportional to the negative/positive of the gradient of the function at the current point</a:t>
             </a:r>
           </a:p>
         </p:txBody>
@@ -19794,1020 +20229,6 @@
   <p:clrMapOvr>
     <a:masterClrMapping/>
   </p:clrMapOvr>
-  <p:timing>
-    <p:tnLst>
-      <p:par>
-        <p:cTn id="1" dur="indefinite" restart="never" nodeType="tmRoot"/>
-      </p:par>
-    </p:tnLst>
-  </p:timing>
-</p:sld>
-</file>
-
-<file path=ppt/slides/slide8.xml><?xml version="1.0" encoding="utf-8"?>
-<p:sld xmlns:a="http://schemas.openxmlformats.org/drawingml/2006/main" xmlns:r="http://schemas.openxmlformats.org/officeDocument/2006/relationships" xmlns:p="http://schemas.openxmlformats.org/presentationml/2006/main">
-  <p:cSld>
-    <p:spTree>
-      <p:nvGrpSpPr>
-        <p:cNvPr id="1" name=""/>
-        <p:cNvGrpSpPr/>
-        <p:nvPr/>
-      </p:nvGrpSpPr>
-      <p:grpSpPr>
-        <a:xfrm>
-          <a:off x="0" y="0"/>
-          <a:ext cx="0" cy="0"/>
-          <a:chOff x="0" y="0"/>
-          <a:chExt cx="0" cy="0"/>
-        </a:xfrm>
-      </p:grpSpPr>
-      <p:sp>
-        <p:nvSpPr>
-          <p:cNvPr id="2" name="Title 1"/>
-          <p:cNvSpPr>
-            <a:spLocks noGrp="1"/>
-          </p:cNvSpPr>
-          <p:nvPr>
-            <p:ph type="title"/>
-          </p:nvPr>
-        </p:nvSpPr>
-        <p:spPr>
-          <a:xfrm>
-            <a:off x="697305" y="947826"/>
-            <a:ext cx="11029616" cy="1013800"/>
-          </a:xfrm>
-        </p:spPr>
-        <p:txBody>
-          <a:bodyPr>
-            <a:normAutofit fontScale="90000"/>
-          </a:bodyPr>
-          <a:lstStyle/>
-          <a:p>
-            <a:r>
-              <a:rPr lang="en-US" dirty="0" smtClean="0"/>
-              <a:t/>
-            </a:r>
-            <a:br>
-              <a:rPr lang="en-US" dirty="0" smtClean="0"/>
-            </a:br>
-            <a:r>
-              <a:rPr lang="en-US" dirty="0"/>
-              <a:t/>
-            </a:r>
-            <a:br>
-              <a:rPr lang="en-US" dirty="0"/>
-            </a:br>
-            <a:r>
-              <a:rPr lang="en-US" dirty="0" smtClean="0"/>
-              <a:t/>
-            </a:r>
-            <a:br>
-              <a:rPr lang="en-US" dirty="0" smtClean="0"/>
-            </a:br>
-            <a:r>
-              <a:rPr lang="en-US" dirty="0"/>
-              <a:t/>
-            </a:r>
-            <a:br>
-              <a:rPr lang="en-US" dirty="0"/>
-            </a:br>
-            <a:r>
-              <a:rPr lang="en-US" dirty="0" smtClean="0"/>
-              <a:t/>
-            </a:r>
-            <a:br>
-              <a:rPr lang="en-US" dirty="0" smtClean="0"/>
-            </a:br>
-            <a:r>
-              <a:rPr lang="en-US" dirty="0"/>
-              <a:t/>
-            </a:r>
-            <a:br>
-              <a:rPr lang="en-US" dirty="0"/>
-            </a:br>
-            <a:r>
-              <a:rPr lang="en-US" dirty="0" smtClean="0"/>
-              <a:t/>
-            </a:r>
-            <a:br>
-              <a:rPr lang="en-US" dirty="0" smtClean="0"/>
-            </a:br>
-            <a:r>
-              <a:rPr lang="en-US" dirty="0"/>
-              <a:t/>
-            </a:r>
-            <a:br>
-              <a:rPr lang="en-US" dirty="0"/>
-            </a:br>
-            <a:r>
-              <a:rPr lang="en-US" dirty="0" smtClean="0"/>
-              <a:t/>
-            </a:r>
-            <a:br>
-              <a:rPr lang="en-US" dirty="0" smtClean="0"/>
-            </a:br>
-            <a:r>
-              <a:rPr lang="en-US" dirty="0"/>
-              <a:t/>
-            </a:r>
-            <a:br>
-              <a:rPr lang="en-US" dirty="0"/>
-            </a:br>
-            <a:r>
-              <a:rPr lang="en-US" dirty="0" smtClean="0"/>
-              <a:t/>
-            </a:r>
-            <a:br>
-              <a:rPr lang="en-US" dirty="0" smtClean="0"/>
-            </a:br>
-            <a:r>
-              <a:rPr lang="en-US" dirty="0"/>
-              <a:t/>
-            </a:r>
-            <a:br>
-              <a:rPr lang="en-US" dirty="0"/>
-            </a:br>
-            <a:r>
-              <a:rPr lang="en-US" dirty="0" smtClean="0"/>
-              <a:t/>
-            </a:r>
-            <a:br>
-              <a:rPr lang="en-US" dirty="0" smtClean="0"/>
-            </a:br>
-            <a:r>
-              <a:rPr lang="en-US" sz="3600" dirty="0">
-                <a:solidFill>
-                  <a:srgbClr val="002060"/>
-                </a:solidFill>
-              </a:rPr>
-              <a:t>Decision </a:t>
-            </a:r>
-            <a:r>
-              <a:rPr lang="en-US" sz="3600" dirty="0" smtClean="0">
-                <a:solidFill>
-                  <a:srgbClr val="002060"/>
-                </a:solidFill>
-              </a:rPr>
-              <a:t>Tree LEARNING</a:t>
-            </a:r>
-            <a:r>
-              <a:rPr lang="en-US" dirty="0"/>
-              <a:t/>
-            </a:r>
-            <a:br>
-              <a:rPr lang="en-US" dirty="0"/>
-            </a:br>
-            <a:r>
-              <a:rPr lang="en-US" dirty="0"/>
-              <a:t/>
-            </a:r>
-            <a:br>
-              <a:rPr lang="en-US" dirty="0"/>
-            </a:br>
-            <a:endParaRPr lang="en-US" dirty="0"/>
-          </a:p>
-        </p:txBody>
-      </p:sp>
-      <p:sp>
-        <p:nvSpPr>
-          <p:cNvPr id="4" name="TextBox 3"/>
-          <p:cNvSpPr txBox="1"/>
-          <p:nvPr/>
-        </p:nvSpPr>
-        <p:spPr>
-          <a:xfrm>
-            <a:off x="581191" y="1538517"/>
-            <a:ext cx="10159380" cy="1569660"/>
-          </a:xfrm>
-          <a:prstGeom prst="rect">
-            <a:avLst/>
-          </a:prstGeom>
-          <a:noFill/>
-        </p:spPr>
-        <p:txBody>
-          <a:bodyPr wrap="square" rtlCol="0">
-            <a:spAutoFit/>
-          </a:bodyPr>
-          <a:lstStyle/>
-          <a:p>
-            <a:pPr marL="290513" indent="-290513"/>
-            <a:r>
-              <a:rPr lang="en-US" sz="2400" dirty="0" smtClean="0"/>
-              <a:t>-  Tree </a:t>
-            </a:r>
-            <a:r>
-              <a:rPr lang="en-US" sz="2400" dirty="0"/>
-              <a:t>with features represented as branches, and item’s target values in the leaves</a:t>
-            </a:r>
-          </a:p>
-          <a:p>
-            <a:pPr indent="-285750">
-              <a:buFontTx/>
-              <a:buChar char="-"/>
-            </a:pPr>
-            <a:r>
-              <a:rPr lang="en-US" sz="2400" dirty="0"/>
-              <a:t>Maps observations about an item to conclusions about the item’s target value</a:t>
-            </a:r>
-          </a:p>
-          <a:p>
-            <a:pPr indent="-285750">
-              <a:buFontTx/>
-              <a:buChar char="-"/>
-            </a:pPr>
-            <a:r>
-              <a:rPr lang="en-US" sz="2400" dirty="0"/>
-              <a:t>Classification trees take finite set of values – one among the given target </a:t>
-            </a:r>
-            <a:r>
-              <a:rPr lang="en-US" dirty="0" smtClean="0"/>
-              <a:t>classes </a:t>
-            </a:r>
-            <a:endParaRPr lang="en-US" dirty="0"/>
-          </a:p>
-        </p:txBody>
-      </p:sp>
-      <p:sp>
-        <p:nvSpPr>
-          <p:cNvPr id="5" name="Title 1"/>
-          <p:cNvSpPr txBox="1">
-            <a:spLocks/>
-          </p:cNvSpPr>
-          <p:nvPr/>
-        </p:nvSpPr>
-        <p:spPr>
-          <a:xfrm>
-            <a:off x="465077" y="2975426"/>
-            <a:ext cx="11029616" cy="1013800"/>
-          </a:xfrm>
-          <a:prstGeom prst="rect">
-            <a:avLst/>
-          </a:prstGeom>
-        </p:spPr>
-        <p:txBody>
-          <a:bodyPr vert="horz" lIns="91440" tIns="45720" rIns="91440" bIns="45720" rtlCol="0" anchor="b">
-            <a:normAutofit fontScale="25000" lnSpcReduction="20000"/>
-          </a:bodyPr>
-          <a:lstStyle>
-            <a:lvl1pPr algn="l" defTabSz="457200" rtl="0" eaLnBrk="1" latinLnBrk="0" hangingPunct="1">
-              <a:spcBef>
-                <a:spcPct val="0"/>
-              </a:spcBef>
-              <a:buNone/>
-              <a:defRPr sz="2800" b="0" kern="1200" cap="all">
-                <a:solidFill>
-                  <a:schemeClr val="bg1"/>
-                </a:solidFill>
-                <a:latin typeface="+mj-lt"/>
-                <a:ea typeface="+mj-ea"/>
-                <a:cs typeface="+mj-cs"/>
-              </a:defRPr>
-            </a:lvl1pPr>
-            <a:lvl2pPr eaLnBrk="1" hangingPunct="1">
-              <a:defRPr>
-                <a:solidFill>
-                  <a:schemeClr val="tx2"/>
-                </a:solidFill>
-              </a:defRPr>
-            </a:lvl2pPr>
-            <a:lvl3pPr eaLnBrk="1" hangingPunct="1">
-              <a:defRPr>
-                <a:solidFill>
-                  <a:schemeClr val="tx2"/>
-                </a:solidFill>
-              </a:defRPr>
-            </a:lvl3pPr>
-            <a:lvl4pPr eaLnBrk="1" hangingPunct="1">
-              <a:defRPr>
-                <a:solidFill>
-                  <a:schemeClr val="tx2"/>
-                </a:solidFill>
-              </a:defRPr>
-            </a:lvl4pPr>
-            <a:lvl5pPr eaLnBrk="1" hangingPunct="1">
-              <a:defRPr>
-                <a:solidFill>
-                  <a:schemeClr val="tx2"/>
-                </a:solidFill>
-              </a:defRPr>
-            </a:lvl5pPr>
-            <a:lvl6pPr eaLnBrk="1" hangingPunct="1">
-              <a:defRPr>
-                <a:solidFill>
-                  <a:schemeClr val="tx2"/>
-                </a:solidFill>
-              </a:defRPr>
-            </a:lvl6pPr>
-            <a:lvl7pPr eaLnBrk="1" hangingPunct="1">
-              <a:defRPr>
-                <a:solidFill>
-                  <a:schemeClr val="tx2"/>
-                </a:solidFill>
-              </a:defRPr>
-            </a:lvl7pPr>
-            <a:lvl8pPr eaLnBrk="1" hangingPunct="1">
-              <a:defRPr>
-                <a:solidFill>
-                  <a:schemeClr val="tx2"/>
-                </a:solidFill>
-              </a:defRPr>
-            </a:lvl8pPr>
-            <a:lvl9pPr eaLnBrk="1" hangingPunct="1">
-              <a:defRPr>
-                <a:solidFill>
-                  <a:schemeClr val="tx2"/>
-                </a:solidFill>
-              </a:defRPr>
-            </a:lvl9pPr>
-          </a:lstStyle>
-          <a:p>
-            <a:r>
-              <a:rPr lang="en-US" dirty="0" smtClean="0"/>
-              <a:t/>
-            </a:r>
-            <a:br>
-              <a:rPr lang="en-US" dirty="0" smtClean="0"/>
-            </a:br>
-            <a:r>
-              <a:rPr lang="en-US" dirty="0" smtClean="0"/>
-              <a:t/>
-            </a:r>
-            <a:br>
-              <a:rPr lang="en-US" dirty="0" smtClean="0"/>
-            </a:br>
-            <a:r>
-              <a:rPr lang="en-US" dirty="0" smtClean="0"/>
-              <a:t/>
-            </a:r>
-            <a:br>
-              <a:rPr lang="en-US" dirty="0" smtClean="0"/>
-            </a:br>
-            <a:r>
-              <a:rPr lang="en-US" dirty="0" smtClean="0"/>
-              <a:t/>
-            </a:r>
-            <a:br>
-              <a:rPr lang="en-US" dirty="0" smtClean="0"/>
-            </a:br>
-            <a:r>
-              <a:rPr lang="en-US" dirty="0" smtClean="0"/>
-              <a:t/>
-            </a:r>
-            <a:br>
-              <a:rPr lang="en-US" dirty="0" smtClean="0"/>
-            </a:br>
-            <a:r>
-              <a:rPr lang="en-US" dirty="0" smtClean="0"/>
-              <a:t/>
-            </a:r>
-            <a:br>
-              <a:rPr lang="en-US" dirty="0" smtClean="0"/>
-            </a:br>
-            <a:r>
-              <a:rPr lang="en-US" dirty="0" smtClean="0"/>
-              <a:t/>
-            </a:r>
-            <a:br>
-              <a:rPr lang="en-US" dirty="0" smtClean="0"/>
-            </a:br>
-            <a:r>
-              <a:rPr lang="en-US" dirty="0" smtClean="0"/>
-              <a:t/>
-            </a:r>
-            <a:br>
-              <a:rPr lang="en-US" dirty="0" smtClean="0"/>
-            </a:br>
-            <a:r>
-              <a:rPr lang="en-US" dirty="0" smtClean="0"/>
-              <a:t/>
-            </a:r>
-            <a:br>
-              <a:rPr lang="en-US" dirty="0" smtClean="0"/>
-            </a:br>
-            <a:r>
-              <a:rPr lang="en-US" dirty="0" smtClean="0"/>
-              <a:t/>
-            </a:r>
-            <a:br>
-              <a:rPr lang="en-US" dirty="0" smtClean="0"/>
-            </a:br>
-            <a:r>
-              <a:rPr lang="en-US" dirty="0" smtClean="0"/>
-              <a:t/>
-            </a:r>
-            <a:br>
-              <a:rPr lang="en-US" dirty="0" smtClean="0"/>
-            </a:br>
-            <a:r>
-              <a:rPr lang="en-US" dirty="0" smtClean="0"/>
-              <a:t/>
-            </a:r>
-            <a:br>
-              <a:rPr lang="en-US" dirty="0" smtClean="0"/>
-            </a:br>
-            <a:r>
-              <a:rPr lang="en-US" sz="12800" dirty="0" smtClean="0"/>
-              <a:t/>
-            </a:r>
-            <a:br>
-              <a:rPr lang="en-US" sz="12800" dirty="0" smtClean="0"/>
-            </a:br>
-            <a:r>
-              <a:rPr lang="en-US" dirty="0" smtClean="0"/>
-              <a:t/>
-            </a:r>
-            <a:br>
-              <a:rPr lang="en-US" dirty="0" smtClean="0"/>
-            </a:br>
-            <a:endParaRPr lang="en-US" dirty="0"/>
-          </a:p>
-        </p:txBody>
-      </p:sp>
-      <p:sp>
-        <p:nvSpPr>
-          <p:cNvPr id="6" name="TextBox 5"/>
-          <p:cNvSpPr txBox="1"/>
-          <p:nvPr/>
-        </p:nvSpPr>
-        <p:spPr>
-          <a:xfrm>
-            <a:off x="465077" y="3989226"/>
-            <a:ext cx="9869094" cy="1569660"/>
-          </a:xfrm>
-          <a:prstGeom prst="rect">
-            <a:avLst/>
-          </a:prstGeom>
-          <a:noFill/>
-        </p:spPr>
-        <p:txBody>
-          <a:bodyPr wrap="square" rtlCol="0">
-            <a:spAutoFit/>
-          </a:bodyPr>
-          <a:lstStyle/>
-          <a:p>
-            <a:r>
-              <a:rPr lang="en-US" sz="2400" dirty="0" smtClean="0"/>
-              <a:t>  -   Algorithm to boost performance of weak learning algorithms</a:t>
-            </a:r>
-          </a:p>
-          <a:p>
-            <a:pPr marL="465138" indent="-465138"/>
-            <a:r>
-              <a:rPr lang="en-US" sz="2400" dirty="0"/>
-              <a:t> </a:t>
-            </a:r>
-            <a:r>
-              <a:rPr lang="en-US" sz="2400" dirty="0" smtClean="0"/>
-              <a:t> -  Used in conjunction with different algorithms – combining their outputs to   a weighted sum</a:t>
-            </a:r>
-          </a:p>
-          <a:p>
-            <a:r>
-              <a:rPr lang="en-US" sz="2400" dirty="0"/>
-              <a:t> </a:t>
-            </a:r>
-            <a:r>
-              <a:rPr lang="en-US" sz="2400" dirty="0" smtClean="0"/>
-              <a:t> -  Can be less susceptible to overfitting than other algorithms</a:t>
-            </a:r>
-            <a:endParaRPr lang="en-US" sz="2400" dirty="0"/>
-          </a:p>
-        </p:txBody>
-      </p:sp>
-      <p:sp>
-        <p:nvSpPr>
-          <p:cNvPr id="7" name="Title 1"/>
-          <p:cNvSpPr txBox="1">
-            <a:spLocks/>
-          </p:cNvSpPr>
-          <p:nvPr/>
-        </p:nvSpPr>
-        <p:spPr>
-          <a:xfrm>
-            <a:off x="849705" y="2972567"/>
-            <a:ext cx="11029616" cy="1013800"/>
-          </a:xfrm>
-          <a:prstGeom prst="rect">
-            <a:avLst/>
-          </a:prstGeom>
-        </p:spPr>
-        <p:txBody>
-          <a:bodyPr vert="horz" lIns="91440" tIns="45720" rIns="91440" bIns="45720" rtlCol="0" anchor="b">
-            <a:normAutofit/>
-          </a:bodyPr>
-          <a:lstStyle>
-            <a:lvl1pPr algn="l" defTabSz="457200" rtl="0" eaLnBrk="1" latinLnBrk="0" hangingPunct="1">
-              <a:spcBef>
-                <a:spcPct val="0"/>
-              </a:spcBef>
-              <a:buNone/>
-              <a:defRPr sz="2800" b="0" kern="1200" cap="all">
-                <a:solidFill>
-                  <a:schemeClr val="bg1"/>
-                </a:solidFill>
-                <a:latin typeface="+mj-lt"/>
-                <a:ea typeface="+mj-ea"/>
-                <a:cs typeface="+mj-cs"/>
-              </a:defRPr>
-            </a:lvl1pPr>
-            <a:lvl2pPr eaLnBrk="1" hangingPunct="1">
-              <a:defRPr>
-                <a:solidFill>
-                  <a:schemeClr val="tx2"/>
-                </a:solidFill>
-              </a:defRPr>
-            </a:lvl2pPr>
-            <a:lvl3pPr eaLnBrk="1" hangingPunct="1">
-              <a:defRPr>
-                <a:solidFill>
-                  <a:schemeClr val="tx2"/>
-                </a:solidFill>
-              </a:defRPr>
-            </a:lvl3pPr>
-            <a:lvl4pPr eaLnBrk="1" hangingPunct="1">
-              <a:defRPr>
-                <a:solidFill>
-                  <a:schemeClr val="tx2"/>
-                </a:solidFill>
-              </a:defRPr>
-            </a:lvl4pPr>
-            <a:lvl5pPr eaLnBrk="1" hangingPunct="1">
-              <a:defRPr>
-                <a:solidFill>
-                  <a:schemeClr val="tx2"/>
-                </a:solidFill>
-              </a:defRPr>
-            </a:lvl5pPr>
-            <a:lvl6pPr eaLnBrk="1" hangingPunct="1">
-              <a:defRPr>
-                <a:solidFill>
-                  <a:schemeClr val="tx2"/>
-                </a:solidFill>
-              </a:defRPr>
-            </a:lvl6pPr>
-            <a:lvl7pPr eaLnBrk="1" hangingPunct="1">
-              <a:defRPr>
-                <a:solidFill>
-                  <a:schemeClr val="tx2"/>
-                </a:solidFill>
-              </a:defRPr>
-            </a:lvl7pPr>
-            <a:lvl8pPr eaLnBrk="1" hangingPunct="1">
-              <a:defRPr>
-                <a:solidFill>
-                  <a:schemeClr val="tx2"/>
-                </a:solidFill>
-              </a:defRPr>
-            </a:lvl8pPr>
-            <a:lvl9pPr eaLnBrk="1" hangingPunct="1">
-              <a:defRPr>
-                <a:solidFill>
-                  <a:schemeClr val="tx2"/>
-                </a:solidFill>
-              </a:defRPr>
-            </a:lvl9pPr>
-          </a:lstStyle>
-          <a:p>
-            <a:r>
-              <a:rPr lang="en-US" sz="3200" dirty="0" err="1" smtClean="0">
-                <a:solidFill>
-                  <a:srgbClr val="002060"/>
-                </a:solidFill>
-              </a:rPr>
-              <a:t>ADAptive</a:t>
-            </a:r>
-            <a:r>
-              <a:rPr lang="en-US" sz="3200" dirty="0" smtClean="0">
-                <a:solidFill>
-                  <a:srgbClr val="002060"/>
-                </a:solidFill>
-              </a:rPr>
-              <a:t> Boosting</a:t>
-            </a:r>
-            <a:endParaRPr lang="en-US" sz="3200" dirty="0">
-              <a:solidFill>
-                <a:srgbClr val="002060"/>
-              </a:solidFill>
-            </a:endParaRPr>
-          </a:p>
-        </p:txBody>
-      </p:sp>
-    </p:spTree>
-    <p:extLst>
-      <p:ext uri="{BB962C8B-B14F-4D97-AF65-F5344CB8AC3E}">
-        <p14:creationId xmlns:p14="http://schemas.microsoft.com/office/powerpoint/2010/main" val="2636115634"/>
-      </p:ext>
-    </p:extLst>
-  </p:cSld>
-  <p:clrMapOvr>
-    <a:masterClrMapping/>
-  </p:clrMapOvr>
-  <p:timing>
-    <p:tnLst>
-      <p:par>
-        <p:cTn id="1" dur="indefinite" restart="never" nodeType="tmRoot"/>
-      </p:par>
-    </p:tnLst>
-  </p:timing>
-</p:sld>
-</file>
-
-<file path=ppt/slides/slide9.xml><?xml version="1.0" encoding="utf-8"?>
-<p:sld xmlns:a="http://schemas.openxmlformats.org/drawingml/2006/main" xmlns:r="http://schemas.openxmlformats.org/officeDocument/2006/relationships" xmlns:p="http://schemas.openxmlformats.org/presentationml/2006/main">
-  <p:cSld>
-    <p:spTree>
-      <p:nvGrpSpPr>
-        <p:cNvPr id="1" name=""/>
-        <p:cNvGrpSpPr/>
-        <p:nvPr/>
-      </p:nvGrpSpPr>
-      <p:grpSpPr>
-        <a:xfrm>
-          <a:off x="0" y="0"/>
-          <a:ext cx="0" cy="0"/>
-          <a:chOff x="0" y="0"/>
-          <a:chExt cx="0" cy="0"/>
-        </a:xfrm>
-      </p:grpSpPr>
-      <p:sp>
-        <p:nvSpPr>
-          <p:cNvPr id="2" name="Title 1"/>
-          <p:cNvSpPr>
-            <a:spLocks noGrp="1"/>
-          </p:cNvSpPr>
-          <p:nvPr>
-            <p:ph type="title"/>
-          </p:nvPr>
-        </p:nvSpPr>
-        <p:spPr>
-          <a:xfrm>
-            <a:off x="581191" y="1166696"/>
-            <a:ext cx="11029616" cy="1013800"/>
-          </a:xfrm>
-        </p:spPr>
-        <p:txBody>
-          <a:bodyPr>
-            <a:normAutofit fontScale="90000"/>
-          </a:bodyPr>
-          <a:lstStyle/>
-          <a:p>
-            <a:r>
-              <a:rPr lang="en-US" dirty="0" smtClean="0"/>
-              <a:t/>
-            </a:r>
-            <a:br>
-              <a:rPr lang="en-US" dirty="0" smtClean="0"/>
-            </a:br>
-            <a:r>
-              <a:rPr lang="en-US" dirty="0" smtClean="0"/>
-              <a:t/>
-            </a:r>
-            <a:br>
-              <a:rPr lang="en-US" dirty="0" smtClean="0"/>
-            </a:br>
-            <a:r>
-              <a:rPr lang="en-US" dirty="0" smtClean="0"/>
-              <a:t/>
-            </a:r>
-            <a:br>
-              <a:rPr lang="en-US" dirty="0" smtClean="0"/>
-            </a:br>
-            <a:r>
-              <a:rPr lang="en-US" dirty="0" smtClean="0"/>
-              <a:t/>
-            </a:r>
-            <a:br>
-              <a:rPr lang="en-US" dirty="0" smtClean="0"/>
-            </a:br>
-            <a:r>
-              <a:rPr lang="en-US" dirty="0" smtClean="0"/>
-              <a:t/>
-            </a:r>
-            <a:br>
-              <a:rPr lang="en-US" dirty="0" smtClean="0"/>
-            </a:br>
-            <a:r>
-              <a:rPr lang="en-US" dirty="0" smtClean="0"/>
-              <a:t/>
-            </a:r>
-            <a:br>
-              <a:rPr lang="en-US" dirty="0" smtClean="0"/>
-            </a:br>
-            <a:r>
-              <a:rPr lang="en-US" dirty="0" smtClean="0"/>
-              <a:t/>
-            </a:r>
-            <a:br>
-              <a:rPr lang="en-US" dirty="0" smtClean="0"/>
-            </a:br>
-            <a:r>
-              <a:rPr lang="en-US" dirty="0" smtClean="0"/>
-              <a:t/>
-            </a:r>
-            <a:br>
-              <a:rPr lang="en-US" dirty="0" smtClean="0"/>
-            </a:br>
-            <a:r>
-              <a:rPr lang="en-US" dirty="0" smtClean="0"/>
-              <a:t/>
-            </a:r>
-            <a:br>
-              <a:rPr lang="en-US" dirty="0" smtClean="0"/>
-            </a:br>
-            <a:r>
-              <a:rPr lang="en-US" dirty="0" smtClean="0"/>
-              <a:t/>
-            </a:r>
-            <a:br>
-              <a:rPr lang="en-US" dirty="0" smtClean="0"/>
-            </a:br>
-            <a:r>
-              <a:rPr lang="en-US" dirty="0" smtClean="0"/>
-              <a:t/>
-            </a:r>
-            <a:br>
-              <a:rPr lang="en-US" dirty="0" smtClean="0"/>
-            </a:br>
-            <a:r>
-              <a:rPr lang="en-US" dirty="0" smtClean="0"/>
-              <a:t/>
-            </a:r>
-            <a:br>
-              <a:rPr lang="en-US" dirty="0" smtClean="0"/>
-            </a:br>
-            <a:r>
-              <a:rPr lang="en-US" dirty="0" smtClean="0"/>
-              <a:t/>
-            </a:r>
-            <a:br>
-              <a:rPr lang="en-US" dirty="0" smtClean="0"/>
-            </a:br>
-            <a:r>
-              <a:rPr lang="en-US" sz="3600" dirty="0" smtClean="0">
-                <a:solidFill>
-                  <a:srgbClr val="002060"/>
-                </a:solidFill>
-              </a:rPr>
-              <a:t>K-Nearest-Neighbors (</a:t>
-            </a:r>
-            <a:r>
-              <a:rPr lang="en-US" sz="3600" cap="none" dirty="0" err="1" smtClean="0">
-                <a:solidFill>
-                  <a:srgbClr val="002060"/>
-                </a:solidFill>
-                <a:latin typeface="+mn-lt"/>
-                <a:cs typeface="Arial" panose="020B0604020202020204" pitchFamily="34" charset="0"/>
-              </a:rPr>
-              <a:t>kNN</a:t>
-            </a:r>
-            <a:r>
-              <a:rPr lang="en-US" sz="3600" dirty="0" smtClean="0">
-                <a:solidFill>
-                  <a:srgbClr val="002060"/>
-                </a:solidFill>
-                <a:latin typeface="+mn-lt"/>
-                <a:cs typeface="Arial" panose="020B0604020202020204" pitchFamily="34" charset="0"/>
-              </a:rPr>
-              <a:t>)</a:t>
-            </a:r>
-            <a:r>
-              <a:rPr lang="en-US" dirty="0" smtClean="0"/>
-              <a:t/>
-            </a:r>
-            <a:br>
-              <a:rPr lang="en-US" dirty="0" smtClean="0"/>
-            </a:br>
-            <a:r>
-              <a:rPr lang="en-US" dirty="0" smtClean="0"/>
-              <a:t/>
-            </a:r>
-            <a:br>
-              <a:rPr lang="en-US" dirty="0" smtClean="0"/>
-            </a:br>
-            <a:endParaRPr lang="en-US" dirty="0"/>
-          </a:p>
-        </p:txBody>
-      </p:sp>
-      <p:sp>
-        <p:nvSpPr>
-          <p:cNvPr id="4" name="TextBox 3"/>
-          <p:cNvSpPr txBox="1"/>
-          <p:nvPr/>
-        </p:nvSpPr>
-        <p:spPr>
-          <a:xfrm>
-            <a:off x="465077" y="1507288"/>
-            <a:ext cx="9869094" cy="1938992"/>
-          </a:xfrm>
-          <a:prstGeom prst="rect">
-            <a:avLst/>
-          </a:prstGeom>
-          <a:noFill/>
-        </p:spPr>
-        <p:txBody>
-          <a:bodyPr wrap="square" rtlCol="0">
-            <a:spAutoFit/>
-          </a:bodyPr>
-          <a:lstStyle/>
-          <a:p>
-            <a:r>
-              <a:rPr lang="en-US" sz="2400" dirty="0" smtClean="0"/>
-              <a:t>  -   Instance-based or ‘lazy’ learning; non-parametric technique</a:t>
-            </a:r>
-          </a:p>
-          <a:p>
-            <a:pPr marL="508000" indent="-508000"/>
-            <a:r>
-              <a:rPr lang="en-US" sz="2400" dirty="0" smtClean="0"/>
-              <a:t>  -   Given an input of </a:t>
-            </a:r>
-            <a:r>
-              <a:rPr lang="en-US" sz="2400" i="1" dirty="0" smtClean="0"/>
-              <a:t>k </a:t>
-            </a:r>
-            <a:r>
-              <a:rPr lang="en-US" sz="2400" dirty="0" smtClean="0"/>
-              <a:t>closest training examples in the features, returns class membership </a:t>
-            </a:r>
-          </a:p>
-          <a:p>
-            <a:pPr marL="508000" indent="-508000"/>
-            <a:r>
-              <a:rPr lang="en-US" sz="2400" dirty="0" smtClean="0"/>
-              <a:t>  -   Classification by majority voting of neighbors, most common class is assigned</a:t>
-            </a:r>
-          </a:p>
-        </p:txBody>
-      </p:sp>
-      <p:sp>
-        <p:nvSpPr>
-          <p:cNvPr id="5" name="Title 1"/>
-          <p:cNvSpPr txBox="1">
-            <a:spLocks/>
-          </p:cNvSpPr>
-          <p:nvPr/>
-        </p:nvSpPr>
-        <p:spPr>
-          <a:xfrm>
-            <a:off x="617477" y="3127824"/>
-            <a:ext cx="11029616" cy="1013800"/>
-          </a:xfrm>
-          <a:prstGeom prst="rect">
-            <a:avLst/>
-          </a:prstGeom>
-        </p:spPr>
-        <p:txBody>
-          <a:bodyPr vert="horz" lIns="91440" tIns="45720" rIns="91440" bIns="45720" rtlCol="0" anchor="b">
-            <a:normAutofit/>
-          </a:bodyPr>
-          <a:lstStyle>
-            <a:lvl1pPr algn="l" defTabSz="457200" rtl="0" eaLnBrk="1" latinLnBrk="0" hangingPunct="1">
-              <a:spcBef>
-                <a:spcPct val="0"/>
-              </a:spcBef>
-              <a:buNone/>
-              <a:defRPr sz="2800" b="0" kern="1200" cap="all">
-                <a:solidFill>
-                  <a:schemeClr val="bg1"/>
-                </a:solidFill>
-                <a:latin typeface="+mj-lt"/>
-                <a:ea typeface="+mj-ea"/>
-                <a:cs typeface="+mj-cs"/>
-              </a:defRPr>
-            </a:lvl1pPr>
-            <a:lvl2pPr eaLnBrk="1" hangingPunct="1">
-              <a:defRPr>
-                <a:solidFill>
-                  <a:schemeClr val="tx2"/>
-                </a:solidFill>
-              </a:defRPr>
-            </a:lvl2pPr>
-            <a:lvl3pPr eaLnBrk="1" hangingPunct="1">
-              <a:defRPr>
-                <a:solidFill>
-                  <a:schemeClr val="tx2"/>
-                </a:solidFill>
-              </a:defRPr>
-            </a:lvl3pPr>
-            <a:lvl4pPr eaLnBrk="1" hangingPunct="1">
-              <a:defRPr>
-                <a:solidFill>
-                  <a:schemeClr val="tx2"/>
-                </a:solidFill>
-              </a:defRPr>
-            </a:lvl4pPr>
-            <a:lvl5pPr eaLnBrk="1" hangingPunct="1">
-              <a:defRPr>
-                <a:solidFill>
-                  <a:schemeClr val="tx2"/>
-                </a:solidFill>
-              </a:defRPr>
-            </a:lvl5pPr>
-            <a:lvl6pPr eaLnBrk="1" hangingPunct="1">
-              <a:defRPr>
-                <a:solidFill>
-                  <a:schemeClr val="tx2"/>
-                </a:solidFill>
-              </a:defRPr>
-            </a:lvl6pPr>
-            <a:lvl7pPr eaLnBrk="1" hangingPunct="1">
-              <a:defRPr>
-                <a:solidFill>
-                  <a:schemeClr val="tx2"/>
-                </a:solidFill>
-              </a:defRPr>
-            </a:lvl7pPr>
-            <a:lvl8pPr eaLnBrk="1" hangingPunct="1">
-              <a:defRPr>
-                <a:solidFill>
-                  <a:schemeClr val="tx2"/>
-                </a:solidFill>
-              </a:defRPr>
-            </a:lvl8pPr>
-            <a:lvl9pPr eaLnBrk="1" hangingPunct="1">
-              <a:defRPr>
-                <a:solidFill>
-                  <a:schemeClr val="tx2"/>
-                </a:solidFill>
-              </a:defRPr>
-            </a:lvl9pPr>
-          </a:lstStyle>
-          <a:p>
-            <a:r>
-              <a:rPr lang="en-US" sz="3200" dirty="0" smtClean="0">
-                <a:solidFill>
-                  <a:srgbClr val="002060"/>
-                </a:solidFill>
-              </a:rPr>
-              <a:t>SUPPORT VECTOR MACHINE (SVM)</a:t>
-            </a:r>
-            <a:endParaRPr lang="en-US" sz="3200" dirty="0">
-              <a:solidFill>
-                <a:srgbClr val="002060"/>
-              </a:solidFill>
-            </a:endParaRPr>
-          </a:p>
-        </p:txBody>
-      </p:sp>
-      <p:sp>
-        <p:nvSpPr>
-          <p:cNvPr id="6" name="TextBox 5"/>
-          <p:cNvSpPr txBox="1"/>
-          <p:nvPr/>
-        </p:nvSpPr>
-        <p:spPr>
-          <a:xfrm>
-            <a:off x="465077" y="4141624"/>
-            <a:ext cx="9869094" cy="1569660"/>
-          </a:xfrm>
-          <a:prstGeom prst="rect">
-            <a:avLst/>
-          </a:prstGeom>
-          <a:noFill/>
-        </p:spPr>
-        <p:txBody>
-          <a:bodyPr wrap="square" rtlCol="0">
-            <a:spAutoFit/>
-          </a:bodyPr>
-          <a:lstStyle/>
-          <a:p>
-            <a:r>
-              <a:rPr lang="en-US" sz="2400" dirty="0" smtClean="0"/>
-              <a:t>  -   Discriminative classifier formally defined by a separating hyperplane</a:t>
-            </a:r>
-          </a:p>
-          <a:p>
-            <a:r>
-              <a:rPr lang="en-US" sz="2400" dirty="0" smtClean="0"/>
-              <a:t>  -   Supervised learning technique; </a:t>
-            </a:r>
-          </a:p>
-          <a:p>
-            <a:pPr marL="508000" indent="-508000"/>
-            <a:r>
-              <a:rPr lang="en-US" sz="2400" dirty="0" smtClean="0"/>
-              <a:t>  -   Non-probabilistic linear classifier - assigns new examples to one class or another </a:t>
-            </a:r>
-          </a:p>
-        </p:txBody>
-      </p:sp>
-    </p:spTree>
-    <p:extLst>
-      <p:ext uri="{BB962C8B-B14F-4D97-AF65-F5344CB8AC3E}">
-        <p14:creationId xmlns:p14="http://schemas.microsoft.com/office/powerpoint/2010/main" val="571434746"/>
-      </p:ext>
-    </p:extLst>
-  </p:cSld>
-  <p:clrMapOvr>
-    <a:masterClrMapping/>
-  </p:clrMapOvr>
-  <p:timing>
-    <p:tnLst>
-      <p:par>
-        <p:cTn id="1" dur="indefinite" restart="never" nodeType="tmRoot"/>
-      </p:par>
-    </p:tnLst>
-  </p:timing>
 </p:sld>
 </file>
 
